--- a/Plots/Flow diagram.pptx
+++ b/Plots/Flow diagram.pptx
@@ -107,6 +107,11 @@
       </a:defRPr>
     </a:lvl9pPr>
   </p:defaultTextStyle>
+  <p:extLst>
+    <p:ext uri="{EFAFB233-063F-42B5-8137-9DF3F51BA10A}">
+      <p15:sldGuideLst xmlns:p15="http://schemas.microsoft.com/office/powerpoint/2012/main"/>
+    </p:ext>
+  </p:extLst>
 </p:presentation>
 </file>
 
@@ -192,7 +197,7 @@
           <a:p>
             <a:fld id="{8C6C900F-6692-4F4D-92AC-89375F651F64}" type="datetimeFigureOut">
               <a:rPr lang="en-AU" smtClean="0"/>
-              <a:t>5/09/2025</a:t>
+              <a:t>24/09/2025</a:t>
             </a:fld>
             <a:endParaRPr lang="en-AU"/>
           </a:p>
@@ -707,7 +712,7 @@
           <a:p>
             <a:fld id="{6C3B1910-80F9-4E25-8D4C-FCDFDBA62407}" type="datetimeFigureOut">
               <a:rPr lang="en-AU" smtClean="0"/>
-              <a:t>5/09/2025</a:t>
+              <a:t>24/09/2025</a:t>
             </a:fld>
             <a:endParaRPr lang="en-AU"/>
           </a:p>
@@ -877,7 +882,7 @@
           <a:p>
             <a:fld id="{6C3B1910-80F9-4E25-8D4C-FCDFDBA62407}" type="datetimeFigureOut">
               <a:rPr lang="en-AU" smtClean="0"/>
-              <a:t>5/09/2025</a:t>
+              <a:t>24/09/2025</a:t>
             </a:fld>
             <a:endParaRPr lang="en-AU"/>
           </a:p>
@@ -1057,7 +1062,7 @@
           <a:p>
             <a:fld id="{6C3B1910-80F9-4E25-8D4C-FCDFDBA62407}" type="datetimeFigureOut">
               <a:rPr lang="en-AU" smtClean="0"/>
-              <a:t>5/09/2025</a:t>
+              <a:t>24/09/2025</a:t>
             </a:fld>
             <a:endParaRPr lang="en-AU"/>
           </a:p>
@@ -1227,7 +1232,7 @@
           <a:p>
             <a:fld id="{6C3B1910-80F9-4E25-8D4C-FCDFDBA62407}" type="datetimeFigureOut">
               <a:rPr lang="en-AU" smtClean="0"/>
-              <a:t>5/09/2025</a:t>
+              <a:t>24/09/2025</a:t>
             </a:fld>
             <a:endParaRPr lang="en-AU"/>
           </a:p>
@@ -1473,7 +1478,7 @@
           <a:p>
             <a:fld id="{6C3B1910-80F9-4E25-8D4C-FCDFDBA62407}" type="datetimeFigureOut">
               <a:rPr lang="en-AU" smtClean="0"/>
-              <a:t>5/09/2025</a:t>
+              <a:t>24/09/2025</a:t>
             </a:fld>
             <a:endParaRPr lang="en-AU"/>
           </a:p>
@@ -1705,7 +1710,7 @@
           <a:p>
             <a:fld id="{6C3B1910-80F9-4E25-8D4C-FCDFDBA62407}" type="datetimeFigureOut">
               <a:rPr lang="en-AU" smtClean="0"/>
-              <a:t>5/09/2025</a:t>
+              <a:t>24/09/2025</a:t>
             </a:fld>
             <a:endParaRPr lang="en-AU"/>
           </a:p>
@@ -2072,7 +2077,7 @@
           <a:p>
             <a:fld id="{6C3B1910-80F9-4E25-8D4C-FCDFDBA62407}" type="datetimeFigureOut">
               <a:rPr lang="en-AU" smtClean="0"/>
-              <a:t>5/09/2025</a:t>
+              <a:t>24/09/2025</a:t>
             </a:fld>
             <a:endParaRPr lang="en-AU"/>
           </a:p>
@@ -2190,7 +2195,7 @@
           <a:p>
             <a:fld id="{6C3B1910-80F9-4E25-8D4C-FCDFDBA62407}" type="datetimeFigureOut">
               <a:rPr lang="en-AU" smtClean="0"/>
-              <a:t>5/09/2025</a:t>
+              <a:t>24/09/2025</a:t>
             </a:fld>
             <a:endParaRPr lang="en-AU"/>
           </a:p>
@@ -2285,7 +2290,7 @@
           <a:p>
             <a:fld id="{6C3B1910-80F9-4E25-8D4C-FCDFDBA62407}" type="datetimeFigureOut">
               <a:rPr lang="en-AU" smtClean="0"/>
-              <a:t>5/09/2025</a:t>
+              <a:t>24/09/2025</a:t>
             </a:fld>
             <a:endParaRPr lang="en-AU"/>
           </a:p>
@@ -2562,7 +2567,7 @@
           <a:p>
             <a:fld id="{6C3B1910-80F9-4E25-8D4C-FCDFDBA62407}" type="datetimeFigureOut">
               <a:rPr lang="en-AU" smtClean="0"/>
-              <a:t>5/09/2025</a:t>
+              <a:t>24/09/2025</a:t>
             </a:fld>
             <a:endParaRPr lang="en-AU"/>
           </a:p>
@@ -2819,7 +2824,7 @@
           <a:p>
             <a:fld id="{6C3B1910-80F9-4E25-8D4C-FCDFDBA62407}" type="datetimeFigureOut">
               <a:rPr lang="en-AU" smtClean="0"/>
-              <a:t>5/09/2025</a:t>
+              <a:t>24/09/2025</a:t>
             </a:fld>
             <a:endParaRPr lang="en-AU"/>
           </a:p>
@@ -3032,7 +3037,7 @@
           <a:p>
             <a:fld id="{6C3B1910-80F9-4E25-8D4C-FCDFDBA62407}" type="datetimeFigureOut">
               <a:rPr lang="en-AU" smtClean="0"/>
-              <a:t>5/09/2025</a:t>
+              <a:t>24/09/2025</a:t>
             </a:fld>
             <a:endParaRPr lang="en-AU"/>
           </a:p>
@@ -4561,7 +4566,7 @@
         </p:nvSpPr>
         <p:spPr>
           <a:xfrm>
-            <a:off x="21537560" y="12682055"/>
+            <a:off x="21537559" y="13250207"/>
             <a:ext cx="4523481" cy="584775"/>
           </a:xfrm>
           <a:prstGeom prst="rect">
@@ -4604,7 +4609,7 @@
         </p:nvSpPr>
         <p:spPr>
           <a:xfrm>
-            <a:off x="21356709" y="14259005"/>
+            <a:off x="21356708" y="15079736"/>
             <a:ext cx="4885183" cy="338554"/>
           </a:xfrm>
           <a:prstGeom prst="rect">
@@ -4622,49 +4627,6 @@
             <a:r>
               <a:rPr lang="en-AU" sz="1600" dirty="0"/>
               <a:t>If they recruit calculate how many seedlings recruited</a:t>
-            </a:r>
-          </a:p>
-        </p:txBody>
-      </p:sp>
-      <p:sp>
-        <p:nvSpPr>
-          <p:cNvPr id="76" name="TextBox 75">
-            <a:extLst>
-              <a:ext uri="{FF2B5EF4-FFF2-40B4-BE49-F238E27FC236}">
-                <a16:creationId xmlns:a16="http://schemas.microsoft.com/office/drawing/2014/main" id="{B42FFCBD-6DDF-D472-E3D0-D802D4E84E0E}"/>
-              </a:ext>
-            </a:extLst>
-          </p:cNvPr>
-          <p:cNvSpPr txBox="1"/>
-          <p:nvPr/>
-        </p:nvSpPr>
-        <p:spPr>
-          <a:xfrm>
-            <a:off x="21549159" y="15357212"/>
-            <a:ext cx="4523481" cy="584775"/>
-          </a:xfrm>
-          <a:prstGeom prst="rect">
-            <a:avLst/>
-          </a:prstGeom>
-          <a:noFill/>
-        </p:spPr>
-        <p:txBody>
-          <a:bodyPr wrap="none" rtlCol="0">
-            <a:spAutoFit/>
-          </a:bodyPr>
-          <a:lstStyle/>
-          <a:p>
-            <a:pPr algn="ctr"/>
-            <a:r>
-              <a:rPr lang="en-AU" sz="1600" dirty="0"/>
-              <a:t>Calculate number of fecund individuals and </a:t>
-            </a:r>
-            <a:br>
-              <a:rPr lang="en-AU" sz="1600" dirty="0"/>
-            </a:br>
-            <a:r>
-              <a:rPr lang="en-AU" sz="1600" dirty="0"/>
-              <a:t>their chance of recruitment given age + MR status</a:t>
             </a:r>
           </a:p>
         </p:txBody>
@@ -5051,14 +5013,13 @@
           <p:cNvCxnSpPr>
             <a:cxnSpLocks/>
             <a:stCxn id="74" idx="2"/>
-            <a:endCxn id="75" idx="0"/>
           </p:cNvCxnSpPr>
           <p:nvPr/>
         </p:nvCxnSpPr>
         <p:spPr>
           <a:xfrm>
-            <a:off x="23799300" y="13266829"/>
-            <a:ext cx="0" cy="992176"/>
+            <a:off x="23799300" y="13834982"/>
+            <a:ext cx="0" cy="1011923"/>
           </a:xfrm>
           <a:prstGeom prst="straightConnector1">
             <a:avLst/>
@@ -5101,8 +5062,8 @@
         </p:nvCxnSpPr>
         <p:spPr>
           <a:xfrm>
-            <a:off x="26241892" y="14428282"/>
-            <a:ext cx="955852" cy="5225"/>
+            <a:off x="26241891" y="15249013"/>
+            <a:ext cx="978557" cy="5128"/>
           </a:xfrm>
           <a:prstGeom prst="straightConnector1">
             <a:avLst/>
@@ -5141,7 +5102,7 @@
         </p:nvSpPr>
         <p:spPr>
           <a:xfrm>
-            <a:off x="27197744" y="14264230"/>
+            <a:off x="27220448" y="15084864"/>
             <a:ext cx="8314905" cy="338554"/>
           </a:xfrm>
           <a:prstGeom prst="rect">
@@ -5213,7 +5174,7 @@
         </p:nvSpPr>
         <p:spPr>
           <a:xfrm>
-            <a:off x="26933574" y="12820554"/>
+            <a:off x="26933573" y="13388706"/>
             <a:ext cx="2903872" cy="338554"/>
           </a:xfrm>
           <a:prstGeom prst="rect">
@@ -5294,7 +5255,7 @@
         <p:spPr>
           <a:xfrm flipH="1">
             <a:off x="23799300" y="11855520"/>
-            <a:ext cx="2020" cy="826535"/>
+            <a:ext cx="2021" cy="1394687"/>
           </a:xfrm>
           <a:prstGeom prst="straightConnector1">
             <a:avLst/>
@@ -5337,7 +5298,7 @@
         </p:nvCxnSpPr>
         <p:spPr>
           <a:xfrm>
-            <a:off x="26061041" y="12974443"/>
+            <a:off x="26061040" y="13542595"/>
             <a:ext cx="872533" cy="15388"/>
           </a:xfrm>
           <a:prstGeom prst="straightConnector1">
@@ -5380,50 +5341,8 @@
         </p:nvCxnSpPr>
         <p:spPr>
           <a:xfrm>
-            <a:off x="23799300" y="14597560"/>
-            <a:ext cx="0" cy="759653"/>
-          </a:xfrm>
-          <a:prstGeom prst="straightConnector1">
-            <a:avLst/>
-          </a:prstGeom>
-          <a:ln>
-            <a:prstDash val="solid"/>
-            <a:tailEnd type="triangle"/>
-          </a:ln>
-        </p:spPr>
-        <p:style>
-          <a:lnRef idx="2">
-            <a:schemeClr val="dk1"/>
-          </a:lnRef>
-          <a:fillRef idx="0">
-            <a:schemeClr val="dk1"/>
-          </a:fillRef>
-          <a:effectRef idx="1">
-            <a:schemeClr val="dk1"/>
-          </a:effectRef>
-          <a:fontRef idx="minor">
-            <a:schemeClr val="tx1"/>
-          </a:fontRef>
-        </p:style>
-      </p:cxnSp>
-      <p:cxnSp>
-        <p:nvCxnSpPr>
-          <p:cNvPr id="130" name="Straight Arrow Connector 129">
-            <a:extLst>
-              <a:ext uri="{FF2B5EF4-FFF2-40B4-BE49-F238E27FC236}">
-                <a16:creationId xmlns:a16="http://schemas.microsoft.com/office/drawing/2014/main" id="{2E8FFA6A-DD5C-0BD7-6E15-236686B4805B}"/>
-              </a:ext>
-            </a:extLst>
-          </p:cNvPr>
-          <p:cNvCxnSpPr>
-            <a:cxnSpLocks/>
-          </p:cNvCxnSpPr>
-          <p:nvPr/>
-        </p:nvCxnSpPr>
-        <p:spPr>
-          <a:xfrm flipH="1">
-            <a:off x="23791089" y="15994836"/>
-            <a:ext cx="1" cy="759657"/>
+            <a:off x="23799300" y="15418290"/>
+            <a:ext cx="0" cy="1212360"/>
           </a:xfrm>
           <a:prstGeom prst="straightConnector1">
             <a:avLst/>
@@ -6043,7 +5962,7 @@
                   <a:srgbClr val="C00000"/>
                 </a:solidFill>
               </a:rPr>
-              <a:t>Add intercepted individuals</a:t>
+              <a:t>Add intervention individuals</a:t>
             </a:r>
           </a:p>
         </p:txBody>
@@ -6810,8 +6729,8 @@
         </p:nvSpPr>
         <p:spPr>
           <a:xfrm>
-            <a:off x="26316478" y="20320022"/>
-            <a:ext cx="5817426" cy="646331"/>
+            <a:off x="26297428" y="20358122"/>
+            <a:ext cx="5205464" cy="584775"/>
           </a:xfrm>
           <a:prstGeom prst="rect">
             <a:avLst/>
@@ -6825,24 +6744,24 @@
           <a:lstStyle/>
           <a:p>
             <a:r>
-              <a:rPr lang="en-GB" dirty="0"/>
+              <a:rPr lang="en-GB" sz="1600" dirty="0"/>
               <a:t>User set number of individuals and time point introduced</a:t>
             </a:r>
           </a:p>
           <a:p>
             <a:r>
-              <a:rPr lang="en-GB" dirty="0"/>
+              <a:rPr lang="en-GB" sz="1600" dirty="0"/>
               <a:t>MR determined by </a:t>
             </a:r>
             <a:r>
-              <a:rPr lang="en-GB" dirty="0" err="1"/>
+              <a:rPr lang="en-GB" sz="1600" dirty="0" err="1"/>
               <a:t>rnorm</a:t>
             </a:r>
             <a:r>
-              <a:rPr lang="en-GB" dirty="0"/>
+              <a:rPr lang="en-GB" sz="1600" dirty="0"/>
               <a:t> using pre-set mean and SD</a:t>
             </a:r>
-            <a:endParaRPr lang="en-AU" dirty="0"/>
+            <a:endParaRPr lang="en-AU" sz="1600" dirty="0"/>
           </a:p>
         </p:txBody>
       </p:sp>
@@ -6909,7 +6828,7 @@
         <p:spPr>
           <a:xfrm>
             <a:off x="25462648" y="20641203"/>
-            <a:ext cx="853831" cy="1984"/>
+            <a:ext cx="834780" cy="9307"/>
           </a:xfrm>
           <a:prstGeom prst="straightConnector1">
             <a:avLst/>

--- a/Plots/Flow diagram.pptx
+++ b/Plots/Flow diagram.pptx
@@ -2,15 +2,16 @@
 <file path=ppt/presentation.xml><?xml version="1.0" encoding="utf-8"?>
 <p:presentation xmlns:a="http://schemas.openxmlformats.org/drawingml/2006/main" xmlns:r="http://schemas.openxmlformats.org/officeDocument/2006/relationships" xmlns:p="http://schemas.openxmlformats.org/presentationml/2006/main" saveSubsetFonts="1">
   <p:sldMasterIdLst>
-    <p:sldMasterId id="2147483672" r:id="rId1"/>
+    <p:sldMasterId id="2147483684" r:id="rId1"/>
   </p:sldMasterIdLst>
   <p:notesMasterIdLst>
-    <p:notesMasterId r:id="rId3"/>
+    <p:notesMasterId r:id="rId4"/>
   </p:notesMasterIdLst>
   <p:sldIdLst>
     <p:sldId id="256" r:id="rId2"/>
+    <p:sldId id="257" r:id="rId3"/>
   </p:sldIdLst>
-  <p:sldSz cx="36312475" cy="25560338"/>
+  <p:sldSz cx="36312475" cy="35999738"/>
   <p:notesSz cx="6858000" cy="9144000"/>
   <p:defaultTextStyle>
     <a:defPPr>
@@ -197,7 +198,7 @@
           <a:p>
             <a:fld id="{8C6C900F-6692-4F4D-92AC-89375F651F64}" type="datetimeFigureOut">
               <a:rPr lang="en-AU" smtClean="0"/>
-              <a:t>24/09/2025</a:t>
+              <a:t>29/10/2025</a:t>
             </a:fld>
             <a:endParaRPr lang="en-AU"/>
           </a:p>
@@ -215,8 +216,8 @@
         </p:nvSpPr>
         <p:spPr>
           <a:xfrm>
-            <a:off x="1238250" y="1143000"/>
-            <a:ext cx="4381500" cy="3086100"/>
+            <a:off x="1873250" y="1143000"/>
+            <a:ext cx="3111500" cy="3086100"/>
           </a:xfrm>
           <a:prstGeom prst="rect">
             <a:avLst/>
@@ -494,8 +495,8 @@
         </p:nvSpPr>
         <p:spPr>
           <a:xfrm>
-            <a:off x="1238250" y="1143000"/>
-            <a:ext cx="4381500" cy="3086100"/>
+            <a:off x="1873250" y="1143000"/>
+            <a:ext cx="3111500" cy="3086100"/>
           </a:xfrm>
         </p:spPr>
       </p:sp>
@@ -610,15 +611,15 @@
         </p:nvSpPr>
         <p:spPr>
           <a:xfrm>
-            <a:off x="2723436" y="4183141"/>
-            <a:ext cx="30865604" cy="8898784"/>
+            <a:off x="2723436" y="5891626"/>
+            <a:ext cx="30865604" cy="12533242"/>
           </a:xfrm>
         </p:spPr>
         <p:txBody>
           <a:bodyPr anchor="b"/>
           <a:lstStyle>
             <a:lvl1pPr algn="ctr">
-              <a:defRPr sz="22363"/>
+              <a:defRPr sz="23827"/>
             </a:lvl1pPr>
           </a:lstStyle>
           <a:p>
@@ -642,8 +643,8 @@
         </p:nvSpPr>
         <p:spPr>
           <a:xfrm>
-            <a:off x="4539060" y="13425096"/>
-            <a:ext cx="27234356" cy="6171163"/>
+            <a:off x="4539060" y="18908198"/>
+            <a:ext cx="27234356" cy="8691601"/>
           </a:xfrm>
         </p:spPr>
         <p:txBody>
@@ -651,39 +652,39 @@
           <a:lstStyle>
             <a:lvl1pPr marL="0" indent="0" algn="ctr">
               <a:buNone/>
-              <a:defRPr sz="8945"/>
+              <a:defRPr sz="9531"/>
             </a:lvl1pPr>
-            <a:lvl2pPr marL="1704030" indent="0" algn="ctr">
+            <a:lvl2pPr marL="1815633" indent="0" algn="ctr">
               <a:buNone/>
-              <a:defRPr sz="7454"/>
+              <a:defRPr sz="7942"/>
             </a:lvl2pPr>
-            <a:lvl3pPr marL="3408060" indent="0" algn="ctr">
+            <a:lvl3pPr marL="3631265" indent="0" algn="ctr">
               <a:buNone/>
-              <a:defRPr sz="6709"/>
+              <a:defRPr sz="7148"/>
             </a:lvl3pPr>
-            <a:lvl4pPr marL="5112090" indent="0" algn="ctr">
+            <a:lvl4pPr marL="5446898" indent="0" algn="ctr">
               <a:buNone/>
-              <a:defRPr sz="5963"/>
+              <a:defRPr sz="6354"/>
             </a:lvl4pPr>
-            <a:lvl5pPr marL="6816120" indent="0" algn="ctr">
+            <a:lvl5pPr marL="7262531" indent="0" algn="ctr">
               <a:buNone/>
-              <a:defRPr sz="5963"/>
+              <a:defRPr sz="6354"/>
             </a:lvl5pPr>
-            <a:lvl6pPr marL="8520151" indent="0" algn="ctr">
+            <a:lvl6pPr marL="9078163" indent="0" algn="ctr">
               <a:buNone/>
-              <a:defRPr sz="5963"/>
+              <a:defRPr sz="6354"/>
             </a:lvl6pPr>
-            <a:lvl7pPr marL="10224181" indent="0" algn="ctr">
+            <a:lvl7pPr marL="10893796" indent="0" algn="ctr">
               <a:buNone/>
-              <a:defRPr sz="5963"/>
+              <a:defRPr sz="6354"/>
             </a:lvl7pPr>
-            <a:lvl8pPr marL="11928211" indent="0" algn="ctr">
+            <a:lvl8pPr marL="12709428" indent="0" algn="ctr">
               <a:buNone/>
-              <a:defRPr sz="5963"/>
+              <a:defRPr sz="6354"/>
             </a:lvl8pPr>
-            <a:lvl9pPr marL="13632241" indent="0" algn="ctr">
+            <a:lvl9pPr marL="14525061" indent="0" algn="ctr">
               <a:buNone/>
-              <a:defRPr sz="5963"/>
+              <a:defRPr sz="6354"/>
             </a:lvl9pPr>
           </a:lstStyle>
           <a:p>
@@ -712,7 +713,7 @@
           <a:p>
             <a:fld id="{6C3B1910-80F9-4E25-8D4C-FCDFDBA62407}" type="datetimeFigureOut">
               <a:rPr lang="en-AU" smtClean="0"/>
-              <a:t>24/09/2025</a:t>
+              <a:t>29/10/2025</a:t>
             </a:fld>
             <a:endParaRPr lang="en-AU"/>
           </a:p>
@@ -763,7 +764,7 @@
     </p:spTree>
     <p:extLst>
       <p:ext uri="{BB962C8B-B14F-4D97-AF65-F5344CB8AC3E}">
-        <p14:creationId xmlns:p14="http://schemas.microsoft.com/office/powerpoint/2010/main" val="3700238888"/>
+        <p14:creationId xmlns:p14="http://schemas.microsoft.com/office/powerpoint/2010/main" val="4147165674"/>
       </p:ext>
     </p:extLst>
   </p:cSld>
@@ -882,7 +883,7 @@
           <a:p>
             <a:fld id="{6C3B1910-80F9-4E25-8D4C-FCDFDBA62407}" type="datetimeFigureOut">
               <a:rPr lang="en-AU" smtClean="0"/>
-              <a:t>24/09/2025</a:t>
+              <a:t>29/10/2025</a:t>
             </a:fld>
             <a:endParaRPr lang="en-AU"/>
           </a:p>
@@ -933,7 +934,7 @@
     </p:spTree>
     <p:extLst>
       <p:ext uri="{BB962C8B-B14F-4D97-AF65-F5344CB8AC3E}">
-        <p14:creationId xmlns:p14="http://schemas.microsoft.com/office/powerpoint/2010/main" val="589437036"/>
+        <p14:creationId xmlns:p14="http://schemas.microsoft.com/office/powerpoint/2010/main" val="2521612976"/>
       </p:ext>
     </p:extLst>
   </p:cSld>
@@ -972,8 +973,8 @@
         </p:nvSpPr>
         <p:spPr>
           <a:xfrm>
-            <a:off x="25986117" y="1360851"/>
-            <a:ext cx="7829877" cy="21661205"/>
+            <a:off x="25986117" y="1916653"/>
+            <a:ext cx="7829877" cy="30508114"/>
           </a:xfrm>
         </p:spPr>
         <p:txBody>
@@ -1000,8 +1001,8 @@
         </p:nvSpPr>
         <p:spPr>
           <a:xfrm>
-            <a:off x="2496485" y="1360851"/>
-            <a:ext cx="23035726" cy="21661205"/>
+            <a:off x="2496485" y="1916653"/>
+            <a:ext cx="23035726" cy="30508114"/>
           </a:xfrm>
         </p:spPr>
         <p:txBody>
@@ -1062,7 +1063,7 @@
           <a:p>
             <a:fld id="{6C3B1910-80F9-4E25-8D4C-FCDFDBA62407}" type="datetimeFigureOut">
               <a:rPr lang="en-AU" smtClean="0"/>
-              <a:t>24/09/2025</a:t>
+              <a:t>29/10/2025</a:t>
             </a:fld>
             <a:endParaRPr lang="en-AU"/>
           </a:p>
@@ -1113,7 +1114,7 @@
     </p:spTree>
     <p:extLst>
       <p:ext uri="{BB962C8B-B14F-4D97-AF65-F5344CB8AC3E}">
-        <p14:creationId xmlns:p14="http://schemas.microsoft.com/office/powerpoint/2010/main" val="3558579337"/>
+        <p14:creationId xmlns:p14="http://schemas.microsoft.com/office/powerpoint/2010/main" val="4190570514"/>
       </p:ext>
     </p:extLst>
   </p:cSld>
@@ -1232,7 +1233,7 @@
           <a:p>
             <a:fld id="{6C3B1910-80F9-4E25-8D4C-FCDFDBA62407}" type="datetimeFigureOut">
               <a:rPr lang="en-AU" smtClean="0"/>
-              <a:t>24/09/2025</a:t>
+              <a:t>29/10/2025</a:t>
             </a:fld>
             <a:endParaRPr lang="en-AU"/>
           </a:p>
@@ -1283,7 +1284,7 @@
     </p:spTree>
     <p:extLst>
       <p:ext uri="{BB962C8B-B14F-4D97-AF65-F5344CB8AC3E}">
-        <p14:creationId xmlns:p14="http://schemas.microsoft.com/office/powerpoint/2010/main" val="1861357084"/>
+        <p14:creationId xmlns:p14="http://schemas.microsoft.com/office/powerpoint/2010/main" val="1826138643"/>
       </p:ext>
     </p:extLst>
   </p:cSld>
@@ -1322,15 +1323,15 @@
         </p:nvSpPr>
         <p:spPr>
           <a:xfrm>
-            <a:off x="2477572" y="6372342"/>
-            <a:ext cx="31319510" cy="10632389"/>
+            <a:off x="2477572" y="8974945"/>
+            <a:ext cx="31319510" cy="14974888"/>
           </a:xfrm>
         </p:spPr>
         <p:txBody>
           <a:bodyPr anchor="b"/>
           <a:lstStyle>
             <a:lvl1pPr>
-              <a:defRPr sz="22363"/>
+              <a:defRPr sz="23827"/>
             </a:lvl1pPr>
           </a:lstStyle>
           <a:p>
@@ -1354,8 +1355,8 @@
         </p:nvSpPr>
         <p:spPr>
           <a:xfrm>
-            <a:off x="2477572" y="17105317"/>
-            <a:ext cx="31319510" cy="5591322"/>
+            <a:off x="2477572" y="24091502"/>
+            <a:ext cx="31319510" cy="7874940"/>
           </a:xfrm>
         </p:spPr>
         <p:txBody>
@@ -1363,7 +1364,7 @@
           <a:lstStyle>
             <a:lvl1pPr marL="0" indent="0">
               <a:buNone/>
-              <a:defRPr sz="8945">
+              <a:defRPr sz="9531">
                 <a:solidFill>
                   <a:schemeClr val="tx1">
                     <a:tint val="82000"/>
@@ -1371,9 +1372,9 @@
                 </a:solidFill>
               </a:defRPr>
             </a:lvl1pPr>
-            <a:lvl2pPr marL="1704030" indent="0">
+            <a:lvl2pPr marL="1815633" indent="0">
               <a:buNone/>
-              <a:defRPr sz="7454">
+              <a:defRPr sz="7942">
                 <a:solidFill>
                   <a:schemeClr val="tx1">
                     <a:tint val="82000"/>
@@ -1381,9 +1382,9 @@
                 </a:solidFill>
               </a:defRPr>
             </a:lvl2pPr>
-            <a:lvl3pPr marL="3408060" indent="0">
+            <a:lvl3pPr marL="3631265" indent="0">
               <a:buNone/>
-              <a:defRPr sz="6709">
+              <a:defRPr sz="7148">
                 <a:solidFill>
                   <a:schemeClr val="tx1">
                     <a:tint val="82000"/>
@@ -1391,9 +1392,9 @@
                 </a:solidFill>
               </a:defRPr>
             </a:lvl3pPr>
-            <a:lvl4pPr marL="5112090" indent="0">
+            <a:lvl4pPr marL="5446898" indent="0">
               <a:buNone/>
-              <a:defRPr sz="5963">
+              <a:defRPr sz="6354">
                 <a:solidFill>
                   <a:schemeClr val="tx1">
                     <a:tint val="82000"/>
@@ -1401,9 +1402,9 @@
                 </a:solidFill>
               </a:defRPr>
             </a:lvl4pPr>
-            <a:lvl5pPr marL="6816120" indent="0">
+            <a:lvl5pPr marL="7262531" indent="0">
               <a:buNone/>
-              <a:defRPr sz="5963">
+              <a:defRPr sz="6354">
                 <a:solidFill>
                   <a:schemeClr val="tx1">
                     <a:tint val="82000"/>
@@ -1411,9 +1412,9 @@
                 </a:solidFill>
               </a:defRPr>
             </a:lvl5pPr>
-            <a:lvl6pPr marL="8520151" indent="0">
+            <a:lvl6pPr marL="9078163" indent="0">
               <a:buNone/>
-              <a:defRPr sz="5963">
+              <a:defRPr sz="6354">
                 <a:solidFill>
                   <a:schemeClr val="tx1">
                     <a:tint val="82000"/>
@@ -1421,9 +1422,9 @@
                 </a:solidFill>
               </a:defRPr>
             </a:lvl6pPr>
-            <a:lvl7pPr marL="10224181" indent="0">
+            <a:lvl7pPr marL="10893796" indent="0">
               <a:buNone/>
-              <a:defRPr sz="5963">
+              <a:defRPr sz="6354">
                 <a:solidFill>
                   <a:schemeClr val="tx1">
                     <a:tint val="82000"/>
@@ -1431,9 +1432,9 @@
                 </a:solidFill>
               </a:defRPr>
             </a:lvl7pPr>
-            <a:lvl8pPr marL="11928211" indent="0">
+            <a:lvl8pPr marL="12709428" indent="0">
               <a:buNone/>
-              <a:defRPr sz="5963">
+              <a:defRPr sz="6354">
                 <a:solidFill>
                   <a:schemeClr val="tx1">
                     <a:tint val="82000"/>
@@ -1441,9 +1442,9 @@
                 </a:solidFill>
               </a:defRPr>
             </a:lvl8pPr>
-            <a:lvl9pPr marL="13632241" indent="0">
+            <a:lvl9pPr marL="14525061" indent="0">
               <a:buNone/>
-              <a:defRPr sz="5963">
+              <a:defRPr sz="6354">
                 <a:solidFill>
                   <a:schemeClr val="tx1">
                     <a:tint val="82000"/>
@@ -1478,7 +1479,7 @@
           <a:p>
             <a:fld id="{6C3B1910-80F9-4E25-8D4C-FCDFDBA62407}" type="datetimeFigureOut">
               <a:rPr lang="en-AU" smtClean="0"/>
-              <a:t>24/09/2025</a:t>
+              <a:t>29/10/2025</a:t>
             </a:fld>
             <a:endParaRPr lang="en-AU"/>
           </a:p>
@@ -1529,7 +1530,7 @@
     </p:spTree>
     <p:extLst>
       <p:ext uri="{BB962C8B-B14F-4D97-AF65-F5344CB8AC3E}">
-        <p14:creationId xmlns:p14="http://schemas.microsoft.com/office/powerpoint/2010/main" val="1626552113"/>
+        <p14:creationId xmlns:p14="http://schemas.microsoft.com/office/powerpoint/2010/main" val="2176160012"/>
       </p:ext>
     </p:extLst>
   </p:cSld>
@@ -1591,8 +1592,8 @@
         </p:nvSpPr>
         <p:spPr>
           <a:xfrm>
-            <a:off x="2496483" y="6804256"/>
-            <a:ext cx="15432802" cy="16217800"/>
+            <a:off x="2496483" y="9583264"/>
+            <a:ext cx="15432802" cy="22841503"/>
           </a:xfrm>
         </p:spPr>
         <p:txBody>
@@ -1648,8 +1649,8 @@
         </p:nvSpPr>
         <p:spPr>
           <a:xfrm>
-            <a:off x="18383190" y="6804256"/>
-            <a:ext cx="15432802" cy="16217800"/>
+            <a:off x="18383190" y="9583264"/>
+            <a:ext cx="15432802" cy="22841503"/>
           </a:xfrm>
         </p:spPr>
         <p:txBody>
@@ -1710,7 +1711,7 @@
           <a:p>
             <a:fld id="{6C3B1910-80F9-4E25-8D4C-FCDFDBA62407}" type="datetimeFigureOut">
               <a:rPr lang="en-AU" smtClean="0"/>
-              <a:t>24/09/2025</a:t>
+              <a:t>29/10/2025</a:t>
             </a:fld>
             <a:endParaRPr lang="en-AU"/>
           </a:p>
@@ -1761,7 +1762,7 @@
     </p:spTree>
     <p:extLst>
       <p:ext uri="{BB962C8B-B14F-4D97-AF65-F5344CB8AC3E}">
-        <p14:creationId xmlns:p14="http://schemas.microsoft.com/office/powerpoint/2010/main" val="3649633370"/>
+        <p14:creationId xmlns:p14="http://schemas.microsoft.com/office/powerpoint/2010/main" val="3382623403"/>
       </p:ext>
     </p:extLst>
   </p:cSld>
@@ -1800,8 +1801,8 @@
         </p:nvSpPr>
         <p:spPr>
           <a:xfrm>
-            <a:off x="2501212" y="1360857"/>
-            <a:ext cx="31319510" cy="4940484"/>
+            <a:off x="2501212" y="1916661"/>
+            <a:ext cx="31319510" cy="6958285"/>
           </a:xfrm>
         </p:spPr>
         <p:txBody>
@@ -1828,8 +1829,8 @@
         </p:nvSpPr>
         <p:spPr>
           <a:xfrm>
-            <a:off x="2501216" y="6265835"/>
-            <a:ext cx="15361877" cy="3070789"/>
+            <a:off x="2501216" y="8824938"/>
+            <a:ext cx="15361877" cy="4324966"/>
           </a:xfrm>
         </p:spPr>
         <p:txBody>
@@ -1837,39 +1838,39 @@
           <a:lstStyle>
             <a:lvl1pPr marL="0" indent="0">
               <a:buNone/>
-              <a:defRPr sz="8945" b="1"/>
+              <a:defRPr sz="9531" b="1"/>
             </a:lvl1pPr>
-            <a:lvl2pPr marL="1704030" indent="0">
+            <a:lvl2pPr marL="1815633" indent="0">
               <a:buNone/>
-              <a:defRPr sz="7454" b="1"/>
+              <a:defRPr sz="7942" b="1"/>
             </a:lvl2pPr>
-            <a:lvl3pPr marL="3408060" indent="0">
+            <a:lvl3pPr marL="3631265" indent="0">
               <a:buNone/>
-              <a:defRPr sz="6709" b="1"/>
+              <a:defRPr sz="7148" b="1"/>
             </a:lvl3pPr>
-            <a:lvl4pPr marL="5112090" indent="0">
+            <a:lvl4pPr marL="5446898" indent="0">
               <a:buNone/>
-              <a:defRPr sz="5963" b="1"/>
+              <a:defRPr sz="6354" b="1"/>
             </a:lvl4pPr>
-            <a:lvl5pPr marL="6816120" indent="0">
+            <a:lvl5pPr marL="7262531" indent="0">
               <a:buNone/>
-              <a:defRPr sz="5963" b="1"/>
+              <a:defRPr sz="6354" b="1"/>
             </a:lvl5pPr>
-            <a:lvl6pPr marL="8520151" indent="0">
+            <a:lvl6pPr marL="9078163" indent="0">
               <a:buNone/>
-              <a:defRPr sz="5963" b="1"/>
+              <a:defRPr sz="6354" b="1"/>
             </a:lvl6pPr>
-            <a:lvl7pPr marL="10224181" indent="0">
+            <a:lvl7pPr marL="10893796" indent="0">
               <a:buNone/>
-              <a:defRPr sz="5963" b="1"/>
+              <a:defRPr sz="6354" b="1"/>
             </a:lvl7pPr>
-            <a:lvl8pPr marL="11928211" indent="0">
+            <a:lvl8pPr marL="12709428" indent="0">
               <a:buNone/>
-              <a:defRPr sz="5963" b="1"/>
+              <a:defRPr sz="6354" b="1"/>
             </a:lvl8pPr>
-            <a:lvl9pPr marL="13632241" indent="0">
+            <a:lvl9pPr marL="14525061" indent="0">
               <a:buNone/>
-              <a:defRPr sz="5963" b="1"/>
+              <a:defRPr sz="6354" b="1"/>
             </a:lvl9pPr>
           </a:lstStyle>
           <a:p>
@@ -1893,8 +1894,8 @@
         </p:nvSpPr>
         <p:spPr>
           <a:xfrm>
-            <a:off x="2501216" y="9336623"/>
-            <a:ext cx="15361877" cy="13732767"/>
+            <a:off x="2501216" y="13149904"/>
+            <a:ext cx="15361877" cy="19341529"/>
           </a:xfrm>
         </p:spPr>
         <p:txBody>
@@ -1950,8 +1951,8 @@
         </p:nvSpPr>
         <p:spPr>
           <a:xfrm>
-            <a:off x="18383192" y="6265835"/>
-            <a:ext cx="15437532" cy="3070789"/>
+            <a:off x="18383192" y="8824938"/>
+            <a:ext cx="15437532" cy="4324966"/>
           </a:xfrm>
         </p:spPr>
         <p:txBody>
@@ -1959,39 +1960,39 @@
           <a:lstStyle>
             <a:lvl1pPr marL="0" indent="0">
               <a:buNone/>
-              <a:defRPr sz="8945" b="1"/>
+              <a:defRPr sz="9531" b="1"/>
             </a:lvl1pPr>
-            <a:lvl2pPr marL="1704030" indent="0">
+            <a:lvl2pPr marL="1815633" indent="0">
               <a:buNone/>
-              <a:defRPr sz="7454" b="1"/>
+              <a:defRPr sz="7942" b="1"/>
             </a:lvl2pPr>
-            <a:lvl3pPr marL="3408060" indent="0">
+            <a:lvl3pPr marL="3631265" indent="0">
               <a:buNone/>
-              <a:defRPr sz="6709" b="1"/>
+              <a:defRPr sz="7148" b="1"/>
             </a:lvl3pPr>
-            <a:lvl4pPr marL="5112090" indent="0">
+            <a:lvl4pPr marL="5446898" indent="0">
               <a:buNone/>
-              <a:defRPr sz="5963" b="1"/>
+              <a:defRPr sz="6354" b="1"/>
             </a:lvl4pPr>
-            <a:lvl5pPr marL="6816120" indent="0">
+            <a:lvl5pPr marL="7262531" indent="0">
               <a:buNone/>
-              <a:defRPr sz="5963" b="1"/>
+              <a:defRPr sz="6354" b="1"/>
             </a:lvl5pPr>
-            <a:lvl6pPr marL="8520151" indent="0">
+            <a:lvl6pPr marL="9078163" indent="0">
               <a:buNone/>
-              <a:defRPr sz="5963" b="1"/>
+              <a:defRPr sz="6354" b="1"/>
             </a:lvl6pPr>
-            <a:lvl7pPr marL="10224181" indent="0">
+            <a:lvl7pPr marL="10893796" indent="0">
               <a:buNone/>
-              <a:defRPr sz="5963" b="1"/>
+              <a:defRPr sz="6354" b="1"/>
             </a:lvl7pPr>
-            <a:lvl8pPr marL="11928211" indent="0">
+            <a:lvl8pPr marL="12709428" indent="0">
               <a:buNone/>
-              <a:defRPr sz="5963" b="1"/>
+              <a:defRPr sz="6354" b="1"/>
             </a:lvl8pPr>
-            <a:lvl9pPr marL="13632241" indent="0">
+            <a:lvl9pPr marL="14525061" indent="0">
               <a:buNone/>
-              <a:defRPr sz="5963" b="1"/>
+              <a:defRPr sz="6354" b="1"/>
             </a:lvl9pPr>
           </a:lstStyle>
           <a:p>
@@ -2015,8 +2016,8 @@
         </p:nvSpPr>
         <p:spPr>
           <a:xfrm>
-            <a:off x="18383192" y="9336623"/>
-            <a:ext cx="15437532" cy="13732767"/>
+            <a:off x="18383192" y="13149904"/>
+            <a:ext cx="15437532" cy="19341529"/>
           </a:xfrm>
         </p:spPr>
         <p:txBody>
@@ -2077,7 +2078,7 @@
           <a:p>
             <a:fld id="{6C3B1910-80F9-4E25-8D4C-FCDFDBA62407}" type="datetimeFigureOut">
               <a:rPr lang="en-AU" smtClean="0"/>
-              <a:t>24/09/2025</a:t>
+              <a:t>29/10/2025</a:t>
             </a:fld>
             <a:endParaRPr lang="en-AU"/>
           </a:p>
@@ -2128,7 +2129,7 @@
     </p:spTree>
     <p:extLst>
       <p:ext uri="{BB962C8B-B14F-4D97-AF65-F5344CB8AC3E}">
-        <p14:creationId xmlns:p14="http://schemas.microsoft.com/office/powerpoint/2010/main" val="3434498541"/>
+        <p14:creationId xmlns:p14="http://schemas.microsoft.com/office/powerpoint/2010/main" val="2252535122"/>
       </p:ext>
     </p:extLst>
   </p:cSld>
@@ -2195,7 +2196,7 @@
           <a:p>
             <a:fld id="{6C3B1910-80F9-4E25-8D4C-FCDFDBA62407}" type="datetimeFigureOut">
               <a:rPr lang="en-AU" smtClean="0"/>
-              <a:t>24/09/2025</a:t>
+              <a:t>29/10/2025</a:t>
             </a:fld>
             <a:endParaRPr lang="en-AU"/>
           </a:p>
@@ -2246,7 +2247,7 @@
     </p:spTree>
     <p:extLst>
       <p:ext uri="{BB962C8B-B14F-4D97-AF65-F5344CB8AC3E}">
-        <p14:creationId xmlns:p14="http://schemas.microsoft.com/office/powerpoint/2010/main" val="617088018"/>
+        <p14:creationId xmlns:p14="http://schemas.microsoft.com/office/powerpoint/2010/main" val="300767207"/>
       </p:ext>
     </p:extLst>
   </p:cSld>
@@ -2290,7 +2291,7 @@
           <a:p>
             <a:fld id="{6C3B1910-80F9-4E25-8D4C-FCDFDBA62407}" type="datetimeFigureOut">
               <a:rPr lang="en-AU" smtClean="0"/>
-              <a:t>24/09/2025</a:t>
+              <a:t>29/10/2025</a:t>
             </a:fld>
             <a:endParaRPr lang="en-AU"/>
           </a:p>
@@ -2341,7 +2342,7 @@
     </p:spTree>
     <p:extLst>
       <p:ext uri="{BB962C8B-B14F-4D97-AF65-F5344CB8AC3E}">
-        <p14:creationId xmlns:p14="http://schemas.microsoft.com/office/powerpoint/2010/main" val="2080930845"/>
+        <p14:creationId xmlns:p14="http://schemas.microsoft.com/office/powerpoint/2010/main" val="1181457840"/>
       </p:ext>
     </p:extLst>
   </p:cSld>
@@ -2380,15 +2381,15 @@
         </p:nvSpPr>
         <p:spPr>
           <a:xfrm>
-            <a:off x="2501212" y="1704022"/>
-            <a:ext cx="11711718" cy="5964079"/>
+            <a:off x="2501212" y="2399982"/>
+            <a:ext cx="11711718" cy="8399939"/>
           </a:xfrm>
         </p:spPr>
         <p:txBody>
           <a:bodyPr anchor="b"/>
           <a:lstStyle>
             <a:lvl1pPr>
-              <a:defRPr sz="11927"/>
+              <a:defRPr sz="12708"/>
             </a:lvl1pPr>
           </a:lstStyle>
           <a:p>
@@ -2412,39 +2413,39 @@
         </p:nvSpPr>
         <p:spPr>
           <a:xfrm>
-            <a:off x="15437532" y="3680221"/>
-            <a:ext cx="18383190" cy="18164407"/>
+            <a:off x="15437532" y="5183304"/>
+            <a:ext cx="18383190" cy="25583147"/>
           </a:xfrm>
         </p:spPr>
         <p:txBody>
           <a:bodyPr/>
           <a:lstStyle>
             <a:lvl1pPr>
-              <a:defRPr sz="11927"/>
+              <a:defRPr sz="12708"/>
             </a:lvl1pPr>
             <a:lvl2pPr>
-              <a:defRPr sz="10436"/>
+              <a:defRPr sz="11119"/>
             </a:lvl2pPr>
             <a:lvl3pPr>
-              <a:defRPr sz="8945"/>
+              <a:defRPr sz="9531"/>
             </a:lvl3pPr>
             <a:lvl4pPr>
-              <a:defRPr sz="7454"/>
+              <a:defRPr sz="7942"/>
             </a:lvl4pPr>
             <a:lvl5pPr>
-              <a:defRPr sz="7454"/>
+              <a:defRPr sz="7942"/>
             </a:lvl5pPr>
             <a:lvl6pPr>
-              <a:defRPr sz="7454"/>
+              <a:defRPr sz="7942"/>
             </a:lvl6pPr>
             <a:lvl7pPr>
-              <a:defRPr sz="7454"/>
+              <a:defRPr sz="7942"/>
             </a:lvl7pPr>
             <a:lvl8pPr>
-              <a:defRPr sz="7454"/>
+              <a:defRPr sz="7942"/>
             </a:lvl8pPr>
             <a:lvl9pPr>
-              <a:defRPr sz="7454"/>
+              <a:defRPr sz="7942"/>
             </a:lvl9pPr>
           </a:lstStyle>
           <a:p>
@@ -2497,8 +2498,8 @@
         </p:nvSpPr>
         <p:spPr>
           <a:xfrm>
-            <a:off x="2501212" y="7668102"/>
-            <a:ext cx="11711718" cy="14206106"/>
+            <a:off x="2501212" y="10799922"/>
+            <a:ext cx="11711718" cy="20008190"/>
           </a:xfrm>
         </p:spPr>
         <p:txBody>
@@ -2506,39 +2507,39 @@
           <a:lstStyle>
             <a:lvl1pPr marL="0" indent="0">
               <a:buNone/>
-              <a:defRPr sz="5963"/>
+              <a:defRPr sz="6354"/>
             </a:lvl1pPr>
-            <a:lvl2pPr marL="1704030" indent="0">
+            <a:lvl2pPr marL="1815633" indent="0">
               <a:buNone/>
-              <a:defRPr sz="5218"/>
+              <a:defRPr sz="5560"/>
             </a:lvl2pPr>
-            <a:lvl3pPr marL="3408060" indent="0">
+            <a:lvl3pPr marL="3631265" indent="0">
               <a:buNone/>
-              <a:defRPr sz="4473"/>
+              <a:defRPr sz="4765"/>
             </a:lvl3pPr>
-            <a:lvl4pPr marL="5112090" indent="0">
+            <a:lvl4pPr marL="5446898" indent="0">
               <a:buNone/>
-              <a:defRPr sz="3727"/>
+              <a:defRPr sz="3971"/>
             </a:lvl4pPr>
-            <a:lvl5pPr marL="6816120" indent="0">
+            <a:lvl5pPr marL="7262531" indent="0">
               <a:buNone/>
-              <a:defRPr sz="3727"/>
+              <a:defRPr sz="3971"/>
             </a:lvl5pPr>
-            <a:lvl6pPr marL="8520151" indent="0">
+            <a:lvl6pPr marL="9078163" indent="0">
               <a:buNone/>
-              <a:defRPr sz="3727"/>
+              <a:defRPr sz="3971"/>
             </a:lvl6pPr>
-            <a:lvl7pPr marL="10224181" indent="0">
+            <a:lvl7pPr marL="10893796" indent="0">
               <a:buNone/>
-              <a:defRPr sz="3727"/>
+              <a:defRPr sz="3971"/>
             </a:lvl7pPr>
-            <a:lvl8pPr marL="11928211" indent="0">
+            <a:lvl8pPr marL="12709428" indent="0">
               <a:buNone/>
-              <a:defRPr sz="3727"/>
+              <a:defRPr sz="3971"/>
             </a:lvl8pPr>
-            <a:lvl9pPr marL="13632241" indent="0">
+            <a:lvl9pPr marL="14525061" indent="0">
               <a:buNone/>
-              <a:defRPr sz="3727"/>
+              <a:defRPr sz="3971"/>
             </a:lvl9pPr>
           </a:lstStyle>
           <a:p>
@@ -2567,7 +2568,7 @@
           <a:p>
             <a:fld id="{6C3B1910-80F9-4E25-8D4C-FCDFDBA62407}" type="datetimeFigureOut">
               <a:rPr lang="en-AU" smtClean="0"/>
-              <a:t>24/09/2025</a:t>
+              <a:t>29/10/2025</a:t>
             </a:fld>
             <a:endParaRPr lang="en-AU"/>
           </a:p>
@@ -2618,7 +2619,7 @@
     </p:spTree>
     <p:extLst>
       <p:ext uri="{BB962C8B-B14F-4D97-AF65-F5344CB8AC3E}">
-        <p14:creationId xmlns:p14="http://schemas.microsoft.com/office/powerpoint/2010/main" val="3398261234"/>
+        <p14:creationId xmlns:p14="http://schemas.microsoft.com/office/powerpoint/2010/main" val="4134722835"/>
       </p:ext>
     </p:extLst>
   </p:cSld>
@@ -2657,15 +2658,15 @@
         </p:nvSpPr>
         <p:spPr>
           <a:xfrm>
-            <a:off x="2501212" y="1704022"/>
-            <a:ext cx="11711718" cy="5964079"/>
+            <a:off x="2501212" y="2399982"/>
+            <a:ext cx="11711718" cy="8399939"/>
           </a:xfrm>
         </p:spPr>
         <p:txBody>
           <a:bodyPr anchor="b"/>
           <a:lstStyle>
             <a:lvl1pPr>
-              <a:defRPr sz="11927"/>
+              <a:defRPr sz="12708"/>
             </a:lvl1pPr>
           </a:lstStyle>
           <a:p>
@@ -2689,8 +2690,8 @@
         </p:nvSpPr>
         <p:spPr>
           <a:xfrm>
-            <a:off x="15437532" y="3680221"/>
-            <a:ext cx="18383190" cy="18164407"/>
+            <a:off x="15437532" y="5183304"/>
+            <a:ext cx="18383190" cy="25583147"/>
           </a:xfrm>
         </p:spPr>
         <p:txBody>
@@ -2698,39 +2699,39 @@
           <a:lstStyle>
             <a:lvl1pPr marL="0" indent="0">
               <a:buNone/>
-              <a:defRPr sz="11927"/>
+              <a:defRPr sz="12708"/>
             </a:lvl1pPr>
-            <a:lvl2pPr marL="1704030" indent="0">
+            <a:lvl2pPr marL="1815633" indent="0">
               <a:buNone/>
-              <a:defRPr sz="10436"/>
+              <a:defRPr sz="11119"/>
             </a:lvl2pPr>
-            <a:lvl3pPr marL="3408060" indent="0">
+            <a:lvl3pPr marL="3631265" indent="0">
               <a:buNone/>
-              <a:defRPr sz="8945"/>
+              <a:defRPr sz="9531"/>
             </a:lvl3pPr>
-            <a:lvl4pPr marL="5112090" indent="0">
+            <a:lvl4pPr marL="5446898" indent="0">
               <a:buNone/>
-              <a:defRPr sz="7454"/>
+              <a:defRPr sz="7942"/>
             </a:lvl4pPr>
-            <a:lvl5pPr marL="6816120" indent="0">
+            <a:lvl5pPr marL="7262531" indent="0">
               <a:buNone/>
-              <a:defRPr sz="7454"/>
+              <a:defRPr sz="7942"/>
             </a:lvl5pPr>
-            <a:lvl6pPr marL="8520151" indent="0">
+            <a:lvl6pPr marL="9078163" indent="0">
               <a:buNone/>
-              <a:defRPr sz="7454"/>
+              <a:defRPr sz="7942"/>
             </a:lvl6pPr>
-            <a:lvl7pPr marL="10224181" indent="0">
+            <a:lvl7pPr marL="10893796" indent="0">
               <a:buNone/>
-              <a:defRPr sz="7454"/>
+              <a:defRPr sz="7942"/>
             </a:lvl7pPr>
-            <a:lvl8pPr marL="11928211" indent="0">
+            <a:lvl8pPr marL="12709428" indent="0">
               <a:buNone/>
-              <a:defRPr sz="7454"/>
+              <a:defRPr sz="7942"/>
             </a:lvl8pPr>
-            <a:lvl9pPr marL="13632241" indent="0">
+            <a:lvl9pPr marL="14525061" indent="0">
               <a:buNone/>
-              <a:defRPr sz="7454"/>
+              <a:defRPr sz="7942"/>
             </a:lvl9pPr>
           </a:lstStyle>
           <a:p>
@@ -2754,8 +2755,8 @@
         </p:nvSpPr>
         <p:spPr>
           <a:xfrm>
-            <a:off x="2501212" y="7668102"/>
-            <a:ext cx="11711718" cy="14206106"/>
+            <a:off x="2501212" y="10799922"/>
+            <a:ext cx="11711718" cy="20008190"/>
           </a:xfrm>
         </p:spPr>
         <p:txBody>
@@ -2763,39 +2764,39 @@
           <a:lstStyle>
             <a:lvl1pPr marL="0" indent="0">
               <a:buNone/>
-              <a:defRPr sz="5963"/>
+              <a:defRPr sz="6354"/>
             </a:lvl1pPr>
-            <a:lvl2pPr marL="1704030" indent="0">
+            <a:lvl2pPr marL="1815633" indent="0">
               <a:buNone/>
-              <a:defRPr sz="5218"/>
+              <a:defRPr sz="5560"/>
             </a:lvl2pPr>
-            <a:lvl3pPr marL="3408060" indent="0">
+            <a:lvl3pPr marL="3631265" indent="0">
               <a:buNone/>
-              <a:defRPr sz="4473"/>
+              <a:defRPr sz="4765"/>
             </a:lvl3pPr>
-            <a:lvl4pPr marL="5112090" indent="0">
+            <a:lvl4pPr marL="5446898" indent="0">
               <a:buNone/>
-              <a:defRPr sz="3727"/>
+              <a:defRPr sz="3971"/>
             </a:lvl4pPr>
-            <a:lvl5pPr marL="6816120" indent="0">
+            <a:lvl5pPr marL="7262531" indent="0">
               <a:buNone/>
-              <a:defRPr sz="3727"/>
+              <a:defRPr sz="3971"/>
             </a:lvl5pPr>
-            <a:lvl6pPr marL="8520151" indent="0">
+            <a:lvl6pPr marL="9078163" indent="0">
               <a:buNone/>
-              <a:defRPr sz="3727"/>
+              <a:defRPr sz="3971"/>
             </a:lvl6pPr>
-            <a:lvl7pPr marL="10224181" indent="0">
+            <a:lvl7pPr marL="10893796" indent="0">
               <a:buNone/>
-              <a:defRPr sz="3727"/>
+              <a:defRPr sz="3971"/>
             </a:lvl7pPr>
-            <a:lvl8pPr marL="11928211" indent="0">
+            <a:lvl8pPr marL="12709428" indent="0">
               <a:buNone/>
-              <a:defRPr sz="3727"/>
+              <a:defRPr sz="3971"/>
             </a:lvl8pPr>
-            <a:lvl9pPr marL="13632241" indent="0">
+            <a:lvl9pPr marL="14525061" indent="0">
               <a:buNone/>
-              <a:defRPr sz="3727"/>
+              <a:defRPr sz="3971"/>
             </a:lvl9pPr>
           </a:lstStyle>
           <a:p>
@@ -2824,7 +2825,7 @@
           <a:p>
             <a:fld id="{6C3B1910-80F9-4E25-8D4C-FCDFDBA62407}" type="datetimeFigureOut">
               <a:rPr lang="en-AU" smtClean="0"/>
-              <a:t>24/09/2025</a:t>
+              <a:t>29/10/2025</a:t>
             </a:fld>
             <a:endParaRPr lang="en-AU"/>
           </a:p>
@@ -2875,7 +2876,7 @@
     </p:spTree>
     <p:extLst>
       <p:ext uri="{BB962C8B-B14F-4D97-AF65-F5344CB8AC3E}">
-        <p14:creationId xmlns:p14="http://schemas.microsoft.com/office/powerpoint/2010/main" val="756733185"/>
+        <p14:creationId xmlns:p14="http://schemas.microsoft.com/office/powerpoint/2010/main" val="1289685144"/>
       </p:ext>
     </p:extLst>
   </p:cSld>
@@ -2919,8 +2920,8 @@
         </p:nvSpPr>
         <p:spPr>
           <a:xfrm>
-            <a:off x="2496483" y="1360857"/>
-            <a:ext cx="31319510" cy="4940484"/>
+            <a:off x="2496483" y="1916661"/>
+            <a:ext cx="31319510" cy="6958285"/>
           </a:xfrm>
           <a:prstGeom prst="rect">
             <a:avLst/>
@@ -2952,8 +2953,8 @@
         </p:nvSpPr>
         <p:spPr>
           <a:xfrm>
-            <a:off x="2496483" y="6804256"/>
-            <a:ext cx="31319510" cy="16217800"/>
+            <a:off x="2496483" y="9583264"/>
+            <a:ext cx="31319510" cy="22841503"/>
           </a:xfrm>
           <a:prstGeom prst="rect">
             <a:avLst/>
@@ -3014,8 +3015,8 @@
         </p:nvSpPr>
         <p:spPr>
           <a:xfrm>
-            <a:off x="2496483" y="23690652"/>
-            <a:ext cx="8170307" cy="1360851"/>
+            <a:off x="2496483" y="33366432"/>
+            <a:ext cx="8170307" cy="1916653"/>
           </a:xfrm>
           <a:prstGeom prst="rect">
             <a:avLst/>
@@ -3025,7 +3026,7 @@
           <a:bodyPr vert="horz" lIns="91440" tIns="45720" rIns="91440" bIns="45720" rtlCol="0" anchor="ctr"/>
           <a:lstStyle>
             <a:lvl1pPr algn="l">
-              <a:defRPr sz="4473">
+              <a:defRPr sz="4765">
                 <a:solidFill>
                   <a:schemeClr val="tx1">
                     <a:tint val="82000"/>
@@ -3037,7 +3038,7 @@
           <a:p>
             <a:fld id="{6C3B1910-80F9-4E25-8D4C-FCDFDBA62407}" type="datetimeFigureOut">
               <a:rPr lang="en-AU" smtClean="0"/>
-              <a:t>24/09/2025</a:t>
+              <a:t>29/10/2025</a:t>
             </a:fld>
             <a:endParaRPr lang="en-AU"/>
           </a:p>
@@ -3055,8 +3056,8 @@
         </p:nvSpPr>
         <p:spPr>
           <a:xfrm>
-            <a:off x="12028508" y="23690652"/>
-            <a:ext cx="12255460" cy="1360851"/>
+            <a:off x="12028508" y="33366432"/>
+            <a:ext cx="12255460" cy="1916653"/>
           </a:xfrm>
           <a:prstGeom prst="rect">
             <a:avLst/>
@@ -3066,7 +3067,7 @@
           <a:bodyPr vert="horz" lIns="91440" tIns="45720" rIns="91440" bIns="45720" rtlCol="0" anchor="ctr"/>
           <a:lstStyle>
             <a:lvl1pPr algn="ctr">
-              <a:defRPr sz="4473">
+              <a:defRPr sz="4765">
                 <a:solidFill>
                   <a:schemeClr val="tx1">
                     <a:tint val="82000"/>
@@ -3092,8 +3093,8 @@
         </p:nvSpPr>
         <p:spPr>
           <a:xfrm>
-            <a:off x="25645685" y="23690652"/>
-            <a:ext cx="8170307" cy="1360851"/>
+            <a:off x="25645685" y="33366432"/>
+            <a:ext cx="8170307" cy="1916653"/>
           </a:xfrm>
           <a:prstGeom prst="rect">
             <a:avLst/>
@@ -3103,7 +3104,7 @@
           <a:bodyPr vert="horz" lIns="91440" tIns="45720" rIns="91440" bIns="45720" rtlCol="0" anchor="ctr"/>
           <a:lstStyle>
             <a:lvl1pPr algn="r">
-              <a:defRPr sz="4473">
+              <a:defRPr sz="4765">
                 <a:solidFill>
                   <a:schemeClr val="tx1">
                     <a:tint val="82000"/>
@@ -3124,27 +3125,27 @@
     </p:spTree>
     <p:extLst>
       <p:ext uri="{BB962C8B-B14F-4D97-AF65-F5344CB8AC3E}">
-        <p14:creationId xmlns:p14="http://schemas.microsoft.com/office/powerpoint/2010/main" val="1797293802"/>
+        <p14:creationId xmlns:p14="http://schemas.microsoft.com/office/powerpoint/2010/main" val="2050802587"/>
       </p:ext>
     </p:extLst>
   </p:cSld>
   <p:clrMap bg1="lt1" tx1="dk1" bg2="lt2" tx2="dk2" accent1="accent1" accent2="accent2" accent3="accent3" accent4="accent4" accent5="accent5" accent6="accent6" hlink="hlink" folHlink="folHlink"/>
   <p:sldLayoutIdLst>
-    <p:sldLayoutId id="2147483673" r:id="rId1"/>
-    <p:sldLayoutId id="2147483674" r:id="rId2"/>
-    <p:sldLayoutId id="2147483675" r:id="rId3"/>
-    <p:sldLayoutId id="2147483676" r:id="rId4"/>
-    <p:sldLayoutId id="2147483677" r:id="rId5"/>
-    <p:sldLayoutId id="2147483678" r:id="rId6"/>
-    <p:sldLayoutId id="2147483679" r:id="rId7"/>
-    <p:sldLayoutId id="2147483680" r:id="rId8"/>
-    <p:sldLayoutId id="2147483681" r:id="rId9"/>
-    <p:sldLayoutId id="2147483682" r:id="rId10"/>
-    <p:sldLayoutId id="2147483683" r:id="rId11"/>
+    <p:sldLayoutId id="2147483685" r:id="rId1"/>
+    <p:sldLayoutId id="2147483686" r:id="rId2"/>
+    <p:sldLayoutId id="2147483687" r:id="rId3"/>
+    <p:sldLayoutId id="2147483688" r:id="rId4"/>
+    <p:sldLayoutId id="2147483689" r:id="rId5"/>
+    <p:sldLayoutId id="2147483690" r:id="rId6"/>
+    <p:sldLayoutId id="2147483691" r:id="rId7"/>
+    <p:sldLayoutId id="2147483692" r:id="rId8"/>
+    <p:sldLayoutId id="2147483693" r:id="rId9"/>
+    <p:sldLayoutId id="2147483694" r:id="rId10"/>
+    <p:sldLayoutId id="2147483695" r:id="rId11"/>
   </p:sldLayoutIdLst>
   <p:txStyles>
     <p:titleStyle>
-      <a:lvl1pPr algn="l" defTabSz="3408060" rtl="0" eaLnBrk="1" latinLnBrk="0" hangingPunct="1">
+      <a:lvl1pPr algn="l" defTabSz="3631265" rtl="0" eaLnBrk="1" latinLnBrk="0" hangingPunct="1">
         <a:lnSpc>
           <a:spcPct val="90000"/>
         </a:lnSpc>
@@ -3152,7 +3153,7 @@
           <a:spcPct val="0"/>
         </a:spcBef>
         <a:buNone/>
-        <a:defRPr sz="16399" kern="1200">
+        <a:defRPr sz="17473" kern="1200">
           <a:solidFill>
             <a:schemeClr val="tx1"/>
           </a:solidFill>
@@ -3163,16 +3164,16 @@
       </a:lvl1pPr>
     </p:titleStyle>
     <p:bodyStyle>
-      <a:lvl1pPr marL="852015" indent="-852015" algn="l" defTabSz="3408060" rtl="0" eaLnBrk="1" latinLnBrk="0" hangingPunct="1">
+      <a:lvl1pPr marL="907816" indent="-907816" algn="l" defTabSz="3631265" rtl="0" eaLnBrk="1" latinLnBrk="0" hangingPunct="1">
         <a:lnSpc>
           <a:spcPct val="90000"/>
         </a:lnSpc>
         <a:spcBef>
-          <a:spcPts val="3727"/>
+          <a:spcPts val="3971"/>
         </a:spcBef>
         <a:buFont typeface="Arial" panose="020B0604020202020204" pitchFamily="34" charset="0"/>
         <a:buChar char="•"/>
-        <a:defRPr sz="10436" kern="1200">
+        <a:defRPr sz="11119" kern="1200">
           <a:solidFill>
             <a:schemeClr val="tx1"/>
           </a:solidFill>
@@ -3181,16 +3182,16 @@
           <a:cs typeface="+mn-cs"/>
         </a:defRPr>
       </a:lvl1pPr>
-      <a:lvl2pPr marL="2556045" indent="-852015" algn="l" defTabSz="3408060" rtl="0" eaLnBrk="1" latinLnBrk="0" hangingPunct="1">
+      <a:lvl2pPr marL="2723449" indent="-907816" algn="l" defTabSz="3631265" rtl="0" eaLnBrk="1" latinLnBrk="0" hangingPunct="1">
         <a:lnSpc>
           <a:spcPct val="90000"/>
         </a:lnSpc>
         <a:spcBef>
-          <a:spcPts val="1864"/>
+          <a:spcPts val="1986"/>
         </a:spcBef>
         <a:buFont typeface="Arial" panose="020B0604020202020204" pitchFamily="34" charset="0"/>
         <a:buChar char="•"/>
-        <a:defRPr sz="8945" kern="1200">
+        <a:defRPr sz="9531" kern="1200">
           <a:solidFill>
             <a:schemeClr val="tx1"/>
           </a:solidFill>
@@ -3199,16 +3200,16 @@
           <a:cs typeface="+mn-cs"/>
         </a:defRPr>
       </a:lvl2pPr>
-      <a:lvl3pPr marL="4260075" indent="-852015" algn="l" defTabSz="3408060" rtl="0" eaLnBrk="1" latinLnBrk="0" hangingPunct="1">
+      <a:lvl3pPr marL="4539082" indent="-907816" algn="l" defTabSz="3631265" rtl="0" eaLnBrk="1" latinLnBrk="0" hangingPunct="1">
         <a:lnSpc>
           <a:spcPct val="90000"/>
         </a:lnSpc>
         <a:spcBef>
-          <a:spcPts val="1864"/>
+          <a:spcPts val="1986"/>
         </a:spcBef>
         <a:buFont typeface="Arial" panose="020B0604020202020204" pitchFamily="34" charset="0"/>
         <a:buChar char="•"/>
-        <a:defRPr sz="7454" kern="1200">
+        <a:defRPr sz="7942" kern="1200">
           <a:solidFill>
             <a:schemeClr val="tx1"/>
           </a:solidFill>
@@ -3217,16 +3218,16 @@
           <a:cs typeface="+mn-cs"/>
         </a:defRPr>
       </a:lvl3pPr>
-      <a:lvl4pPr marL="5964105" indent="-852015" algn="l" defTabSz="3408060" rtl="0" eaLnBrk="1" latinLnBrk="0" hangingPunct="1">
+      <a:lvl4pPr marL="6354714" indent="-907816" algn="l" defTabSz="3631265" rtl="0" eaLnBrk="1" latinLnBrk="0" hangingPunct="1">
         <a:lnSpc>
           <a:spcPct val="90000"/>
         </a:lnSpc>
         <a:spcBef>
-          <a:spcPts val="1864"/>
+          <a:spcPts val="1986"/>
         </a:spcBef>
         <a:buFont typeface="Arial" panose="020B0604020202020204" pitchFamily="34" charset="0"/>
         <a:buChar char="•"/>
-        <a:defRPr sz="6709" kern="1200">
+        <a:defRPr sz="7148" kern="1200">
           <a:solidFill>
             <a:schemeClr val="tx1"/>
           </a:solidFill>
@@ -3235,16 +3236,16 @@
           <a:cs typeface="+mn-cs"/>
         </a:defRPr>
       </a:lvl4pPr>
-      <a:lvl5pPr marL="7668136" indent="-852015" algn="l" defTabSz="3408060" rtl="0" eaLnBrk="1" latinLnBrk="0" hangingPunct="1">
+      <a:lvl5pPr marL="8170347" indent="-907816" algn="l" defTabSz="3631265" rtl="0" eaLnBrk="1" latinLnBrk="0" hangingPunct="1">
         <a:lnSpc>
           <a:spcPct val="90000"/>
         </a:lnSpc>
         <a:spcBef>
-          <a:spcPts val="1864"/>
+          <a:spcPts val="1986"/>
         </a:spcBef>
         <a:buFont typeface="Arial" panose="020B0604020202020204" pitchFamily="34" charset="0"/>
         <a:buChar char="•"/>
-        <a:defRPr sz="6709" kern="1200">
+        <a:defRPr sz="7148" kern="1200">
           <a:solidFill>
             <a:schemeClr val="tx1"/>
           </a:solidFill>
@@ -3253,16 +3254,16 @@
           <a:cs typeface="+mn-cs"/>
         </a:defRPr>
       </a:lvl5pPr>
-      <a:lvl6pPr marL="9372166" indent="-852015" algn="l" defTabSz="3408060" rtl="0" eaLnBrk="1" latinLnBrk="0" hangingPunct="1">
+      <a:lvl6pPr marL="9985980" indent="-907816" algn="l" defTabSz="3631265" rtl="0" eaLnBrk="1" latinLnBrk="0" hangingPunct="1">
         <a:lnSpc>
           <a:spcPct val="90000"/>
         </a:lnSpc>
         <a:spcBef>
-          <a:spcPts val="1864"/>
+          <a:spcPts val="1986"/>
         </a:spcBef>
         <a:buFont typeface="Arial" panose="020B0604020202020204" pitchFamily="34" charset="0"/>
         <a:buChar char="•"/>
-        <a:defRPr sz="6709" kern="1200">
+        <a:defRPr sz="7148" kern="1200">
           <a:solidFill>
             <a:schemeClr val="tx1"/>
           </a:solidFill>
@@ -3271,16 +3272,16 @@
           <a:cs typeface="+mn-cs"/>
         </a:defRPr>
       </a:lvl6pPr>
-      <a:lvl7pPr marL="11076196" indent="-852015" algn="l" defTabSz="3408060" rtl="0" eaLnBrk="1" latinLnBrk="0" hangingPunct="1">
+      <a:lvl7pPr marL="11801612" indent="-907816" algn="l" defTabSz="3631265" rtl="0" eaLnBrk="1" latinLnBrk="0" hangingPunct="1">
         <a:lnSpc>
           <a:spcPct val="90000"/>
         </a:lnSpc>
         <a:spcBef>
-          <a:spcPts val="1864"/>
+          <a:spcPts val="1986"/>
         </a:spcBef>
         <a:buFont typeface="Arial" panose="020B0604020202020204" pitchFamily="34" charset="0"/>
         <a:buChar char="•"/>
-        <a:defRPr sz="6709" kern="1200">
+        <a:defRPr sz="7148" kern="1200">
           <a:solidFill>
             <a:schemeClr val="tx1"/>
           </a:solidFill>
@@ -3289,16 +3290,16 @@
           <a:cs typeface="+mn-cs"/>
         </a:defRPr>
       </a:lvl7pPr>
-      <a:lvl8pPr marL="12780226" indent="-852015" algn="l" defTabSz="3408060" rtl="0" eaLnBrk="1" latinLnBrk="0" hangingPunct="1">
+      <a:lvl8pPr marL="13617245" indent="-907816" algn="l" defTabSz="3631265" rtl="0" eaLnBrk="1" latinLnBrk="0" hangingPunct="1">
         <a:lnSpc>
           <a:spcPct val="90000"/>
         </a:lnSpc>
         <a:spcBef>
-          <a:spcPts val="1864"/>
+          <a:spcPts val="1986"/>
         </a:spcBef>
         <a:buFont typeface="Arial" panose="020B0604020202020204" pitchFamily="34" charset="0"/>
         <a:buChar char="•"/>
-        <a:defRPr sz="6709" kern="1200">
+        <a:defRPr sz="7148" kern="1200">
           <a:solidFill>
             <a:schemeClr val="tx1"/>
           </a:solidFill>
@@ -3307,16 +3308,16 @@
           <a:cs typeface="+mn-cs"/>
         </a:defRPr>
       </a:lvl8pPr>
-      <a:lvl9pPr marL="14484256" indent="-852015" algn="l" defTabSz="3408060" rtl="0" eaLnBrk="1" latinLnBrk="0" hangingPunct="1">
+      <a:lvl9pPr marL="15432877" indent="-907816" algn="l" defTabSz="3631265" rtl="0" eaLnBrk="1" latinLnBrk="0" hangingPunct="1">
         <a:lnSpc>
           <a:spcPct val="90000"/>
         </a:lnSpc>
         <a:spcBef>
-          <a:spcPts val="1864"/>
+          <a:spcPts val="1986"/>
         </a:spcBef>
         <a:buFont typeface="Arial" panose="020B0604020202020204" pitchFamily="34" charset="0"/>
         <a:buChar char="•"/>
-        <a:defRPr sz="6709" kern="1200">
+        <a:defRPr sz="7148" kern="1200">
           <a:solidFill>
             <a:schemeClr val="tx1"/>
           </a:solidFill>
@@ -3330,8 +3331,8 @@
       <a:defPPr>
         <a:defRPr lang="en-US"/>
       </a:defPPr>
-      <a:lvl1pPr marL="0" algn="l" defTabSz="3408060" rtl="0" eaLnBrk="1" latinLnBrk="0" hangingPunct="1">
-        <a:defRPr sz="6709" kern="1200">
+      <a:lvl1pPr marL="0" algn="l" defTabSz="3631265" rtl="0" eaLnBrk="1" latinLnBrk="0" hangingPunct="1">
+        <a:defRPr sz="7148" kern="1200">
           <a:solidFill>
             <a:schemeClr val="tx1"/>
           </a:solidFill>
@@ -3340,8 +3341,8 @@
           <a:cs typeface="+mn-cs"/>
         </a:defRPr>
       </a:lvl1pPr>
-      <a:lvl2pPr marL="1704030" algn="l" defTabSz="3408060" rtl="0" eaLnBrk="1" latinLnBrk="0" hangingPunct="1">
-        <a:defRPr sz="6709" kern="1200">
+      <a:lvl2pPr marL="1815633" algn="l" defTabSz="3631265" rtl="0" eaLnBrk="1" latinLnBrk="0" hangingPunct="1">
+        <a:defRPr sz="7148" kern="1200">
           <a:solidFill>
             <a:schemeClr val="tx1"/>
           </a:solidFill>
@@ -3350,8 +3351,8 @@
           <a:cs typeface="+mn-cs"/>
         </a:defRPr>
       </a:lvl2pPr>
-      <a:lvl3pPr marL="3408060" algn="l" defTabSz="3408060" rtl="0" eaLnBrk="1" latinLnBrk="0" hangingPunct="1">
-        <a:defRPr sz="6709" kern="1200">
+      <a:lvl3pPr marL="3631265" algn="l" defTabSz="3631265" rtl="0" eaLnBrk="1" latinLnBrk="0" hangingPunct="1">
+        <a:defRPr sz="7148" kern="1200">
           <a:solidFill>
             <a:schemeClr val="tx1"/>
           </a:solidFill>
@@ -3360,8 +3361,8 @@
           <a:cs typeface="+mn-cs"/>
         </a:defRPr>
       </a:lvl3pPr>
-      <a:lvl4pPr marL="5112090" algn="l" defTabSz="3408060" rtl="0" eaLnBrk="1" latinLnBrk="0" hangingPunct="1">
-        <a:defRPr sz="6709" kern="1200">
+      <a:lvl4pPr marL="5446898" algn="l" defTabSz="3631265" rtl="0" eaLnBrk="1" latinLnBrk="0" hangingPunct="1">
+        <a:defRPr sz="7148" kern="1200">
           <a:solidFill>
             <a:schemeClr val="tx1"/>
           </a:solidFill>
@@ -3370,8 +3371,8 @@
           <a:cs typeface="+mn-cs"/>
         </a:defRPr>
       </a:lvl4pPr>
-      <a:lvl5pPr marL="6816120" algn="l" defTabSz="3408060" rtl="0" eaLnBrk="1" latinLnBrk="0" hangingPunct="1">
-        <a:defRPr sz="6709" kern="1200">
+      <a:lvl5pPr marL="7262531" algn="l" defTabSz="3631265" rtl="0" eaLnBrk="1" latinLnBrk="0" hangingPunct="1">
+        <a:defRPr sz="7148" kern="1200">
           <a:solidFill>
             <a:schemeClr val="tx1"/>
           </a:solidFill>
@@ -3380,8 +3381,8 @@
           <a:cs typeface="+mn-cs"/>
         </a:defRPr>
       </a:lvl5pPr>
-      <a:lvl6pPr marL="8520151" algn="l" defTabSz="3408060" rtl="0" eaLnBrk="1" latinLnBrk="0" hangingPunct="1">
-        <a:defRPr sz="6709" kern="1200">
+      <a:lvl6pPr marL="9078163" algn="l" defTabSz="3631265" rtl="0" eaLnBrk="1" latinLnBrk="0" hangingPunct="1">
+        <a:defRPr sz="7148" kern="1200">
           <a:solidFill>
             <a:schemeClr val="tx1"/>
           </a:solidFill>
@@ -3390,8 +3391,8 @@
           <a:cs typeface="+mn-cs"/>
         </a:defRPr>
       </a:lvl6pPr>
-      <a:lvl7pPr marL="10224181" algn="l" defTabSz="3408060" rtl="0" eaLnBrk="1" latinLnBrk="0" hangingPunct="1">
-        <a:defRPr sz="6709" kern="1200">
+      <a:lvl7pPr marL="10893796" algn="l" defTabSz="3631265" rtl="0" eaLnBrk="1" latinLnBrk="0" hangingPunct="1">
+        <a:defRPr sz="7148" kern="1200">
           <a:solidFill>
             <a:schemeClr val="tx1"/>
           </a:solidFill>
@@ -3400,8 +3401,8 @@
           <a:cs typeface="+mn-cs"/>
         </a:defRPr>
       </a:lvl7pPr>
-      <a:lvl8pPr marL="11928211" algn="l" defTabSz="3408060" rtl="0" eaLnBrk="1" latinLnBrk="0" hangingPunct="1">
-        <a:defRPr sz="6709" kern="1200">
+      <a:lvl8pPr marL="12709428" algn="l" defTabSz="3631265" rtl="0" eaLnBrk="1" latinLnBrk="0" hangingPunct="1">
+        <a:defRPr sz="7148" kern="1200">
           <a:solidFill>
             <a:schemeClr val="tx1"/>
           </a:solidFill>
@@ -3410,8 +3411,8 @@
           <a:cs typeface="+mn-cs"/>
         </a:defRPr>
       </a:lvl8pPr>
-      <a:lvl9pPr marL="13632241" algn="l" defTabSz="3408060" rtl="0" eaLnBrk="1" latinLnBrk="0" hangingPunct="1">
-        <a:defRPr sz="6709" kern="1200">
+      <a:lvl9pPr marL="14525061" algn="l" defTabSz="3631265" rtl="0" eaLnBrk="1" latinLnBrk="0" hangingPunct="1">
+        <a:defRPr sz="7148" kern="1200">
           <a:solidFill>
             <a:schemeClr val="tx1"/>
           </a:solidFill>
@@ -3460,7 +3461,7 @@
         </p:nvCxnSpPr>
         <p:spPr>
           <a:xfrm rot="10800000">
-            <a:off x="16574657" y="2544782"/>
+            <a:off x="16574658" y="7764483"/>
             <a:ext cx="640457" cy="21562073"/>
           </a:xfrm>
           <a:prstGeom prst="curvedConnector3">
@@ -3507,7 +3508,7 @@
         </p:nvSpPr>
         <p:spPr>
           <a:xfrm>
-            <a:off x="16574655" y="2360114"/>
+            <a:off x="16574655" y="7579814"/>
             <a:ext cx="3038328" cy="369332"/>
           </a:xfrm>
           <a:prstGeom prst="rect">
@@ -3547,7 +3548,7 @@
         </p:nvSpPr>
         <p:spPr>
           <a:xfrm>
-            <a:off x="17215112" y="23922187"/>
+            <a:off x="17215112" y="29141887"/>
             <a:ext cx="2346958" cy="369332"/>
           </a:xfrm>
           <a:prstGeom prst="rect">
@@ -3587,7 +3588,7 @@
         </p:nvSpPr>
         <p:spPr>
           <a:xfrm>
-            <a:off x="11779634" y="9308635"/>
+            <a:off x="11779634" y="14528335"/>
             <a:ext cx="2346958" cy="369332"/>
           </a:xfrm>
           <a:prstGeom prst="rect">
@@ -3623,7 +3624,7 @@
         </p:nvSpPr>
         <p:spPr>
           <a:xfrm>
-            <a:off x="16342410" y="3966894"/>
+            <a:off x="16342410" y="9186595"/>
             <a:ext cx="3522680" cy="646331"/>
           </a:xfrm>
           <a:prstGeom prst="rect">
@@ -3676,7 +3677,7 @@
         </p:nvSpPr>
         <p:spPr>
           <a:xfrm>
-            <a:off x="22130299" y="9586719"/>
+            <a:off x="22130300" y="14806420"/>
             <a:ext cx="3338003" cy="646331"/>
           </a:xfrm>
           <a:prstGeom prst="rect">
@@ -3727,7 +3728,7 @@
         </p:nvSpPr>
         <p:spPr>
           <a:xfrm>
-            <a:off x="17211519" y="22290087"/>
+            <a:off x="17211519" y="27509787"/>
             <a:ext cx="2346958" cy="369332"/>
           </a:xfrm>
           <a:prstGeom prst="rect">
@@ -3767,7 +3768,7 @@
         </p:nvSpPr>
         <p:spPr>
           <a:xfrm>
-            <a:off x="23330228" y="2077872"/>
+            <a:off x="23330228" y="7297572"/>
             <a:ext cx="4137660" cy="338554"/>
           </a:xfrm>
           <a:prstGeom prst="rect">
@@ -3810,7 +3811,7 @@
         </p:blipFill>
         <p:spPr>
           <a:xfrm>
-            <a:off x="26101449" y="779183"/>
+            <a:off x="26101449" y="5998884"/>
             <a:ext cx="2030198" cy="2935931"/>
           </a:xfrm>
           <a:prstGeom prst="rect">
@@ -3832,7 +3833,7 @@
         </p:nvSpPr>
         <p:spPr>
           <a:xfrm>
-            <a:off x="25137761" y="4110104"/>
+            <a:off x="25137761" y="9329804"/>
             <a:ext cx="4388766" cy="338554"/>
           </a:xfrm>
           <a:prstGeom prst="rect">
@@ -3871,7 +3872,7 @@
         </p:nvSpPr>
         <p:spPr>
           <a:xfrm>
-            <a:off x="26933573" y="4771822"/>
+            <a:off x="26933574" y="9991522"/>
             <a:ext cx="2509341" cy="338554"/>
           </a:xfrm>
           <a:prstGeom prst="rect">
@@ -3911,7 +3912,7 @@
         </p:nvCxnSpPr>
         <p:spPr>
           <a:xfrm flipV="1">
-            <a:off x="19865090" y="2247149"/>
+            <a:off x="19865090" y="7466849"/>
             <a:ext cx="3465138" cy="2042910"/>
           </a:xfrm>
           <a:prstGeom prst="curvedConnector3">
@@ -3954,7 +3955,7 @@
         </p:nvCxnSpPr>
         <p:spPr>
           <a:xfrm rot="16200000" flipH="1">
-            <a:off x="23878850" y="3020470"/>
+            <a:off x="23878850" y="8240170"/>
             <a:ext cx="1781130" cy="736692"/>
           </a:xfrm>
           <a:prstGeom prst="curvedConnector2">
@@ -3998,7 +3999,7 @@
         </p:nvCxnSpPr>
         <p:spPr>
           <a:xfrm rot="16200000" flipH="1">
-            <a:off x="27598611" y="4182191"/>
+            <a:off x="27598611" y="9401892"/>
             <a:ext cx="323164" cy="856099"/>
           </a:xfrm>
           <a:prstGeom prst="curvedConnector3">
@@ -4040,7 +4041,7 @@
         </p:nvSpPr>
         <p:spPr>
           <a:xfrm>
-            <a:off x="24045065" y="5891221"/>
+            <a:off x="24045066" y="11110921"/>
             <a:ext cx="4055151" cy="1077218"/>
           </a:xfrm>
           <a:prstGeom prst="rect">
@@ -4104,7 +4105,7 @@
         </p:nvSpPr>
         <p:spPr>
           <a:xfrm>
-            <a:off x="28438587" y="5891220"/>
+            <a:off x="28438588" y="11110921"/>
             <a:ext cx="4055151" cy="584775"/>
           </a:xfrm>
           <a:prstGeom prst="rect">
@@ -4157,7 +4158,7 @@
         </p:nvCxnSpPr>
         <p:spPr>
           <a:xfrm rot="5400000">
-            <a:off x="26740021" y="4442997"/>
+            <a:off x="26740022" y="9662698"/>
             <a:ext cx="780845" cy="2115603"/>
           </a:xfrm>
           <a:prstGeom prst="curvedConnector3">
@@ -4203,7 +4204,7 @@
         </p:nvCxnSpPr>
         <p:spPr>
           <a:xfrm rot="16200000" flipH="1">
-            <a:off x="28936781" y="4361838"/>
+            <a:off x="28936781" y="9581539"/>
             <a:ext cx="780844" cy="2277919"/>
           </a:xfrm>
           <a:prstGeom prst="curvedConnector3">
@@ -4245,7 +4246,7 @@
         </p:nvSpPr>
         <p:spPr>
           <a:xfrm>
-            <a:off x="26181511" y="5177733"/>
+            <a:off x="26181512" y="10397434"/>
             <a:ext cx="865237" cy="276999"/>
           </a:xfrm>
           <a:prstGeom prst="rect">
@@ -4281,7 +4282,7 @@
         </p:nvSpPr>
         <p:spPr>
           <a:xfrm>
-            <a:off x="29225189" y="5148551"/>
+            <a:off x="29225189" y="10368252"/>
             <a:ext cx="518796" cy="276999"/>
           </a:xfrm>
           <a:prstGeom prst="rect">
@@ -4321,7 +4322,7 @@
         </p:nvCxnSpPr>
         <p:spPr>
           <a:xfrm>
-            <a:off x="18093820" y="2729447"/>
+            <a:off x="18093821" y="7949148"/>
             <a:ext cx="9931" cy="1237447"/>
           </a:xfrm>
           <a:prstGeom prst="straightConnector1">
@@ -4360,7 +4361,7 @@
         </p:nvSpPr>
         <p:spPr>
           <a:xfrm>
-            <a:off x="22828317" y="4920881"/>
+            <a:off x="22828317" y="10140582"/>
             <a:ext cx="2190852" cy="584775"/>
           </a:xfrm>
           <a:prstGeom prst="rect">
@@ -4412,7 +4413,7 @@
         </p:nvCxnSpPr>
         <p:spPr>
           <a:xfrm rot="5400000">
-            <a:off x="23051491" y="3555181"/>
+            <a:off x="23051491" y="8774881"/>
             <a:ext cx="2237952" cy="493448"/>
           </a:xfrm>
           <a:prstGeom prst="curvedConnector3">
@@ -4457,7 +4458,7 @@
         </p:nvCxnSpPr>
         <p:spPr>
           <a:xfrm rot="10800000">
-            <a:off x="18103750" y="4613224"/>
+            <a:off x="18103750" y="9832924"/>
             <a:ext cx="5080488" cy="749736"/>
           </a:xfrm>
           <a:prstGeom prst="curvedConnector2">
@@ -4496,7 +4497,7 @@
         </p:nvSpPr>
         <p:spPr>
           <a:xfrm>
-            <a:off x="27467887" y="11336780"/>
+            <a:off x="27467887" y="16556481"/>
             <a:ext cx="2637816" cy="830997"/>
           </a:xfrm>
           <a:prstGeom prst="rect">
@@ -4531,7 +4532,7 @@
         </p:nvSpPr>
         <p:spPr>
           <a:xfrm>
-            <a:off x="27214228" y="10480532"/>
+            <a:off x="27214228" y="15700232"/>
             <a:ext cx="3121304" cy="338554"/>
           </a:xfrm>
           <a:prstGeom prst="rect">
@@ -4566,7 +4567,7 @@
         </p:nvSpPr>
         <p:spPr>
           <a:xfrm>
-            <a:off x="21537559" y="13250207"/>
+            <a:off x="21537560" y="18469908"/>
             <a:ext cx="4523481" cy="584775"/>
           </a:xfrm>
           <a:prstGeom prst="rect">
@@ -4609,7 +4610,7 @@
         </p:nvSpPr>
         <p:spPr>
           <a:xfrm>
-            <a:off x="21356708" y="15079736"/>
+            <a:off x="21356709" y="20299436"/>
             <a:ext cx="4885183" cy="338554"/>
           </a:xfrm>
           <a:prstGeom prst="rect">
@@ -4645,7 +4646,7 @@
         </p:nvSpPr>
         <p:spPr>
           <a:xfrm>
-            <a:off x="20198831" y="16776428"/>
+            <a:off x="20198831" y="21996128"/>
             <a:ext cx="7417736" cy="338554"/>
           </a:xfrm>
           <a:prstGeom prst="rect">
@@ -4689,7 +4690,7 @@
         </p:blipFill>
         <p:spPr>
           <a:xfrm>
-            <a:off x="29225195" y="16822705"/>
+            <a:off x="29225195" y="22042405"/>
             <a:ext cx="2152706" cy="1294650"/>
           </a:xfrm>
           <a:prstGeom prst="rect">
@@ -4719,7 +4720,7 @@
         </p:blipFill>
         <p:spPr>
           <a:xfrm>
-            <a:off x="31820332" y="16822704"/>
+            <a:off x="31820333" y="22042405"/>
             <a:ext cx="1880947" cy="1225227"/>
           </a:xfrm>
           <a:prstGeom prst="rect">
@@ -4741,7 +4742,7 @@
         </p:nvSpPr>
         <p:spPr>
           <a:xfrm>
-            <a:off x="21429543" y="18168889"/>
+            <a:off x="21429543" y="23388590"/>
             <a:ext cx="4723088" cy="584775"/>
           </a:xfrm>
           <a:prstGeom prst="rect">
@@ -4806,7 +4807,7 @@
         </p:nvCxnSpPr>
         <p:spPr>
           <a:xfrm>
-            <a:off x="23799300" y="10233050"/>
+            <a:off x="23799300" y="15452751"/>
             <a:ext cx="2020" cy="791473"/>
           </a:xfrm>
           <a:prstGeom prst="straightConnector1">
@@ -4849,7 +4850,7 @@
         </p:nvCxnSpPr>
         <p:spPr>
           <a:xfrm rot="10800000" flipV="1">
-            <a:off x="24482041" y="10649798"/>
+            <a:off x="24482042" y="15869499"/>
             <a:ext cx="2642649" cy="790223"/>
           </a:xfrm>
           <a:prstGeom prst="curvedConnector3">
@@ -4891,7 +4892,7 @@
         </p:nvSpPr>
         <p:spPr>
           <a:xfrm>
-            <a:off x="31451350" y="10480532"/>
+            <a:off x="31451350" y="15700232"/>
             <a:ext cx="2506968" cy="338554"/>
           </a:xfrm>
           <a:prstGeom prst="rect">
@@ -4929,7 +4930,7 @@
         </p:nvCxnSpPr>
         <p:spPr>
           <a:xfrm>
-            <a:off x="30335532" y="10649809"/>
+            <a:off x="30335532" y="15869509"/>
             <a:ext cx="1115818" cy="0"/>
           </a:xfrm>
           <a:prstGeom prst="straightConnector1">
@@ -4973,7 +4974,7 @@
         </p:nvCxnSpPr>
         <p:spPr>
           <a:xfrm rot="10800000">
-            <a:off x="24482039" y="11440023"/>
+            <a:off x="24482039" y="16659724"/>
             <a:ext cx="2985848" cy="312257"/>
           </a:xfrm>
           <a:prstGeom prst="curvedConnector3">
@@ -5018,7 +5019,7 @@
         </p:nvCxnSpPr>
         <p:spPr>
           <a:xfrm>
-            <a:off x="23799300" y="13834982"/>
+            <a:off x="23799300" y="19054683"/>
             <a:ext cx="0" cy="1011923"/>
           </a:xfrm>
           <a:prstGeom prst="straightConnector1">
@@ -5062,7 +5063,7 @@
         </p:nvCxnSpPr>
         <p:spPr>
           <a:xfrm>
-            <a:off x="26241891" y="15249013"/>
+            <a:off x="26241892" y="20468713"/>
             <a:ext cx="978557" cy="5128"/>
           </a:xfrm>
           <a:prstGeom prst="straightConnector1">
@@ -5102,7 +5103,7 @@
         </p:nvSpPr>
         <p:spPr>
           <a:xfrm>
-            <a:off x="27220448" y="15084864"/>
+            <a:off x="27220449" y="20304564"/>
             <a:ext cx="8314905" cy="338554"/>
           </a:xfrm>
           <a:prstGeom prst="rect">
@@ -5174,7 +5175,7 @@
         </p:nvSpPr>
         <p:spPr>
           <a:xfrm>
-            <a:off x="26933573" y="13388706"/>
+            <a:off x="26933573" y="18608406"/>
             <a:ext cx="2903872" cy="338554"/>
           </a:xfrm>
           <a:prstGeom prst="rect">
@@ -5214,7 +5215,7 @@
         </p:nvSpPr>
         <p:spPr>
           <a:xfrm>
-            <a:off x="23120601" y="11024523"/>
+            <a:off x="23120602" y="16244224"/>
             <a:ext cx="1361439" cy="830997"/>
           </a:xfrm>
           <a:prstGeom prst="rect">
@@ -5254,7 +5255,7 @@
         </p:nvCxnSpPr>
         <p:spPr>
           <a:xfrm flipH="1">
-            <a:off x="23799300" y="11855520"/>
+            <a:off x="23799301" y="17075221"/>
             <a:ext cx="2021" cy="1394687"/>
           </a:xfrm>
           <a:prstGeom prst="straightConnector1">
@@ -5298,7 +5299,7 @@
         </p:nvCxnSpPr>
         <p:spPr>
           <a:xfrm>
-            <a:off x="26061040" y="13542595"/>
+            <a:off x="26061041" y="18762295"/>
             <a:ext cx="872533" cy="15388"/>
           </a:xfrm>
           <a:prstGeom prst="straightConnector1">
@@ -5341,7 +5342,7 @@
         </p:nvCxnSpPr>
         <p:spPr>
           <a:xfrm>
-            <a:off x="23799300" y="15418290"/>
+            <a:off x="23799300" y="20637990"/>
             <a:ext cx="0" cy="1212360"/>
           </a:xfrm>
           <a:prstGeom prst="straightConnector1">
@@ -5381,7 +5382,7 @@
         </p:nvSpPr>
         <p:spPr>
           <a:xfrm>
-            <a:off x="28822977" y="16311867"/>
+            <a:off x="28822977" y="21531568"/>
             <a:ext cx="5416804" cy="584775"/>
           </a:xfrm>
           <a:prstGeom prst="rect">
@@ -5434,7 +5435,7 @@
         </p:nvCxnSpPr>
         <p:spPr>
           <a:xfrm>
-            <a:off x="27653722" y="16954482"/>
+            <a:off x="27653723" y="22174183"/>
             <a:ext cx="955853" cy="5227"/>
           </a:xfrm>
           <a:prstGeom prst="straightConnector1">
@@ -5476,7 +5477,7 @@
         </p:nvCxnSpPr>
         <p:spPr>
           <a:xfrm flipH="1">
-            <a:off x="23791087" y="17248050"/>
+            <a:off x="23791088" y="22467751"/>
             <a:ext cx="1" cy="759657"/>
           </a:xfrm>
           <a:prstGeom prst="straightConnector1">
@@ -5520,7 +5521,7 @@
         </p:nvCxnSpPr>
         <p:spPr>
           <a:xfrm rot="16200000" flipH="1">
-            <a:off x="18464778" y="4252196"/>
+            <a:off x="18464778" y="9471896"/>
             <a:ext cx="4973494" cy="5695550"/>
           </a:xfrm>
           <a:prstGeom prst="curvedConnector3">
@@ -5559,7 +5560,7 @@
         </p:nvSpPr>
         <p:spPr>
           <a:xfrm>
-            <a:off x="9671915" y="10519519"/>
+            <a:off x="9671915" y="15739219"/>
             <a:ext cx="2346958" cy="1754326"/>
           </a:xfrm>
           <a:prstGeom prst="rect">
@@ -5644,7 +5645,7 @@
         </p:nvSpPr>
         <p:spPr>
           <a:xfrm>
-            <a:off x="13274884" y="10519517"/>
+            <a:off x="13274885" y="15739218"/>
             <a:ext cx="3009085" cy="1200329"/>
           </a:xfrm>
           <a:prstGeom prst="rect">
@@ -5733,7 +5734,7 @@
         </p:nvCxnSpPr>
         <p:spPr>
           <a:xfrm rot="16200000" flipH="1">
-            <a:off x="13445496" y="9185585"/>
+            <a:off x="13445497" y="14405286"/>
             <a:ext cx="841549" cy="1826313"/>
           </a:xfrm>
           <a:prstGeom prst="curvedConnector3">
@@ -5779,7 +5780,7 @@
         </p:nvCxnSpPr>
         <p:spPr>
           <a:xfrm rot="5400000">
-            <a:off x="11478478" y="9044885"/>
+            <a:off x="11478478" y="14264586"/>
             <a:ext cx="841552" cy="2107719"/>
           </a:xfrm>
           <a:prstGeom prst="curvedConnector3">
@@ -5821,7 +5822,7 @@
         </p:nvSpPr>
         <p:spPr>
           <a:xfrm>
-            <a:off x="12066415" y="15519009"/>
+            <a:off x="12066415" y="20738709"/>
             <a:ext cx="2234586" cy="338554"/>
           </a:xfrm>
           <a:prstGeom prst="rect">
@@ -5856,7 +5857,7 @@
         </p:nvSpPr>
         <p:spPr>
           <a:xfrm>
-            <a:off x="5224000" y="15270622"/>
+            <a:off x="5224000" y="20490323"/>
             <a:ext cx="3913032" cy="830997"/>
           </a:xfrm>
           <a:prstGeom prst="rect">
@@ -5901,7 +5902,7 @@
         </p:nvCxnSpPr>
         <p:spPr>
           <a:xfrm flipH="1" flipV="1">
-            <a:off x="9137033" y="15686120"/>
+            <a:off x="9137034" y="20905820"/>
             <a:ext cx="2929383" cy="2166"/>
           </a:xfrm>
           <a:prstGeom prst="straightConnector1">
@@ -5941,7 +5942,7 @@
         </p:nvSpPr>
         <p:spPr>
           <a:xfrm>
-            <a:off x="22124645" y="20456537"/>
+            <a:off x="22124646" y="25676237"/>
             <a:ext cx="3338003" cy="369332"/>
           </a:xfrm>
           <a:prstGeom prst="rect">
@@ -5981,7 +5982,7 @@
         </p:nvSpPr>
         <p:spPr>
           <a:xfrm>
-            <a:off x="11343136" y="14262130"/>
+            <a:off x="11343136" y="19481831"/>
             <a:ext cx="3688466" cy="584775"/>
           </a:xfrm>
           <a:prstGeom prst="rect">
@@ -6020,7 +6021,7 @@
         </p:nvCxnSpPr>
         <p:spPr>
           <a:xfrm rot="10800000">
-            <a:off x="15031602" y="14554517"/>
+            <a:off x="15031602" y="19774217"/>
             <a:ext cx="7093042" cy="6086686"/>
           </a:xfrm>
           <a:prstGeom prst="curvedConnector3">
@@ -6064,7 +6065,7 @@
         </p:nvSpPr>
         <p:spPr>
           <a:xfrm>
-            <a:off x="11722022" y="16936861"/>
+            <a:off x="11722023" y="22156561"/>
             <a:ext cx="2922403" cy="338554"/>
           </a:xfrm>
           <a:prstGeom prst="rect">
@@ -6099,7 +6100,7 @@
         </p:nvSpPr>
         <p:spPr>
           <a:xfrm>
-            <a:off x="1783693" y="16965083"/>
+            <a:off x="1783693" y="22184783"/>
             <a:ext cx="7353338" cy="338554"/>
           </a:xfrm>
           <a:prstGeom prst="rect">
@@ -6155,7 +6156,7 @@
         </p:nvCxnSpPr>
         <p:spPr>
           <a:xfrm flipH="1">
-            <a:off x="9137031" y="17106138"/>
+            <a:off x="9137031" y="22325838"/>
             <a:ext cx="2584990" cy="28222"/>
           </a:xfrm>
           <a:prstGeom prst="straightConnector1">
@@ -6195,7 +6196,7 @@
         </p:nvSpPr>
         <p:spPr>
           <a:xfrm>
-            <a:off x="10910080" y="19197038"/>
+            <a:off x="10910080" y="24416739"/>
             <a:ext cx="4554132" cy="584775"/>
           </a:xfrm>
           <a:prstGeom prst="rect">
@@ -6237,7 +6238,7 @@
         </p:nvSpPr>
         <p:spPr>
           <a:xfrm>
-            <a:off x="11217334" y="18042116"/>
+            <a:off x="11217335" y="23261817"/>
             <a:ext cx="3928961" cy="584775"/>
           </a:xfrm>
           <a:prstGeom prst="rect">
@@ -6280,7 +6281,7 @@
         </p:nvSpPr>
         <p:spPr>
           <a:xfrm>
-            <a:off x="1534001" y="19318854"/>
+            <a:off x="1534001" y="24538554"/>
             <a:ext cx="8478960" cy="338554"/>
           </a:xfrm>
           <a:prstGeom prst="rect">
@@ -6343,7 +6344,7 @@
         </p:nvSpPr>
         <p:spPr>
           <a:xfrm>
-            <a:off x="10251111" y="20436981"/>
+            <a:off x="10251112" y="25656681"/>
             <a:ext cx="5884431" cy="338554"/>
           </a:xfrm>
           <a:prstGeom prst="rect">
@@ -6384,7 +6385,7 @@
         </p:nvSpPr>
         <p:spPr>
           <a:xfrm>
-            <a:off x="11339476" y="13049928"/>
+            <a:off x="11339476" y="18269628"/>
             <a:ext cx="3688466" cy="338554"/>
           </a:xfrm>
           <a:prstGeom prst="rect">
@@ -6425,7 +6426,7 @@
         </p:nvCxnSpPr>
         <p:spPr>
           <a:xfrm>
-            <a:off x="13183709" y="13388483"/>
+            <a:off x="13183709" y="18608184"/>
             <a:ext cx="3660" cy="873647"/>
           </a:xfrm>
           <a:prstGeom prst="straightConnector1">
@@ -6469,7 +6470,7 @@
         </p:nvCxnSpPr>
         <p:spPr>
           <a:xfrm flipH="1">
-            <a:off x="13183709" y="14846905"/>
+            <a:off x="13183710" y="20066606"/>
             <a:ext cx="3661" cy="672105"/>
           </a:xfrm>
           <a:prstGeom prst="straightConnector1">
@@ -6513,7 +6514,7 @@
         </p:nvCxnSpPr>
         <p:spPr>
           <a:xfrm flipH="1">
-            <a:off x="13183224" y="15857563"/>
+            <a:off x="13183225" y="21077263"/>
             <a:ext cx="485" cy="1079298"/>
           </a:xfrm>
           <a:prstGeom prst="straightConnector1">
@@ -6557,7 +6558,7 @@
         </p:nvCxnSpPr>
         <p:spPr>
           <a:xfrm flipH="1">
-            <a:off x="13181815" y="17275415"/>
+            <a:off x="13181816" y="22495115"/>
             <a:ext cx="1409" cy="766700"/>
           </a:xfrm>
           <a:prstGeom prst="straightConnector1">
@@ -6601,7 +6602,7 @@
         </p:nvCxnSpPr>
         <p:spPr>
           <a:xfrm>
-            <a:off x="13181814" y="18626891"/>
+            <a:off x="13181814" y="23846592"/>
             <a:ext cx="5332" cy="570147"/>
           </a:xfrm>
           <a:prstGeom prst="straightConnector1">
@@ -6645,7 +6646,7 @@
         </p:nvCxnSpPr>
         <p:spPr>
           <a:xfrm>
-            <a:off x="13187146" y="19781813"/>
+            <a:off x="13187146" y="25001514"/>
             <a:ext cx="6180" cy="655169"/>
           </a:xfrm>
           <a:prstGeom prst="straightConnector1">
@@ -6689,7 +6690,7 @@
         </p:nvCxnSpPr>
         <p:spPr>
           <a:xfrm flipH="1" flipV="1">
-            <a:off x="10012962" y="19488131"/>
+            <a:off x="10012963" y="24707831"/>
             <a:ext cx="897119" cy="1294"/>
           </a:xfrm>
           <a:prstGeom prst="straightConnector1">
@@ -6729,7 +6730,7 @@
         </p:nvSpPr>
         <p:spPr>
           <a:xfrm>
-            <a:off x="26297428" y="20358122"/>
+            <a:off x="26297428" y="25577823"/>
             <a:ext cx="5205464" cy="584775"/>
           </a:xfrm>
           <a:prstGeom prst="rect">
@@ -6783,7 +6784,7 @@
         </p:nvCxnSpPr>
         <p:spPr>
           <a:xfrm>
-            <a:off x="23791088" y="18753663"/>
+            <a:off x="23791089" y="23973363"/>
             <a:ext cx="2559" cy="1702874"/>
           </a:xfrm>
           <a:prstGeom prst="straightConnector1">
@@ -6827,7 +6828,7 @@
         </p:nvCxnSpPr>
         <p:spPr>
           <a:xfrm>
-            <a:off x="25462648" y="20641203"/>
+            <a:off x="25462648" y="25860904"/>
             <a:ext cx="834780" cy="9307"/>
           </a:xfrm>
           <a:prstGeom prst="straightConnector1">
@@ -6871,7 +6872,7 @@
         </p:nvCxnSpPr>
         <p:spPr>
           <a:xfrm rot="16200000" flipH="1">
-            <a:off x="11626511" y="11492729"/>
+            <a:off x="11626512" y="16712430"/>
             <a:ext cx="776083" cy="2338315"/>
           </a:xfrm>
           <a:prstGeom prst="curvedConnector3">
@@ -6917,7 +6918,7 @@
         </p:nvCxnSpPr>
         <p:spPr>
           <a:xfrm rot="5400000">
-            <a:off x="13316528" y="11587029"/>
+            <a:off x="13316529" y="16806730"/>
             <a:ext cx="1330083" cy="1595717"/>
           </a:xfrm>
           <a:prstGeom prst="curvedConnector3">
@@ -6963,7 +6964,7 @@
         </p:nvCxnSpPr>
         <p:spPr>
           <a:xfrm rot="5400000">
-            <a:off x="13180728" y="4385612"/>
+            <a:off x="13180729" y="9605313"/>
             <a:ext cx="4695411" cy="5150637"/>
           </a:xfrm>
           <a:prstGeom prst="curvedConnector3">
@@ -7005,7 +7006,7 @@
         </p:nvCxnSpPr>
         <p:spPr>
           <a:xfrm rot="16200000" flipH="1">
-            <a:off x="15031886" y="18936975"/>
+            <a:off x="15031886" y="24156675"/>
             <a:ext cx="1514552" cy="5191672"/>
           </a:xfrm>
           <a:prstGeom prst="curvedConnector3">
@@ -7048,7 +7049,7 @@
         </p:nvCxnSpPr>
         <p:spPr>
           <a:xfrm rot="5400000">
-            <a:off x="20357213" y="18853654"/>
+            <a:off x="20357213" y="24073354"/>
             <a:ext cx="1464218" cy="5408648"/>
           </a:xfrm>
           <a:prstGeom prst="curvedConnector3">
@@ -7092,7 +7093,7 @@
         </p:nvCxnSpPr>
         <p:spPr>
           <a:xfrm>
-            <a:off x="18384999" y="22659419"/>
+            <a:off x="18385000" y="27879119"/>
             <a:ext cx="3593" cy="1262768"/>
           </a:xfrm>
           <a:prstGeom prst="straightConnector1">
@@ -7139,7 +7140,7 @@
         </p:blipFill>
         <p:spPr>
           <a:xfrm>
-            <a:off x="2700183" y="14659111"/>
+            <a:off x="2700183" y="19878811"/>
             <a:ext cx="2126202" cy="1914366"/>
           </a:xfrm>
           <a:prstGeom prst="rect">
@@ -7151,6 +7152,3660 @@
     <p:extLst>
       <p:ext uri="{BB962C8B-B14F-4D97-AF65-F5344CB8AC3E}">
         <p14:creationId xmlns:p14="http://schemas.microsoft.com/office/powerpoint/2010/main" val="1417157371"/>
+      </p:ext>
+    </p:extLst>
+  </p:cSld>
+  <p:clrMapOvr>
+    <a:masterClrMapping/>
+  </p:clrMapOvr>
+</p:sld>
+</file>
+
+<file path=ppt/slides/slide2.xml><?xml version="1.0" encoding="utf-8"?>
+<p:sld xmlns:a="http://schemas.openxmlformats.org/drawingml/2006/main" xmlns:r="http://schemas.openxmlformats.org/officeDocument/2006/relationships" xmlns:p="http://schemas.openxmlformats.org/presentationml/2006/main">
+  <p:cSld>
+    <p:spTree>
+      <p:nvGrpSpPr>
+        <p:cNvPr id="1" name=""/>
+        <p:cNvGrpSpPr/>
+        <p:nvPr/>
+      </p:nvGrpSpPr>
+      <p:grpSpPr>
+        <a:xfrm>
+          <a:off x="0" y="0"/>
+          <a:ext cx="0" cy="0"/>
+          <a:chOff x="0" y="0"/>
+          <a:chExt cx="0" cy="0"/>
+        </a:xfrm>
+      </p:grpSpPr>
+      <p:cxnSp>
+        <p:nvCxnSpPr>
+          <p:cNvPr id="4" name="Connector: Curved 3">
+            <a:extLst>
+              <a:ext uri="{FF2B5EF4-FFF2-40B4-BE49-F238E27FC236}">
+                <a16:creationId xmlns:a16="http://schemas.microsoft.com/office/drawing/2014/main" id="{1D8089E1-18E0-F201-551B-0A303A8849A5}"/>
+              </a:ext>
+            </a:extLst>
+          </p:cNvPr>
+          <p:cNvCxnSpPr>
+            <a:cxnSpLocks/>
+            <a:stCxn id="6" idx="1"/>
+            <a:endCxn id="5" idx="1"/>
+          </p:cNvCxnSpPr>
+          <p:nvPr/>
+        </p:nvCxnSpPr>
+        <p:spPr>
+          <a:xfrm rot="10800000">
+            <a:off x="16666096" y="1765596"/>
+            <a:ext cx="665199" cy="26690906"/>
+          </a:xfrm>
+          <a:prstGeom prst="curvedConnector3">
+            <a:avLst>
+              <a:gd name="adj1" fmla="val 2228477"/>
+            </a:avLst>
+          </a:prstGeom>
+          <a:ln>
+            <a:solidFill>
+              <a:schemeClr val="bg1">
+                <a:lumMod val="85000"/>
+              </a:schemeClr>
+            </a:solidFill>
+            <a:prstDash val="solid"/>
+            <a:tailEnd type="triangle"/>
+          </a:ln>
+        </p:spPr>
+        <p:style>
+          <a:lnRef idx="2">
+            <a:schemeClr val="dk1"/>
+          </a:lnRef>
+          <a:fillRef idx="0">
+            <a:schemeClr val="dk1"/>
+          </a:fillRef>
+          <a:effectRef idx="1">
+            <a:schemeClr val="dk1"/>
+          </a:effectRef>
+          <a:fontRef idx="minor">
+            <a:schemeClr val="tx1"/>
+          </a:fontRef>
+        </p:style>
+      </p:cxnSp>
+      <p:sp>
+        <p:nvSpPr>
+          <p:cNvPr id="5" name="TextBox 4">
+            <a:extLst>
+              <a:ext uri="{FF2B5EF4-FFF2-40B4-BE49-F238E27FC236}">
+                <a16:creationId xmlns:a16="http://schemas.microsoft.com/office/drawing/2014/main" id="{C45A92B2-3604-61AD-FEF1-4A3F5017C6F4}"/>
+              </a:ext>
+            </a:extLst>
+          </p:cNvPr>
+          <p:cNvSpPr txBox="1"/>
+          <p:nvPr/>
+        </p:nvSpPr>
+        <p:spPr>
+          <a:xfrm>
+            <a:off x="16666095" y="1580930"/>
+            <a:ext cx="3038328" cy="369332"/>
+          </a:xfrm>
+          <a:prstGeom prst="rect">
+            <a:avLst/>
+          </a:prstGeom>
+          <a:noFill/>
+        </p:spPr>
+        <p:txBody>
+          <a:bodyPr wrap="square" rtlCol="0">
+            <a:spAutoFit/>
+          </a:bodyPr>
+          <a:lstStyle/>
+          <a:p>
+            <a:pPr algn="ctr"/>
+            <a:r>
+              <a:rPr lang="en-AU" dirty="0">
+                <a:solidFill>
+                  <a:srgbClr val="C00000"/>
+                </a:solidFill>
+              </a:rPr>
+              <a:t>Starting population </a:t>
+            </a:r>
+          </a:p>
+        </p:txBody>
+      </p:sp>
+      <p:sp>
+        <p:nvSpPr>
+          <p:cNvPr id="6" name="TextBox 5">
+            <a:extLst>
+              <a:ext uri="{FF2B5EF4-FFF2-40B4-BE49-F238E27FC236}">
+                <a16:creationId xmlns:a16="http://schemas.microsoft.com/office/drawing/2014/main" id="{53661084-2352-A366-54B1-9B6051F1D6B5}"/>
+              </a:ext>
+            </a:extLst>
+          </p:cNvPr>
+          <p:cNvSpPr txBox="1"/>
+          <p:nvPr/>
+        </p:nvSpPr>
+        <p:spPr>
+          <a:xfrm>
+            <a:off x="17331294" y="28271836"/>
+            <a:ext cx="2346958" cy="369332"/>
+          </a:xfrm>
+          <a:prstGeom prst="rect">
+            <a:avLst/>
+          </a:prstGeom>
+          <a:noFill/>
+        </p:spPr>
+        <p:txBody>
+          <a:bodyPr wrap="square" rtlCol="0">
+            <a:spAutoFit/>
+          </a:bodyPr>
+          <a:lstStyle/>
+          <a:p>
+            <a:pPr algn="ctr"/>
+            <a:r>
+              <a:rPr lang="en-AU" dirty="0">
+                <a:solidFill>
+                  <a:srgbClr val="C00000"/>
+                </a:solidFill>
+              </a:rPr>
+              <a:t>End population</a:t>
+            </a:r>
+          </a:p>
+        </p:txBody>
+      </p:sp>
+      <p:sp>
+        <p:nvSpPr>
+          <p:cNvPr id="7" name="TextBox 6">
+            <a:extLst>
+              <a:ext uri="{FF2B5EF4-FFF2-40B4-BE49-F238E27FC236}">
+                <a16:creationId xmlns:a16="http://schemas.microsoft.com/office/drawing/2014/main" id="{E410AE51-9D74-EC88-0727-B6D1B6507121}"/>
+              </a:ext>
+            </a:extLst>
+          </p:cNvPr>
+          <p:cNvSpPr txBox="1"/>
+          <p:nvPr/>
+        </p:nvSpPr>
+        <p:spPr>
+          <a:xfrm>
+            <a:off x="17102593" y="15569915"/>
+            <a:ext cx="2346958" cy="369332"/>
+          </a:xfrm>
+          <a:prstGeom prst="rect">
+            <a:avLst/>
+          </a:prstGeom>
+          <a:noFill/>
+        </p:spPr>
+        <p:txBody>
+          <a:bodyPr wrap="square" rtlCol="0">
+            <a:spAutoFit/>
+          </a:bodyPr>
+          <a:lstStyle/>
+          <a:p>
+            <a:pPr algn="ctr"/>
+            <a:r>
+              <a:rPr lang="en-AU" dirty="0"/>
+              <a:t>Dead individual list</a:t>
+            </a:r>
+          </a:p>
+        </p:txBody>
+      </p:sp>
+      <p:sp>
+        <p:nvSpPr>
+          <p:cNvPr id="8" name="TextBox 7">
+            <a:extLst>
+              <a:ext uri="{FF2B5EF4-FFF2-40B4-BE49-F238E27FC236}">
+                <a16:creationId xmlns:a16="http://schemas.microsoft.com/office/drawing/2014/main" id="{FAF4EAAD-58E4-F11B-6A06-5DFC58B4D5E1}"/>
+              </a:ext>
+            </a:extLst>
+          </p:cNvPr>
+          <p:cNvSpPr txBox="1"/>
+          <p:nvPr/>
+        </p:nvSpPr>
+        <p:spPr>
+          <a:xfrm>
+            <a:off x="16433850" y="3187711"/>
+            <a:ext cx="3522680" cy="646331"/>
+          </a:xfrm>
+          <a:prstGeom prst="rect">
+            <a:avLst/>
+          </a:prstGeom>
+          <a:noFill/>
+        </p:spPr>
+        <p:txBody>
+          <a:bodyPr wrap="square" rtlCol="0">
+            <a:spAutoFit/>
+          </a:bodyPr>
+          <a:lstStyle/>
+          <a:p>
+            <a:pPr algn="ctr"/>
+            <a:r>
+              <a:rPr lang="en-AU" dirty="0">
+                <a:solidFill>
+                  <a:srgbClr val="C00000"/>
+                </a:solidFill>
+              </a:rPr>
+              <a:t>Disturbance – </a:t>
+            </a:r>
+            <a:r>
+              <a:rPr lang="en-AU" dirty="0" err="1">
+                <a:solidFill>
+                  <a:srgbClr val="C00000"/>
+                </a:solidFill>
+              </a:rPr>
+              <a:t>disturbance_event_chance.R</a:t>
+            </a:r>
+            <a:endParaRPr lang="en-AU" dirty="0">
+              <a:solidFill>
+                <a:srgbClr val="C00000"/>
+              </a:solidFill>
+            </a:endParaRPr>
+          </a:p>
+        </p:txBody>
+      </p:sp>
+      <p:sp>
+        <p:nvSpPr>
+          <p:cNvPr id="9" name="TextBox 8">
+            <a:extLst>
+              <a:ext uri="{FF2B5EF4-FFF2-40B4-BE49-F238E27FC236}">
+                <a16:creationId xmlns:a16="http://schemas.microsoft.com/office/drawing/2014/main" id="{AFBAC4D9-1B6D-F94E-6F78-4A35A0E6280A}"/>
+              </a:ext>
+            </a:extLst>
+          </p:cNvPr>
+          <p:cNvSpPr txBox="1"/>
+          <p:nvPr/>
+        </p:nvSpPr>
+        <p:spPr>
+          <a:xfrm>
+            <a:off x="16526188" y="4976915"/>
+            <a:ext cx="3338003" cy="646331"/>
+          </a:xfrm>
+          <a:prstGeom prst="rect">
+            <a:avLst/>
+          </a:prstGeom>
+          <a:noFill/>
+        </p:spPr>
+        <p:txBody>
+          <a:bodyPr wrap="square" rtlCol="0">
+            <a:spAutoFit/>
+          </a:bodyPr>
+          <a:lstStyle/>
+          <a:p>
+            <a:pPr algn="ctr"/>
+            <a:r>
+              <a:rPr lang="en-AU" dirty="0">
+                <a:solidFill>
+                  <a:srgbClr val="C00000"/>
+                </a:solidFill>
+              </a:rPr>
+              <a:t>Recruited individual list - </a:t>
+            </a:r>
+          </a:p>
+          <a:p>
+            <a:pPr algn="ctr"/>
+            <a:r>
+              <a:rPr lang="en-AU" dirty="0">
+                <a:solidFill>
+                  <a:srgbClr val="C00000"/>
+                </a:solidFill>
+              </a:rPr>
+              <a:t>recruitment_functions_3.R</a:t>
+            </a:r>
+          </a:p>
+        </p:txBody>
+      </p:sp>
+      <p:sp>
+        <p:nvSpPr>
+          <p:cNvPr id="11" name="TextBox 10">
+            <a:extLst>
+              <a:ext uri="{FF2B5EF4-FFF2-40B4-BE49-F238E27FC236}">
+                <a16:creationId xmlns:a16="http://schemas.microsoft.com/office/drawing/2014/main" id="{6A8191CD-66B5-50CD-4DB4-A231D9B539F5}"/>
+              </a:ext>
+            </a:extLst>
+          </p:cNvPr>
+          <p:cNvSpPr txBox="1"/>
+          <p:nvPr/>
+        </p:nvSpPr>
+        <p:spPr>
+          <a:xfrm>
+            <a:off x="23421668" y="1298688"/>
+            <a:ext cx="4137660" cy="338554"/>
+          </a:xfrm>
+          <a:prstGeom prst="rect">
+            <a:avLst/>
+          </a:prstGeom>
+          <a:noFill/>
+        </p:spPr>
+        <p:txBody>
+          <a:bodyPr wrap="square" rtlCol="0">
+            <a:spAutoFit/>
+          </a:bodyPr>
+          <a:lstStyle/>
+          <a:p>
+            <a:r>
+              <a:rPr lang="en-AU" sz="1600" dirty="0"/>
+              <a:t>Does a disturbance occur?</a:t>
+            </a:r>
+          </a:p>
+        </p:txBody>
+      </p:sp>
+      <p:pic>
+        <p:nvPicPr>
+          <p:cNvPr id="12" name="Picture 11">
+            <a:extLst>
+              <a:ext uri="{FF2B5EF4-FFF2-40B4-BE49-F238E27FC236}">
+                <a16:creationId xmlns:a16="http://schemas.microsoft.com/office/drawing/2014/main" id="{007A5C78-8859-6AB0-8E35-4C2214B2E3DD}"/>
+              </a:ext>
+            </a:extLst>
+          </p:cNvPr>
+          <p:cNvPicPr>
+            <a:picLocks noChangeAspect="1"/>
+          </p:cNvPicPr>
+          <p:nvPr/>
+        </p:nvPicPr>
+        <p:blipFill>
+          <a:blip r:embed="rId2"/>
+          <a:stretch>
+            <a:fillRect/>
+          </a:stretch>
+        </p:blipFill>
+        <p:spPr>
+          <a:xfrm>
+            <a:off x="26192889" y="0"/>
+            <a:ext cx="2030198" cy="2935931"/>
+          </a:xfrm>
+          <a:prstGeom prst="rect">
+            <a:avLst/>
+          </a:prstGeom>
+        </p:spPr>
+      </p:pic>
+      <p:sp>
+        <p:nvSpPr>
+          <p:cNvPr id="13" name="TextBox 12">
+            <a:extLst>
+              <a:ext uri="{FF2B5EF4-FFF2-40B4-BE49-F238E27FC236}">
+                <a16:creationId xmlns:a16="http://schemas.microsoft.com/office/drawing/2014/main" id="{30ADB8FA-EC69-0B34-8D3A-E8B648C2988E}"/>
+              </a:ext>
+            </a:extLst>
+          </p:cNvPr>
+          <p:cNvSpPr txBox="1"/>
+          <p:nvPr/>
+        </p:nvSpPr>
+        <p:spPr>
+          <a:xfrm>
+            <a:off x="25229201" y="3330920"/>
+            <a:ext cx="4388766" cy="338554"/>
+          </a:xfrm>
+          <a:prstGeom prst="rect">
+            <a:avLst/>
+          </a:prstGeom>
+          <a:noFill/>
+        </p:spPr>
+        <p:txBody>
+          <a:bodyPr wrap="none" rtlCol="0">
+            <a:spAutoFit/>
+          </a:bodyPr>
+          <a:lstStyle/>
+          <a:p>
+            <a:r>
+              <a:rPr lang="en-AU" sz="1600" dirty="0" err="1"/>
+              <a:t>disturbance_size</a:t>
+            </a:r>
+            <a:r>
+              <a:rPr lang="en-AU" sz="1600" dirty="0"/>
+              <a:t> &lt;- 1-disturbance_size_chance</a:t>
+            </a:r>
+          </a:p>
+        </p:txBody>
+      </p:sp>
+      <p:sp>
+        <p:nvSpPr>
+          <p:cNvPr id="14" name="TextBox 13">
+            <a:extLst>
+              <a:ext uri="{FF2B5EF4-FFF2-40B4-BE49-F238E27FC236}">
+                <a16:creationId xmlns:a16="http://schemas.microsoft.com/office/drawing/2014/main" id="{1D74667B-4844-A220-AD32-5B8041620D31}"/>
+              </a:ext>
+            </a:extLst>
+          </p:cNvPr>
+          <p:cNvSpPr txBox="1"/>
+          <p:nvPr/>
+        </p:nvSpPr>
+        <p:spPr>
+          <a:xfrm>
+            <a:off x="27025014" y="3992638"/>
+            <a:ext cx="2509341" cy="338554"/>
+          </a:xfrm>
+          <a:prstGeom prst="rect">
+            <a:avLst/>
+          </a:prstGeom>
+          <a:noFill/>
+        </p:spPr>
+        <p:txBody>
+          <a:bodyPr wrap="none" rtlCol="0">
+            <a:spAutoFit/>
+          </a:bodyPr>
+          <a:lstStyle/>
+          <a:p>
+            <a:r>
+              <a:rPr lang="en-US" sz="1600" dirty="0"/>
+              <a:t>Disturbance shifts by age?</a:t>
+            </a:r>
+            <a:endParaRPr lang="en-AU" sz="1600" dirty="0"/>
+          </a:p>
+        </p:txBody>
+      </p:sp>
+      <p:cxnSp>
+        <p:nvCxnSpPr>
+          <p:cNvPr id="15" name="Connector: Curved 14">
+            <a:extLst>
+              <a:ext uri="{FF2B5EF4-FFF2-40B4-BE49-F238E27FC236}">
+                <a16:creationId xmlns:a16="http://schemas.microsoft.com/office/drawing/2014/main" id="{3BC0E2F4-EB57-A770-FAE3-CAC84A519CCF}"/>
+              </a:ext>
+            </a:extLst>
+          </p:cNvPr>
+          <p:cNvCxnSpPr>
+            <a:cxnSpLocks/>
+            <a:stCxn id="8" idx="3"/>
+            <a:endCxn id="11" idx="1"/>
+          </p:cNvCxnSpPr>
+          <p:nvPr/>
+        </p:nvCxnSpPr>
+        <p:spPr>
+          <a:xfrm flipV="1">
+            <a:off x="19956530" y="1467965"/>
+            <a:ext cx="3465138" cy="2042910"/>
+          </a:xfrm>
+          <a:prstGeom prst="curvedConnector3">
+            <a:avLst/>
+          </a:prstGeom>
+          <a:ln>
+            <a:prstDash val="solid"/>
+            <a:tailEnd type="triangle"/>
+          </a:ln>
+        </p:spPr>
+        <p:style>
+          <a:lnRef idx="2">
+            <a:schemeClr val="dk1"/>
+          </a:lnRef>
+          <a:fillRef idx="0">
+            <a:schemeClr val="dk1"/>
+          </a:fillRef>
+          <a:effectRef idx="1">
+            <a:schemeClr val="dk1"/>
+          </a:effectRef>
+          <a:fontRef idx="minor">
+            <a:schemeClr val="tx1"/>
+          </a:fontRef>
+        </p:style>
+      </p:cxnSp>
+      <p:cxnSp>
+        <p:nvCxnSpPr>
+          <p:cNvPr id="16" name="Connector: Curved 15">
+            <a:extLst>
+              <a:ext uri="{FF2B5EF4-FFF2-40B4-BE49-F238E27FC236}">
+                <a16:creationId xmlns:a16="http://schemas.microsoft.com/office/drawing/2014/main" id="{2A6A0749-ED6A-FF27-EF44-3B98BC9E23BD}"/>
+              </a:ext>
+            </a:extLst>
+          </p:cNvPr>
+          <p:cNvCxnSpPr>
+            <a:cxnSpLocks/>
+            <a:endCxn id="13" idx="1"/>
+          </p:cNvCxnSpPr>
+          <p:nvPr/>
+        </p:nvCxnSpPr>
+        <p:spPr>
+          <a:xfrm rot="16200000" flipH="1">
+            <a:off x="23970290" y="2241286"/>
+            <a:ext cx="1781130" cy="736692"/>
+          </a:xfrm>
+          <a:prstGeom prst="curvedConnector2">
+            <a:avLst/>
+          </a:prstGeom>
+          <a:ln>
+            <a:prstDash val="solid"/>
+            <a:tailEnd type="triangle"/>
+          </a:ln>
+        </p:spPr>
+        <p:style>
+          <a:lnRef idx="2">
+            <a:schemeClr val="dk1"/>
+          </a:lnRef>
+          <a:fillRef idx="0">
+            <a:schemeClr val="dk1"/>
+          </a:fillRef>
+          <a:effectRef idx="1">
+            <a:schemeClr val="dk1"/>
+          </a:effectRef>
+          <a:fontRef idx="minor">
+            <a:schemeClr val="tx1"/>
+          </a:fontRef>
+        </p:style>
+      </p:cxnSp>
+      <p:cxnSp>
+        <p:nvCxnSpPr>
+          <p:cNvPr id="17" name="Connector: Curved 16">
+            <a:extLst>
+              <a:ext uri="{FF2B5EF4-FFF2-40B4-BE49-F238E27FC236}">
+                <a16:creationId xmlns:a16="http://schemas.microsoft.com/office/drawing/2014/main" id="{C4E77146-4D57-F178-A58F-37FCB5126B4C}"/>
+              </a:ext>
+            </a:extLst>
+          </p:cNvPr>
+          <p:cNvCxnSpPr>
+            <a:cxnSpLocks/>
+            <a:stCxn id="13" idx="2"/>
+            <a:endCxn id="14" idx="0"/>
+          </p:cNvCxnSpPr>
+          <p:nvPr/>
+        </p:nvCxnSpPr>
+        <p:spPr>
+          <a:xfrm rot="16200000" flipH="1">
+            <a:off x="27690051" y="3403008"/>
+            <a:ext cx="323164" cy="856099"/>
+          </a:xfrm>
+          <a:prstGeom prst="curvedConnector3">
+            <a:avLst>
+              <a:gd name="adj1" fmla="val 50000"/>
+            </a:avLst>
+          </a:prstGeom>
+          <a:ln>
+            <a:prstDash val="solid"/>
+            <a:tailEnd type="triangle"/>
+          </a:ln>
+        </p:spPr>
+        <p:style>
+          <a:lnRef idx="2">
+            <a:schemeClr val="dk1"/>
+          </a:lnRef>
+          <a:fillRef idx="0">
+            <a:schemeClr val="dk1"/>
+          </a:fillRef>
+          <a:effectRef idx="1">
+            <a:schemeClr val="dk1"/>
+          </a:effectRef>
+          <a:fontRef idx="minor">
+            <a:schemeClr val="tx1"/>
+          </a:fontRef>
+        </p:style>
+      </p:cxnSp>
+      <p:sp>
+        <p:nvSpPr>
+          <p:cNvPr id="18" name="TextBox 17">
+            <a:extLst>
+              <a:ext uri="{FF2B5EF4-FFF2-40B4-BE49-F238E27FC236}">
+                <a16:creationId xmlns:a16="http://schemas.microsoft.com/office/drawing/2014/main" id="{FBBDEB09-B7B7-424B-183F-7FFAF711A557}"/>
+              </a:ext>
+            </a:extLst>
+          </p:cNvPr>
+          <p:cNvSpPr txBox="1"/>
+          <p:nvPr/>
+        </p:nvSpPr>
+        <p:spPr>
+          <a:xfrm>
+            <a:off x="24136506" y="5112037"/>
+            <a:ext cx="4055151" cy="1077218"/>
+          </a:xfrm>
+          <a:prstGeom prst="rect">
+            <a:avLst/>
+          </a:prstGeom>
+          <a:solidFill>
+            <a:schemeClr val="bg1"/>
+          </a:solidFill>
+        </p:spPr>
+        <p:txBody>
+          <a:bodyPr wrap="square" rtlCol="0">
+            <a:spAutoFit/>
+          </a:bodyPr>
+          <a:lstStyle/>
+          <a:p>
+            <a:pPr algn="ctr"/>
+            <a:r>
+              <a:rPr lang="en-US" sz="1600" dirty="0">
+                <a:solidFill>
+                  <a:schemeClr val="accent6">
+                    <a:lumMod val="75000"/>
+                  </a:schemeClr>
+                </a:solidFill>
+              </a:rPr>
+              <a:t>Calculates age differential impact (higher for seedlings) – 0-1 score</a:t>
+            </a:r>
+          </a:p>
+          <a:p>
+            <a:pPr algn="ctr"/>
+            <a:r>
+              <a:rPr lang="en-US" sz="1600" dirty="0">
+                <a:solidFill>
+                  <a:schemeClr val="accent6">
+                    <a:lumMod val="75000"/>
+                  </a:schemeClr>
+                </a:solidFill>
+              </a:rPr>
+              <a:t>Changes age, MR and recruitment score by this (1+dist val)</a:t>
+            </a:r>
+            <a:endParaRPr lang="en-AU" sz="1600" dirty="0">
+              <a:solidFill>
+                <a:schemeClr val="accent6">
+                  <a:lumMod val="75000"/>
+                </a:schemeClr>
+              </a:solidFill>
+            </a:endParaRPr>
+          </a:p>
+        </p:txBody>
+      </p:sp>
+      <p:sp>
+        <p:nvSpPr>
+          <p:cNvPr id="19" name="TextBox 18">
+            <a:extLst>
+              <a:ext uri="{FF2B5EF4-FFF2-40B4-BE49-F238E27FC236}">
+                <a16:creationId xmlns:a16="http://schemas.microsoft.com/office/drawing/2014/main" id="{FFF446F3-9F14-F1BD-88D2-6E5597E0AC4E}"/>
+              </a:ext>
+            </a:extLst>
+          </p:cNvPr>
+          <p:cNvSpPr txBox="1"/>
+          <p:nvPr/>
+        </p:nvSpPr>
+        <p:spPr>
+          <a:xfrm>
+            <a:off x="28530028" y="5112037"/>
+            <a:ext cx="4055151" cy="584775"/>
+          </a:xfrm>
+          <a:prstGeom prst="rect">
+            <a:avLst/>
+          </a:prstGeom>
+          <a:noFill/>
+        </p:spPr>
+        <p:txBody>
+          <a:bodyPr wrap="square" rtlCol="0">
+            <a:spAutoFit/>
+          </a:bodyPr>
+          <a:lstStyle/>
+          <a:p>
+            <a:pPr algn="ctr"/>
+            <a:r>
+              <a:rPr lang="en-US" sz="1600" dirty="0">
+                <a:solidFill>
+                  <a:schemeClr val="accent6">
+                    <a:lumMod val="75000"/>
+                  </a:schemeClr>
+                </a:solidFill>
+              </a:rPr>
+              <a:t>Changes age, MR and recruitment score by a flat (1+dist val)</a:t>
+            </a:r>
+            <a:endParaRPr lang="en-AU" sz="1600" dirty="0">
+              <a:solidFill>
+                <a:schemeClr val="accent6">
+                  <a:lumMod val="75000"/>
+                </a:schemeClr>
+              </a:solidFill>
+            </a:endParaRPr>
+          </a:p>
+        </p:txBody>
+      </p:sp>
+      <p:cxnSp>
+        <p:nvCxnSpPr>
+          <p:cNvPr id="20" name="Connector: Curved 19">
+            <a:extLst>
+              <a:ext uri="{FF2B5EF4-FFF2-40B4-BE49-F238E27FC236}">
+                <a16:creationId xmlns:a16="http://schemas.microsoft.com/office/drawing/2014/main" id="{4CA39FE4-EF50-327D-74C2-B75EF0C50677}"/>
+              </a:ext>
+            </a:extLst>
+          </p:cNvPr>
+          <p:cNvCxnSpPr>
+            <a:cxnSpLocks/>
+            <a:stCxn id="14" idx="2"/>
+            <a:endCxn id="18" idx="0"/>
+          </p:cNvCxnSpPr>
+          <p:nvPr/>
+        </p:nvCxnSpPr>
+        <p:spPr>
+          <a:xfrm rot="5400000">
+            <a:off x="26831462" y="3663814"/>
+            <a:ext cx="780845" cy="2115603"/>
+          </a:xfrm>
+          <a:prstGeom prst="curvedConnector3">
+            <a:avLst>
+              <a:gd name="adj1" fmla="val 50000"/>
+            </a:avLst>
+          </a:prstGeom>
+          <a:ln>
+            <a:prstDash val="sysDot"/>
+            <a:tailEnd type="triangle"/>
+          </a:ln>
+        </p:spPr>
+        <p:style>
+          <a:lnRef idx="2">
+            <a:schemeClr val="dk1"/>
+          </a:lnRef>
+          <a:fillRef idx="0">
+            <a:schemeClr val="dk1"/>
+          </a:fillRef>
+          <a:effectRef idx="1">
+            <a:schemeClr val="dk1"/>
+          </a:effectRef>
+          <a:fontRef idx="minor">
+            <a:schemeClr val="tx1"/>
+          </a:fontRef>
+        </p:style>
+      </p:cxnSp>
+      <p:cxnSp>
+        <p:nvCxnSpPr>
+          <p:cNvPr id="21" name="Connector: Curved 20">
+            <a:extLst>
+              <a:ext uri="{FF2B5EF4-FFF2-40B4-BE49-F238E27FC236}">
+                <a16:creationId xmlns:a16="http://schemas.microsoft.com/office/drawing/2014/main" id="{CB076AA9-FB67-16E7-9FFB-174763848E6D}"/>
+              </a:ext>
+            </a:extLst>
+          </p:cNvPr>
+          <p:cNvCxnSpPr>
+            <a:cxnSpLocks/>
+            <a:stCxn id="14" idx="2"/>
+            <a:endCxn id="19" idx="0"/>
+          </p:cNvCxnSpPr>
+          <p:nvPr/>
+        </p:nvCxnSpPr>
+        <p:spPr>
+          <a:xfrm rot="16200000" flipH="1">
+            <a:off x="29028221" y="3582655"/>
+            <a:ext cx="780844" cy="2277919"/>
+          </a:xfrm>
+          <a:prstGeom prst="curvedConnector3">
+            <a:avLst>
+              <a:gd name="adj1" fmla="val 50000"/>
+            </a:avLst>
+          </a:prstGeom>
+          <a:ln>
+            <a:prstDash val="sysDot"/>
+            <a:tailEnd type="triangle"/>
+          </a:ln>
+        </p:spPr>
+        <p:style>
+          <a:lnRef idx="2">
+            <a:schemeClr val="dk1"/>
+          </a:lnRef>
+          <a:fillRef idx="0">
+            <a:schemeClr val="dk1"/>
+          </a:fillRef>
+          <a:effectRef idx="1">
+            <a:schemeClr val="dk1"/>
+          </a:effectRef>
+          <a:fontRef idx="minor">
+            <a:schemeClr val="tx1"/>
+          </a:fontRef>
+        </p:style>
+      </p:cxnSp>
+      <p:sp>
+        <p:nvSpPr>
+          <p:cNvPr id="22" name="TextBox 21">
+            <a:extLst>
+              <a:ext uri="{FF2B5EF4-FFF2-40B4-BE49-F238E27FC236}">
+                <a16:creationId xmlns:a16="http://schemas.microsoft.com/office/drawing/2014/main" id="{8A15B49E-2E67-C07C-2A1B-13C89BCE44E9}"/>
+              </a:ext>
+            </a:extLst>
+          </p:cNvPr>
+          <p:cNvSpPr txBox="1"/>
+          <p:nvPr/>
+        </p:nvSpPr>
+        <p:spPr>
+          <a:xfrm>
+            <a:off x="26272952" y="4398550"/>
+            <a:ext cx="865237" cy="276999"/>
+          </a:xfrm>
+          <a:prstGeom prst="rect">
+            <a:avLst/>
+          </a:prstGeom>
+          <a:noFill/>
+        </p:spPr>
+        <p:txBody>
+          <a:bodyPr wrap="none" rtlCol="0">
+            <a:spAutoFit/>
+          </a:bodyPr>
+          <a:lstStyle/>
+          <a:p>
+            <a:r>
+              <a:rPr lang="en-US" sz="1200" i="1" dirty="0"/>
+              <a:t>‘Complex’</a:t>
+            </a:r>
+            <a:endParaRPr lang="en-AU" sz="1200" i="1" dirty="0"/>
+          </a:p>
+        </p:txBody>
+      </p:sp>
+      <p:sp>
+        <p:nvSpPr>
+          <p:cNvPr id="23" name="TextBox 22">
+            <a:extLst>
+              <a:ext uri="{FF2B5EF4-FFF2-40B4-BE49-F238E27FC236}">
+                <a16:creationId xmlns:a16="http://schemas.microsoft.com/office/drawing/2014/main" id="{00542888-7BBE-6F52-584B-9A7AF8EC86FC}"/>
+              </a:ext>
+            </a:extLst>
+          </p:cNvPr>
+          <p:cNvSpPr txBox="1"/>
+          <p:nvPr/>
+        </p:nvSpPr>
+        <p:spPr>
+          <a:xfrm>
+            <a:off x="29316629" y="4369368"/>
+            <a:ext cx="518796" cy="276999"/>
+          </a:xfrm>
+          <a:prstGeom prst="rect">
+            <a:avLst/>
+          </a:prstGeom>
+          <a:noFill/>
+        </p:spPr>
+        <p:txBody>
+          <a:bodyPr wrap="none" rtlCol="0">
+            <a:spAutoFit/>
+          </a:bodyPr>
+          <a:lstStyle/>
+          <a:p>
+            <a:r>
+              <a:rPr lang="en-US" sz="1200" i="1" dirty="0"/>
+              <a:t>‘Flat’</a:t>
+            </a:r>
+            <a:endParaRPr lang="en-AU" sz="1200" i="1" dirty="0"/>
+          </a:p>
+        </p:txBody>
+      </p:sp>
+      <p:cxnSp>
+        <p:nvCxnSpPr>
+          <p:cNvPr id="24" name="Straight Arrow Connector 23">
+            <a:extLst>
+              <a:ext uri="{FF2B5EF4-FFF2-40B4-BE49-F238E27FC236}">
+                <a16:creationId xmlns:a16="http://schemas.microsoft.com/office/drawing/2014/main" id="{6F5B4456-94AE-4846-40A5-EFBA723A2928}"/>
+              </a:ext>
+            </a:extLst>
+          </p:cNvPr>
+          <p:cNvCxnSpPr>
+            <a:cxnSpLocks/>
+            <a:stCxn id="5" idx="2"/>
+            <a:endCxn id="8" idx="0"/>
+          </p:cNvCxnSpPr>
+          <p:nvPr/>
+        </p:nvCxnSpPr>
+        <p:spPr>
+          <a:xfrm>
+            <a:off x="18185261" y="1950264"/>
+            <a:ext cx="9931" cy="1237447"/>
+          </a:xfrm>
+          <a:prstGeom prst="straightConnector1">
+            <a:avLst/>
+          </a:prstGeom>
+          <a:ln>
+            <a:tailEnd type="triangle"/>
+          </a:ln>
+        </p:spPr>
+        <p:style>
+          <a:lnRef idx="2">
+            <a:schemeClr val="dk1"/>
+          </a:lnRef>
+          <a:fillRef idx="0">
+            <a:schemeClr val="dk1"/>
+          </a:fillRef>
+          <a:effectRef idx="1">
+            <a:schemeClr val="dk1"/>
+          </a:effectRef>
+          <a:fontRef idx="minor">
+            <a:schemeClr val="tx1"/>
+          </a:fontRef>
+        </p:style>
+      </p:cxnSp>
+      <p:sp>
+        <p:nvSpPr>
+          <p:cNvPr id="25" name="TextBox 24">
+            <a:extLst>
+              <a:ext uri="{FF2B5EF4-FFF2-40B4-BE49-F238E27FC236}">
+                <a16:creationId xmlns:a16="http://schemas.microsoft.com/office/drawing/2014/main" id="{4F09836F-97A3-229E-9C92-4EBD83CD4AB5}"/>
+              </a:ext>
+            </a:extLst>
+          </p:cNvPr>
+          <p:cNvSpPr txBox="1"/>
+          <p:nvPr/>
+        </p:nvSpPr>
+        <p:spPr>
+          <a:xfrm>
+            <a:off x="22919757" y="4141698"/>
+            <a:ext cx="2190852" cy="584775"/>
+          </a:xfrm>
+          <a:prstGeom prst="rect">
+            <a:avLst/>
+          </a:prstGeom>
+          <a:noFill/>
+        </p:spPr>
+        <p:txBody>
+          <a:bodyPr wrap="square" rtlCol="0">
+            <a:spAutoFit/>
+          </a:bodyPr>
+          <a:lstStyle/>
+          <a:p>
+            <a:pPr algn="ctr"/>
+            <a:r>
+              <a:rPr lang="en-US" sz="1600" dirty="0">
+                <a:solidFill>
+                  <a:schemeClr val="accent6">
+                    <a:lumMod val="75000"/>
+                  </a:schemeClr>
+                </a:solidFill>
+              </a:rPr>
+              <a:t>No change to pre-set values</a:t>
+            </a:r>
+            <a:endParaRPr lang="en-AU" sz="1600" dirty="0">
+              <a:solidFill>
+                <a:schemeClr val="accent6">
+                  <a:lumMod val="75000"/>
+                </a:schemeClr>
+              </a:solidFill>
+            </a:endParaRPr>
+          </a:p>
+        </p:txBody>
+      </p:sp>
+      <p:cxnSp>
+        <p:nvCxnSpPr>
+          <p:cNvPr id="26" name="Connector: Curved 25">
+            <a:extLst>
+              <a:ext uri="{FF2B5EF4-FFF2-40B4-BE49-F238E27FC236}">
+                <a16:creationId xmlns:a16="http://schemas.microsoft.com/office/drawing/2014/main" id="{E07D5378-51E9-9C52-6F20-626BDC75ADFE}"/>
+              </a:ext>
+            </a:extLst>
+          </p:cNvPr>
+          <p:cNvCxnSpPr>
+            <a:cxnSpLocks/>
+            <a:endCxn id="25" idx="0"/>
+          </p:cNvCxnSpPr>
+          <p:nvPr/>
+        </p:nvCxnSpPr>
+        <p:spPr>
+          <a:xfrm rot="5400000">
+            <a:off x="23142931" y="2775997"/>
+            <a:ext cx="2237952" cy="493448"/>
+          </a:xfrm>
+          <a:prstGeom prst="curvedConnector3">
+            <a:avLst>
+              <a:gd name="adj1" fmla="val 50000"/>
+            </a:avLst>
+          </a:prstGeom>
+          <a:ln>
+            <a:prstDash val="sysDot"/>
+            <a:tailEnd type="triangle"/>
+          </a:ln>
+        </p:spPr>
+        <p:style>
+          <a:lnRef idx="2">
+            <a:schemeClr val="dk1"/>
+          </a:lnRef>
+          <a:fillRef idx="0">
+            <a:schemeClr val="dk1"/>
+          </a:fillRef>
+          <a:effectRef idx="1">
+            <a:schemeClr val="dk1"/>
+          </a:effectRef>
+          <a:fontRef idx="minor">
+            <a:schemeClr val="tx1"/>
+          </a:fontRef>
+        </p:style>
+      </p:cxnSp>
+      <p:cxnSp>
+        <p:nvCxnSpPr>
+          <p:cNvPr id="27" name="Connector: Curved 26">
+            <a:extLst>
+              <a:ext uri="{FF2B5EF4-FFF2-40B4-BE49-F238E27FC236}">
+                <a16:creationId xmlns:a16="http://schemas.microsoft.com/office/drawing/2014/main" id="{64CFCE47-FBE6-A854-3952-AA6B26A54E30}"/>
+              </a:ext>
+            </a:extLst>
+          </p:cNvPr>
+          <p:cNvCxnSpPr>
+            <a:cxnSpLocks/>
+            <a:endCxn id="8" idx="2"/>
+          </p:cNvCxnSpPr>
+          <p:nvPr/>
+        </p:nvCxnSpPr>
+        <p:spPr>
+          <a:xfrm rot="10800000">
+            <a:off x="18195190" y="3834040"/>
+            <a:ext cx="5080488" cy="749736"/>
+          </a:xfrm>
+          <a:prstGeom prst="curvedConnector2">
+            <a:avLst/>
+          </a:prstGeom>
+          <a:ln>
+            <a:tailEnd type="triangle"/>
+          </a:ln>
+        </p:spPr>
+        <p:style>
+          <a:lnRef idx="2">
+            <a:schemeClr val="dk1"/>
+          </a:lnRef>
+          <a:fillRef idx="0">
+            <a:schemeClr val="dk1"/>
+          </a:fillRef>
+          <a:effectRef idx="1">
+            <a:schemeClr val="dk1"/>
+          </a:effectRef>
+          <a:fontRef idx="minor">
+            <a:schemeClr val="tx1"/>
+          </a:fontRef>
+        </p:style>
+      </p:cxnSp>
+      <p:sp>
+        <p:nvSpPr>
+          <p:cNvPr id="28" name="TextBox 27">
+            <a:extLst>
+              <a:ext uri="{FF2B5EF4-FFF2-40B4-BE49-F238E27FC236}">
+                <a16:creationId xmlns:a16="http://schemas.microsoft.com/office/drawing/2014/main" id="{2638991C-B193-0E73-FE2A-3DDEE7F668C4}"/>
+              </a:ext>
+            </a:extLst>
+          </p:cNvPr>
+          <p:cNvSpPr txBox="1"/>
+          <p:nvPr/>
+        </p:nvSpPr>
+        <p:spPr>
+          <a:xfrm>
+            <a:off x="9083640" y="7182553"/>
+            <a:ext cx="2637816" cy="830997"/>
+          </a:xfrm>
+          <a:prstGeom prst="rect">
+            <a:avLst/>
+          </a:prstGeom>
+          <a:noFill/>
+        </p:spPr>
+        <p:txBody>
+          <a:bodyPr wrap="square" rtlCol="0">
+            <a:spAutoFit/>
+          </a:bodyPr>
+          <a:lstStyle/>
+          <a:p>
+            <a:r>
+              <a:rPr lang="en-AU" sz="1600" dirty="0"/>
+              <a:t>Density recruitment toggle – if so, changes recruitment constant based on pop size</a:t>
+            </a:r>
+          </a:p>
+        </p:txBody>
+      </p:sp>
+      <p:sp>
+        <p:nvSpPr>
+          <p:cNvPr id="29" name="TextBox 28">
+            <a:extLst>
+              <a:ext uri="{FF2B5EF4-FFF2-40B4-BE49-F238E27FC236}">
+                <a16:creationId xmlns:a16="http://schemas.microsoft.com/office/drawing/2014/main" id="{E1EB0F75-8269-8801-A3EC-ED21757D3556}"/>
+              </a:ext>
+            </a:extLst>
+          </p:cNvPr>
+          <p:cNvSpPr txBox="1"/>
+          <p:nvPr/>
+        </p:nvSpPr>
+        <p:spPr>
+          <a:xfrm>
+            <a:off x="11146101" y="6367079"/>
+            <a:ext cx="3121304" cy="338554"/>
+          </a:xfrm>
+          <a:prstGeom prst="rect">
+            <a:avLst/>
+          </a:prstGeom>
+          <a:noFill/>
+        </p:spPr>
+        <p:txBody>
+          <a:bodyPr wrap="none" rtlCol="0">
+            <a:spAutoFit/>
+          </a:bodyPr>
+          <a:lstStyle/>
+          <a:p>
+            <a:r>
+              <a:rPr lang="en-AU" sz="1600" dirty="0"/>
+              <a:t>If population &lt; minimum pop size</a:t>
+            </a:r>
+          </a:p>
+        </p:txBody>
+      </p:sp>
+      <p:sp>
+        <p:nvSpPr>
+          <p:cNvPr id="30" name="TextBox 29">
+            <a:extLst>
+              <a:ext uri="{FF2B5EF4-FFF2-40B4-BE49-F238E27FC236}">
+                <a16:creationId xmlns:a16="http://schemas.microsoft.com/office/drawing/2014/main" id="{1A7A5A56-969D-5AF8-83B5-54F623DB3373}"/>
+              </a:ext>
+            </a:extLst>
+          </p:cNvPr>
+          <p:cNvSpPr txBox="1"/>
+          <p:nvPr/>
+        </p:nvSpPr>
+        <p:spPr>
+          <a:xfrm>
+            <a:off x="15937861" y="8372609"/>
+            <a:ext cx="4523481" cy="584775"/>
+          </a:xfrm>
+          <a:prstGeom prst="rect">
+            <a:avLst/>
+          </a:prstGeom>
+          <a:noFill/>
+        </p:spPr>
+        <p:txBody>
+          <a:bodyPr wrap="none" rtlCol="0">
+            <a:spAutoFit/>
+          </a:bodyPr>
+          <a:lstStyle/>
+          <a:p>
+            <a:pPr algn="ctr"/>
+            <a:r>
+              <a:rPr lang="en-AU" sz="1600" dirty="0"/>
+              <a:t>Calculate number of fecund individuals and </a:t>
+            </a:r>
+            <a:br>
+              <a:rPr lang="en-AU" sz="1600" dirty="0"/>
+            </a:br>
+            <a:r>
+              <a:rPr lang="en-AU" sz="1600" dirty="0"/>
+              <a:t>their chance of recruitment given age + MR status</a:t>
+            </a:r>
+          </a:p>
+        </p:txBody>
+      </p:sp>
+      <p:sp>
+        <p:nvSpPr>
+          <p:cNvPr id="31" name="TextBox 30">
+            <a:extLst>
+              <a:ext uri="{FF2B5EF4-FFF2-40B4-BE49-F238E27FC236}">
+                <a16:creationId xmlns:a16="http://schemas.microsoft.com/office/drawing/2014/main" id="{4DD67E1F-F9A9-9B2F-1EC0-CE707E917472}"/>
+              </a:ext>
+            </a:extLst>
+          </p:cNvPr>
+          <p:cNvSpPr txBox="1"/>
+          <p:nvPr/>
+        </p:nvSpPr>
+        <p:spPr>
+          <a:xfrm>
+            <a:off x="15757010" y="10033695"/>
+            <a:ext cx="4885183" cy="338554"/>
+          </a:xfrm>
+          <a:prstGeom prst="rect">
+            <a:avLst/>
+          </a:prstGeom>
+          <a:noFill/>
+        </p:spPr>
+        <p:txBody>
+          <a:bodyPr wrap="none" rtlCol="0">
+            <a:spAutoFit/>
+          </a:bodyPr>
+          <a:lstStyle/>
+          <a:p>
+            <a:pPr algn="ctr"/>
+            <a:r>
+              <a:rPr lang="en-AU" sz="1600" dirty="0"/>
+              <a:t>If they recruit calculate how many seedlings recruited</a:t>
+            </a:r>
+          </a:p>
+        </p:txBody>
+      </p:sp>
+      <p:sp>
+        <p:nvSpPr>
+          <p:cNvPr id="32" name="TextBox 31">
+            <a:extLst>
+              <a:ext uri="{FF2B5EF4-FFF2-40B4-BE49-F238E27FC236}">
+                <a16:creationId xmlns:a16="http://schemas.microsoft.com/office/drawing/2014/main" id="{96FCC3DE-6323-516F-F2E4-95C7EEF734D6}"/>
+              </a:ext>
+            </a:extLst>
+          </p:cNvPr>
+          <p:cNvSpPr txBox="1"/>
+          <p:nvPr/>
+        </p:nvSpPr>
+        <p:spPr>
+          <a:xfrm>
+            <a:off x="14476391" y="11341868"/>
+            <a:ext cx="7417736" cy="338554"/>
+          </a:xfrm>
+          <a:prstGeom prst="rect">
+            <a:avLst/>
+          </a:prstGeom>
+          <a:noFill/>
+        </p:spPr>
+        <p:txBody>
+          <a:bodyPr wrap="none" rtlCol="0">
+            <a:spAutoFit/>
+          </a:bodyPr>
+          <a:lstStyle/>
+          <a:p>
+            <a:pPr algn="ctr"/>
+            <a:r>
+              <a:rPr lang="en-AU" sz="1600" dirty="0"/>
+              <a:t>For each recruited individual calculate MR status depending on parent’s MR status</a:t>
+            </a:r>
+          </a:p>
+        </p:txBody>
+      </p:sp>
+      <p:pic>
+        <p:nvPicPr>
+          <p:cNvPr id="33" name="Picture 32">
+            <a:extLst>
+              <a:ext uri="{FF2B5EF4-FFF2-40B4-BE49-F238E27FC236}">
+                <a16:creationId xmlns:a16="http://schemas.microsoft.com/office/drawing/2014/main" id="{40CBA8F8-39C0-4A9C-0121-4C849A0593B9}"/>
+              </a:ext>
+            </a:extLst>
+          </p:cNvPr>
+          <p:cNvPicPr>
+            <a:picLocks noChangeAspect="1"/>
+          </p:cNvPicPr>
+          <p:nvPr/>
+        </p:nvPicPr>
+        <p:blipFill>
+          <a:blip r:embed="rId3"/>
+          <a:stretch>
+            <a:fillRect/>
+          </a:stretch>
+        </p:blipFill>
+        <p:spPr>
+          <a:xfrm>
+            <a:off x="23795059" y="11309547"/>
+            <a:ext cx="2152706" cy="1294650"/>
+          </a:xfrm>
+          <a:prstGeom prst="rect">
+            <a:avLst/>
+          </a:prstGeom>
+        </p:spPr>
+      </p:pic>
+      <p:pic>
+        <p:nvPicPr>
+          <p:cNvPr id="34" name="Picture 33">
+            <a:extLst>
+              <a:ext uri="{FF2B5EF4-FFF2-40B4-BE49-F238E27FC236}">
+                <a16:creationId xmlns:a16="http://schemas.microsoft.com/office/drawing/2014/main" id="{FC42A66B-2CD0-CF39-4A21-D0D2DA160650}"/>
+              </a:ext>
+            </a:extLst>
+          </p:cNvPr>
+          <p:cNvPicPr>
+            <a:picLocks noChangeAspect="1"/>
+          </p:cNvPicPr>
+          <p:nvPr/>
+        </p:nvPicPr>
+        <p:blipFill>
+          <a:blip r:embed="rId4"/>
+          <a:stretch>
+            <a:fillRect/>
+          </a:stretch>
+        </p:blipFill>
+        <p:spPr>
+          <a:xfrm>
+            <a:off x="26438231" y="11299671"/>
+            <a:ext cx="1880947" cy="1225227"/>
+          </a:xfrm>
+          <a:prstGeom prst="rect">
+            <a:avLst/>
+          </a:prstGeom>
+        </p:spPr>
+      </p:pic>
+      <p:sp>
+        <p:nvSpPr>
+          <p:cNvPr id="35" name="TextBox 34">
+            <a:extLst>
+              <a:ext uri="{FF2B5EF4-FFF2-40B4-BE49-F238E27FC236}">
+                <a16:creationId xmlns:a16="http://schemas.microsoft.com/office/drawing/2014/main" id="{9DCDA775-5D6D-DC14-5451-8DF198BD5194}"/>
+              </a:ext>
+            </a:extLst>
+          </p:cNvPr>
+          <p:cNvSpPr txBox="1"/>
+          <p:nvPr/>
+        </p:nvSpPr>
+        <p:spPr>
+          <a:xfrm>
+            <a:off x="15839068" y="12725917"/>
+            <a:ext cx="4723088" cy="584775"/>
+          </a:xfrm>
+          <a:prstGeom prst="rect">
+            <a:avLst/>
+          </a:prstGeom>
+          <a:noFill/>
+        </p:spPr>
+        <p:txBody>
+          <a:bodyPr wrap="none" rtlCol="0">
+            <a:spAutoFit/>
+          </a:bodyPr>
+          <a:lstStyle/>
+          <a:p>
+            <a:pPr algn="ctr"/>
+            <a:r>
+              <a:rPr lang="en-AU" sz="1600" dirty="0">
+                <a:solidFill>
+                  <a:schemeClr val="accent6">
+                    <a:lumMod val="75000"/>
+                  </a:schemeClr>
+                </a:solidFill>
+              </a:rPr>
+              <a:t>Append to ‘recruited population’ give all individuals </a:t>
+            </a:r>
+            <a:br>
+              <a:rPr lang="en-AU" sz="1600" dirty="0">
+                <a:solidFill>
+                  <a:schemeClr val="accent6">
+                    <a:lumMod val="75000"/>
+                  </a:schemeClr>
+                </a:solidFill>
+              </a:rPr>
+            </a:br>
+            <a:r>
+              <a:rPr lang="en-AU" sz="1600" dirty="0">
+                <a:solidFill>
+                  <a:schemeClr val="accent6">
+                    <a:lumMod val="75000"/>
+                  </a:schemeClr>
+                </a:solidFill>
+              </a:rPr>
+              <a:t>a mortality of 0 for time point</a:t>
+            </a:r>
+          </a:p>
+        </p:txBody>
+      </p:sp>
+      <p:cxnSp>
+        <p:nvCxnSpPr>
+          <p:cNvPr id="36" name="Straight Arrow Connector 35">
+            <a:extLst>
+              <a:ext uri="{FF2B5EF4-FFF2-40B4-BE49-F238E27FC236}">
+                <a16:creationId xmlns:a16="http://schemas.microsoft.com/office/drawing/2014/main" id="{74B07991-60A5-A383-B46E-FC9F6C9E51AD}"/>
+              </a:ext>
+            </a:extLst>
+          </p:cNvPr>
+          <p:cNvCxnSpPr>
+            <a:cxnSpLocks/>
+            <a:stCxn id="9" idx="2"/>
+            <a:endCxn id="45" idx="0"/>
+          </p:cNvCxnSpPr>
+          <p:nvPr/>
+        </p:nvCxnSpPr>
+        <p:spPr>
+          <a:xfrm>
+            <a:off x="18195190" y="5623246"/>
+            <a:ext cx="6433" cy="812437"/>
+          </a:xfrm>
+          <a:prstGeom prst="straightConnector1">
+            <a:avLst/>
+          </a:prstGeom>
+          <a:ln>
+            <a:prstDash val="solid"/>
+            <a:tailEnd type="triangle"/>
+          </a:ln>
+        </p:spPr>
+        <p:style>
+          <a:lnRef idx="2">
+            <a:schemeClr val="dk1"/>
+          </a:lnRef>
+          <a:fillRef idx="0">
+            <a:schemeClr val="dk1"/>
+          </a:fillRef>
+          <a:effectRef idx="1">
+            <a:schemeClr val="dk1"/>
+          </a:effectRef>
+          <a:fontRef idx="minor">
+            <a:schemeClr val="tx1"/>
+          </a:fontRef>
+        </p:style>
+      </p:cxnSp>
+      <p:cxnSp>
+        <p:nvCxnSpPr>
+          <p:cNvPr id="37" name="Connector: Curved 36">
+            <a:extLst>
+              <a:ext uri="{FF2B5EF4-FFF2-40B4-BE49-F238E27FC236}">
+                <a16:creationId xmlns:a16="http://schemas.microsoft.com/office/drawing/2014/main" id="{5F818341-350E-F79C-E1BC-B2F89D898E87}"/>
+              </a:ext>
+            </a:extLst>
+          </p:cNvPr>
+          <p:cNvCxnSpPr>
+            <a:cxnSpLocks/>
+            <a:stCxn id="29" idx="3"/>
+            <a:endCxn id="45" idx="1"/>
+          </p:cNvCxnSpPr>
+          <p:nvPr/>
+        </p:nvCxnSpPr>
+        <p:spPr>
+          <a:xfrm>
+            <a:off x="14267405" y="6536356"/>
+            <a:ext cx="3253498" cy="314826"/>
+          </a:xfrm>
+          <a:prstGeom prst="curvedConnector3">
+            <a:avLst>
+              <a:gd name="adj1" fmla="val 50000"/>
+            </a:avLst>
+          </a:prstGeom>
+          <a:ln>
+            <a:prstDash val="sysDot"/>
+            <a:tailEnd type="triangle"/>
+          </a:ln>
+        </p:spPr>
+        <p:style>
+          <a:lnRef idx="2">
+            <a:schemeClr val="dk1"/>
+          </a:lnRef>
+          <a:fillRef idx="0">
+            <a:schemeClr val="dk1"/>
+          </a:fillRef>
+          <a:effectRef idx="1">
+            <a:schemeClr val="dk1"/>
+          </a:effectRef>
+          <a:fontRef idx="minor">
+            <a:schemeClr val="tx1"/>
+          </a:fontRef>
+        </p:style>
+      </p:cxnSp>
+      <p:sp>
+        <p:nvSpPr>
+          <p:cNvPr id="38" name="TextBox 37">
+            <a:extLst>
+              <a:ext uri="{FF2B5EF4-FFF2-40B4-BE49-F238E27FC236}">
+                <a16:creationId xmlns:a16="http://schemas.microsoft.com/office/drawing/2014/main" id="{E89C56BE-61BB-53E2-58FF-DD93DA0F0972}"/>
+              </a:ext>
+            </a:extLst>
+          </p:cNvPr>
+          <p:cNvSpPr txBox="1"/>
+          <p:nvPr/>
+        </p:nvSpPr>
+        <p:spPr>
+          <a:xfrm>
+            <a:off x="9702270" y="5766071"/>
+            <a:ext cx="2506968" cy="338554"/>
+          </a:xfrm>
+          <a:prstGeom prst="rect">
+            <a:avLst/>
+          </a:prstGeom>
+          <a:noFill/>
+        </p:spPr>
+        <p:txBody>
+          <a:bodyPr wrap="none" rtlCol="0">
+            <a:spAutoFit/>
+          </a:bodyPr>
+          <a:lstStyle/>
+          <a:p>
+            <a:r>
+              <a:rPr lang="en-AU" sz="1600" dirty="0"/>
+              <a:t>Recruitment constant x 10</a:t>
+            </a:r>
+          </a:p>
+        </p:txBody>
+      </p:sp>
+      <p:cxnSp>
+        <p:nvCxnSpPr>
+          <p:cNvPr id="39" name="Straight Arrow Connector 38">
+            <a:extLst>
+              <a:ext uri="{FF2B5EF4-FFF2-40B4-BE49-F238E27FC236}">
+                <a16:creationId xmlns:a16="http://schemas.microsoft.com/office/drawing/2014/main" id="{4DA4A3C7-5917-4CA9-7511-759CFBA66EE3}"/>
+              </a:ext>
+            </a:extLst>
+          </p:cNvPr>
+          <p:cNvCxnSpPr>
+            <a:cxnSpLocks/>
+            <a:stCxn id="29" idx="1"/>
+          </p:cNvCxnSpPr>
+          <p:nvPr/>
+        </p:nvCxnSpPr>
+        <p:spPr>
+          <a:xfrm flipH="1" flipV="1">
+            <a:off x="11014310" y="6204984"/>
+            <a:ext cx="131791" cy="331372"/>
+          </a:xfrm>
+          <a:prstGeom prst="straightConnector1">
+            <a:avLst/>
+          </a:prstGeom>
+          <a:ln>
+            <a:prstDash val="dash"/>
+            <a:tailEnd type="triangle"/>
+          </a:ln>
+        </p:spPr>
+        <p:style>
+          <a:lnRef idx="2">
+            <a:schemeClr val="dk1"/>
+          </a:lnRef>
+          <a:fillRef idx="0">
+            <a:schemeClr val="dk1"/>
+          </a:fillRef>
+          <a:effectRef idx="1">
+            <a:schemeClr val="dk1"/>
+          </a:effectRef>
+          <a:fontRef idx="minor">
+            <a:schemeClr val="tx1"/>
+          </a:fontRef>
+        </p:style>
+      </p:cxnSp>
+      <p:cxnSp>
+        <p:nvCxnSpPr>
+          <p:cNvPr id="40" name="Connector: Curved 39">
+            <a:extLst>
+              <a:ext uri="{FF2B5EF4-FFF2-40B4-BE49-F238E27FC236}">
+                <a16:creationId xmlns:a16="http://schemas.microsoft.com/office/drawing/2014/main" id="{B648E111-B3D4-54BE-C80F-83E09693F81D}"/>
+              </a:ext>
+            </a:extLst>
+          </p:cNvPr>
+          <p:cNvCxnSpPr>
+            <a:cxnSpLocks/>
+            <a:stCxn id="28" idx="3"/>
+            <a:endCxn id="45" idx="1"/>
+          </p:cNvCxnSpPr>
+          <p:nvPr/>
+        </p:nvCxnSpPr>
+        <p:spPr>
+          <a:xfrm flipV="1">
+            <a:off x="11721456" y="6851182"/>
+            <a:ext cx="5799447" cy="746870"/>
+          </a:xfrm>
+          <a:prstGeom prst="curvedConnector3">
+            <a:avLst>
+              <a:gd name="adj1" fmla="val 50000"/>
+            </a:avLst>
+          </a:prstGeom>
+          <a:ln>
+            <a:prstDash val="sysDot"/>
+            <a:tailEnd type="triangle"/>
+          </a:ln>
+        </p:spPr>
+        <p:style>
+          <a:lnRef idx="2">
+            <a:schemeClr val="dk1"/>
+          </a:lnRef>
+          <a:fillRef idx="0">
+            <a:schemeClr val="dk1"/>
+          </a:fillRef>
+          <a:effectRef idx="1">
+            <a:schemeClr val="dk1"/>
+          </a:effectRef>
+          <a:fontRef idx="minor">
+            <a:schemeClr val="tx1"/>
+          </a:fontRef>
+        </p:style>
+      </p:cxnSp>
+      <p:cxnSp>
+        <p:nvCxnSpPr>
+          <p:cNvPr id="41" name="Straight Arrow Connector 40">
+            <a:extLst>
+              <a:ext uri="{FF2B5EF4-FFF2-40B4-BE49-F238E27FC236}">
+                <a16:creationId xmlns:a16="http://schemas.microsoft.com/office/drawing/2014/main" id="{90DDAA29-7517-6B9B-3BC0-66C0A6A3E676}"/>
+              </a:ext>
+            </a:extLst>
+          </p:cNvPr>
+          <p:cNvCxnSpPr>
+            <a:cxnSpLocks/>
+            <a:stCxn id="30" idx="2"/>
+          </p:cNvCxnSpPr>
+          <p:nvPr/>
+        </p:nvCxnSpPr>
+        <p:spPr>
+          <a:xfrm>
+            <a:off x="18199601" y="8957384"/>
+            <a:ext cx="0" cy="1011923"/>
+          </a:xfrm>
+          <a:prstGeom prst="straightConnector1">
+            <a:avLst/>
+          </a:prstGeom>
+          <a:ln>
+            <a:prstDash val="solid"/>
+            <a:tailEnd type="triangle"/>
+          </a:ln>
+        </p:spPr>
+        <p:style>
+          <a:lnRef idx="2">
+            <a:schemeClr val="dk1"/>
+          </a:lnRef>
+          <a:fillRef idx="0">
+            <a:schemeClr val="dk1"/>
+          </a:fillRef>
+          <a:effectRef idx="1">
+            <a:schemeClr val="dk1"/>
+          </a:effectRef>
+          <a:fontRef idx="minor">
+            <a:schemeClr val="tx1"/>
+          </a:fontRef>
+        </p:style>
+      </p:cxnSp>
+      <p:cxnSp>
+        <p:nvCxnSpPr>
+          <p:cNvPr id="42" name="Straight Arrow Connector 41">
+            <a:extLst>
+              <a:ext uri="{FF2B5EF4-FFF2-40B4-BE49-F238E27FC236}">
+                <a16:creationId xmlns:a16="http://schemas.microsoft.com/office/drawing/2014/main" id="{0EE8BFC2-A449-D381-ADF5-8F4F3FFD451E}"/>
+              </a:ext>
+            </a:extLst>
+          </p:cNvPr>
+          <p:cNvCxnSpPr>
+            <a:cxnSpLocks/>
+            <a:stCxn id="31" idx="3"/>
+            <a:endCxn id="43" idx="1"/>
+          </p:cNvCxnSpPr>
+          <p:nvPr/>
+        </p:nvCxnSpPr>
+        <p:spPr>
+          <a:xfrm>
+            <a:off x="20642193" y="10202972"/>
+            <a:ext cx="978557" cy="5128"/>
+          </a:xfrm>
+          <a:prstGeom prst="straightConnector1">
+            <a:avLst/>
+          </a:prstGeom>
+          <a:ln>
+            <a:prstDash val="dash"/>
+            <a:tailEnd type="triangle"/>
+          </a:ln>
+        </p:spPr>
+        <p:style>
+          <a:lnRef idx="2">
+            <a:schemeClr val="dk1"/>
+          </a:lnRef>
+          <a:fillRef idx="0">
+            <a:schemeClr val="dk1"/>
+          </a:fillRef>
+          <a:effectRef idx="1">
+            <a:schemeClr val="dk1"/>
+          </a:effectRef>
+          <a:fontRef idx="minor">
+            <a:schemeClr val="tx1"/>
+          </a:fontRef>
+        </p:style>
+      </p:cxnSp>
+      <p:sp>
+        <p:nvSpPr>
+          <p:cNvPr id="43" name="TextBox 42">
+            <a:extLst>
+              <a:ext uri="{FF2B5EF4-FFF2-40B4-BE49-F238E27FC236}">
+                <a16:creationId xmlns:a16="http://schemas.microsoft.com/office/drawing/2014/main" id="{2B987F90-BAED-0774-41A1-DF7B68FEE859}"/>
+              </a:ext>
+            </a:extLst>
+          </p:cNvPr>
+          <p:cNvSpPr txBox="1"/>
+          <p:nvPr/>
+        </p:nvSpPr>
+        <p:spPr>
+          <a:xfrm>
+            <a:off x="21620750" y="10038823"/>
+            <a:ext cx="8314905" cy="338554"/>
+          </a:xfrm>
+          <a:prstGeom prst="rect">
+            <a:avLst/>
+          </a:prstGeom>
+          <a:noFill/>
+        </p:spPr>
+        <p:txBody>
+          <a:bodyPr wrap="none" rtlCol="0">
+            <a:spAutoFit/>
+          </a:bodyPr>
+          <a:lstStyle/>
+          <a:p>
+            <a:r>
+              <a:rPr lang="en-US" sz="1600" dirty="0" err="1"/>
+              <a:t>rnorm</a:t>
+            </a:r>
+            <a:r>
+              <a:rPr lang="en-US" sz="1600" dirty="0"/>
+              <a:t>(n=sum(</a:t>
+            </a:r>
+            <a:r>
+              <a:rPr lang="en-US" sz="1600" dirty="0" err="1"/>
+              <a:t>indiv_recruitment</a:t>
+            </a:r>
+            <a:r>
+              <a:rPr lang="en-US" sz="1600" dirty="0"/>
+              <a:t>), mean = </a:t>
+            </a:r>
+            <a:r>
+              <a:rPr lang="en-US" sz="1600" dirty="0" err="1"/>
+              <a:t>recruitment_size_mean</a:t>
+            </a:r>
+            <a:r>
+              <a:rPr lang="en-US" sz="1600" dirty="0"/>
+              <a:t>, </a:t>
+            </a:r>
+            <a:r>
+              <a:rPr lang="en-US" sz="1600" dirty="0" err="1"/>
+              <a:t>sd</a:t>
+            </a:r>
+            <a:r>
+              <a:rPr lang="en-US" sz="1600" dirty="0"/>
+              <a:t> = </a:t>
+            </a:r>
+            <a:r>
+              <a:rPr lang="en-US" sz="1600" dirty="0" err="1"/>
+              <a:t>recruitment_size_sd</a:t>
+            </a:r>
+            <a:r>
+              <a:rPr lang="en-US" sz="1600" dirty="0"/>
+              <a:t>)</a:t>
+            </a:r>
+            <a:endParaRPr lang="en-AU" sz="1600" dirty="0"/>
+          </a:p>
+        </p:txBody>
+      </p:sp>
+      <p:sp>
+        <p:nvSpPr>
+          <p:cNvPr id="44" name="TextBox 43">
+            <a:extLst>
+              <a:ext uri="{FF2B5EF4-FFF2-40B4-BE49-F238E27FC236}">
+                <a16:creationId xmlns:a16="http://schemas.microsoft.com/office/drawing/2014/main" id="{2EACB74D-DC6B-BBE7-E084-67DF47C6095D}"/>
+              </a:ext>
+            </a:extLst>
+          </p:cNvPr>
+          <p:cNvSpPr txBox="1"/>
+          <p:nvPr/>
+        </p:nvSpPr>
+        <p:spPr>
+          <a:xfrm>
+            <a:off x="21333874" y="8511107"/>
+            <a:ext cx="2903872" cy="338554"/>
+          </a:xfrm>
+          <a:prstGeom prst="rect">
+            <a:avLst/>
+          </a:prstGeom>
+          <a:noFill/>
+        </p:spPr>
+        <p:txBody>
+          <a:bodyPr wrap="none" rtlCol="0">
+            <a:spAutoFit/>
+          </a:bodyPr>
+          <a:lstStyle/>
+          <a:p>
+            <a:r>
+              <a:rPr lang="en-US" sz="1600" dirty="0"/>
+              <a:t>Individuals &gt;= </a:t>
+            </a:r>
+            <a:r>
+              <a:rPr lang="en-US" sz="1600" dirty="0" err="1"/>
+              <a:t>recruitment_age</a:t>
+            </a:r>
+            <a:endParaRPr lang="en-AU" sz="1600" dirty="0"/>
+          </a:p>
+        </p:txBody>
+      </p:sp>
+      <p:sp>
+        <p:nvSpPr>
+          <p:cNvPr id="45" name="TextBox 44">
+            <a:extLst>
+              <a:ext uri="{FF2B5EF4-FFF2-40B4-BE49-F238E27FC236}">
+                <a16:creationId xmlns:a16="http://schemas.microsoft.com/office/drawing/2014/main" id="{68E7B5F2-A7BE-272E-7C7A-A0FE9A2534DA}"/>
+              </a:ext>
+            </a:extLst>
+          </p:cNvPr>
+          <p:cNvSpPr txBox="1"/>
+          <p:nvPr/>
+        </p:nvSpPr>
+        <p:spPr>
+          <a:xfrm>
+            <a:off x="17520903" y="6435683"/>
+            <a:ext cx="1361439" cy="830997"/>
+          </a:xfrm>
+          <a:prstGeom prst="rect">
+            <a:avLst/>
+          </a:prstGeom>
+          <a:noFill/>
+        </p:spPr>
+        <p:txBody>
+          <a:bodyPr wrap="square" rtlCol="0">
+            <a:spAutoFit/>
+          </a:bodyPr>
+          <a:lstStyle/>
+          <a:p>
+            <a:pPr algn="ctr"/>
+            <a:r>
+              <a:rPr lang="en-AU" sz="1600" dirty="0"/>
+              <a:t>Adjust recruitment constant?</a:t>
+            </a:r>
+          </a:p>
+        </p:txBody>
+      </p:sp>
+      <p:cxnSp>
+        <p:nvCxnSpPr>
+          <p:cNvPr id="46" name="Straight Arrow Connector 45">
+            <a:extLst>
+              <a:ext uri="{FF2B5EF4-FFF2-40B4-BE49-F238E27FC236}">
+                <a16:creationId xmlns:a16="http://schemas.microsoft.com/office/drawing/2014/main" id="{B14C484A-7E64-E4E8-2270-E6C96A09C1F6}"/>
+              </a:ext>
+            </a:extLst>
+          </p:cNvPr>
+          <p:cNvCxnSpPr>
+            <a:cxnSpLocks/>
+            <a:stCxn id="45" idx="2"/>
+            <a:endCxn id="30" idx="0"/>
+          </p:cNvCxnSpPr>
+          <p:nvPr/>
+        </p:nvCxnSpPr>
+        <p:spPr>
+          <a:xfrm flipH="1">
+            <a:off x="18199602" y="7266680"/>
+            <a:ext cx="2021" cy="1105929"/>
+          </a:xfrm>
+          <a:prstGeom prst="straightConnector1">
+            <a:avLst/>
+          </a:prstGeom>
+          <a:ln>
+            <a:prstDash val="solid"/>
+            <a:tailEnd type="triangle"/>
+          </a:ln>
+        </p:spPr>
+        <p:style>
+          <a:lnRef idx="2">
+            <a:schemeClr val="dk1"/>
+          </a:lnRef>
+          <a:fillRef idx="0">
+            <a:schemeClr val="dk1"/>
+          </a:fillRef>
+          <a:effectRef idx="1">
+            <a:schemeClr val="dk1"/>
+          </a:effectRef>
+          <a:fontRef idx="minor">
+            <a:schemeClr val="tx1"/>
+          </a:fontRef>
+        </p:style>
+      </p:cxnSp>
+      <p:cxnSp>
+        <p:nvCxnSpPr>
+          <p:cNvPr id="47" name="Straight Arrow Connector 46">
+            <a:extLst>
+              <a:ext uri="{FF2B5EF4-FFF2-40B4-BE49-F238E27FC236}">
+                <a16:creationId xmlns:a16="http://schemas.microsoft.com/office/drawing/2014/main" id="{EB9D7833-4F45-07FA-E2E8-327AE2A7F1A2}"/>
+              </a:ext>
+            </a:extLst>
+          </p:cNvPr>
+          <p:cNvCxnSpPr>
+            <a:cxnSpLocks/>
+            <a:stCxn id="30" idx="3"/>
+            <a:endCxn id="44" idx="1"/>
+          </p:cNvCxnSpPr>
+          <p:nvPr/>
+        </p:nvCxnSpPr>
+        <p:spPr>
+          <a:xfrm>
+            <a:off x="20461342" y="8664996"/>
+            <a:ext cx="872533" cy="15388"/>
+          </a:xfrm>
+          <a:prstGeom prst="straightConnector1">
+            <a:avLst/>
+          </a:prstGeom>
+          <a:ln>
+            <a:prstDash val="dash"/>
+            <a:tailEnd type="triangle"/>
+          </a:ln>
+        </p:spPr>
+        <p:style>
+          <a:lnRef idx="2">
+            <a:schemeClr val="dk1"/>
+          </a:lnRef>
+          <a:fillRef idx="0">
+            <a:schemeClr val="dk1"/>
+          </a:fillRef>
+          <a:effectRef idx="1">
+            <a:schemeClr val="dk1"/>
+          </a:effectRef>
+          <a:fontRef idx="minor">
+            <a:schemeClr val="tx1"/>
+          </a:fontRef>
+        </p:style>
+      </p:cxnSp>
+      <p:cxnSp>
+        <p:nvCxnSpPr>
+          <p:cNvPr id="48" name="Straight Arrow Connector 47">
+            <a:extLst>
+              <a:ext uri="{FF2B5EF4-FFF2-40B4-BE49-F238E27FC236}">
+                <a16:creationId xmlns:a16="http://schemas.microsoft.com/office/drawing/2014/main" id="{26C5D9CF-6BC3-067C-F84A-B13942EB5CC8}"/>
+              </a:ext>
+            </a:extLst>
+          </p:cNvPr>
+          <p:cNvCxnSpPr>
+            <a:cxnSpLocks/>
+            <a:stCxn id="31" idx="2"/>
+          </p:cNvCxnSpPr>
+          <p:nvPr/>
+        </p:nvCxnSpPr>
+        <p:spPr>
+          <a:xfrm flipH="1">
+            <a:off x="18185259" y="10372249"/>
+            <a:ext cx="0" cy="837319"/>
+          </a:xfrm>
+          <a:prstGeom prst="straightConnector1">
+            <a:avLst/>
+          </a:prstGeom>
+          <a:ln>
+            <a:prstDash val="solid"/>
+            <a:tailEnd type="triangle"/>
+          </a:ln>
+        </p:spPr>
+        <p:style>
+          <a:lnRef idx="2">
+            <a:schemeClr val="dk1"/>
+          </a:lnRef>
+          <a:fillRef idx="0">
+            <a:schemeClr val="dk1"/>
+          </a:fillRef>
+          <a:effectRef idx="1">
+            <a:schemeClr val="dk1"/>
+          </a:effectRef>
+          <a:fontRef idx="minor">
+            <a:schemeClr val="tx1"/>
+          </a:fontRef>
+        </p:style>
+      </p:cxnSp>
+      <p:sp>
+        <p:nvSpPr>
+          <p:cNvPr id="49" name="TextBox 48">
+            <a:extLst>
+              <a:ext uri="{FF2B5EF4-FFF2-40B4-BE49-F238E27FC236}">
+                <a16:creationId xmlns:a16="http://schemas.microsoft.com/office/drawing/2014/main" id="{9EE7176F-82A2-09C8-48B4-B7D7A43E6887}"/>
+              </a:ext>
+            </a:extLst>
+          </p:cNvPr>
+          <p:cNvSpPr txBox="1"/>
+          <p:nvPr/>
+        </p:nvSpPr>
+        <p:spPr>
+          <a:xfrm>
+            <a:off x="23392841" y="10798710"/>
+            <a:ext cx="5416804" cy="584775"/>
+          </a:xfrm>
+          <a:prstGeom prst="rect">
+            <a:avLst/>
+          </a:prstGeom>
+          <a:noFill/>
+        </p:spPr>
+        <p:txBody>
+          <a:bodyPr wrap="none" rtlCol="0">
+            <a:spAutoFit/>
+          </a:bodyPr>
+          <a:lstStyle/>
+          <a:p>
+            <a:r>
+              <a:rPr lang="en-US" sz="1600" dirty="0" err="1"/>
+              <a:t>rbeta</a:t>
+            </a:r>
+            <a:r>
+              <a:rPr lang="en-US" sz="1600" dirty="0"/>
+              <a:t>( shape1=parent_MR+1)^2, shape2=(2- </a:t>
+            </a:r>
+            <a:r>
+              <a:rPr lang="en-US" sz="1600" dirty="0" err="1"/>
+              <a:t>parent_MR</a:t>
+            </a:r>
+            <a:r>
+              <a:rPr lang="en-US" sz="1600" dirty="0"/>
+              <a:t>)^2)</a:t>
+            </a:r>
+            <a:endParaRPr lang="en-AU" sz="1600" dirty="0"/>
+          </a:p>
+          <a:p>
+            <a:endParaRPr lang="en-AU" sz="1600" dirty="0"/>
+          </a:p>
+        </p:txBody>
+      </p:sp>
+      <p:cxnSp>
+        <p:nvCxnSpPr>
+          <p:cNvPr id="50" name="Straight Arrow Connector 49">
+            <a:extLst>
+              <a:ext uri="{FF2B5EF4-FFF2-40B4-BE49-F238E27FC236}">
+                <a16:creationId xmlns:a16="http://schemas.microsoft.com/office/drawing/2014/main" id="{56C5C192-C66F-B007-5ACB-66466D24598C}"/>
+              </a:ext>
+            </a:extLst>
+          </p:cNvPr>
+          <p:cNvCxnSpPr>
+            <a:cxnSpLocks/>
+          </p:cNvCxnSpPr>
+          <p:nvPr/>
+        </p:nvCxnSpPr>
+        <p:spPr>
+          <a:xfrm>
+            <a:off x="22080776" y="11558214"/>
+            <a:ext cx="955853" cy="5227"/>
+          </a:xfrm>
+          <a:prstGeom prst="straightConnector1">
+            <a:avLst/>
+          </a:prstGeom>
+          <a:ln>
+            <a:prstDash val="dash"/>
+            <a:tailEnd type="triangle"/>
+          </a:ln>
+        </p:spPr>
+        <p:style>
+          <a:lnRef idx="2">
+            <a:schemeClr val="dk1"/>
+          </a:lnRef>
+          <a:fillRef idx="0">
+            <a:schemeClr val="dk1"/>
+          </a:fillRef>
+          <a:effectRef idx="1">
+            <a:schemeClr val="dk1"/>
+          </a:effectRef>
+          <a:fontRef idx="minor">
+            <a:schemeClr val="tx1"/>
+          </a:fontRef>
+        </p:style>
+      </p:cxnSp>
+      <p:cxnSp>
+        <p:nvCxnSpPr>
+          <p:cNvPr id="51" name="Straight Arrow Connector 50">
+            <a:extLst>
+              <a:ext uri="{FF2B5EF4-FFF2-40B4-BE49-F238E27FC236}">
+                <a16:creationId xmlns:a16="http://schemas.microsoft.com/office/drawing/2014/main" id="{D7DFC0A6-304E-AA49-E9C9-5BD091D6D257}"/>
+              </a:ext>
+            </a:extLst>
+          </p:cNvPr>
+          <p:cNvCxnSpPr>
+            <a:cxnSpLocks/>
+          </p:cNvCxnSpPr>
+          <p:nvPr/>
+        </p:nvCxnSpPr>
+        <p:spPr>
+          <a:xfrm flipH="1">
+            <a:off x="18190897" y="11864534"/>
+            <a:ext cx="1" cy="759657"/>
+          </a:xfrm>
+          <a:prstGeom prst="straightConnector1">
+            <a:avLst/>
+          </a:prstGeom>
+          <a:ln>
+            <a:prstDash val="solid"/>
+            <a:tailEnd type="triangle"/>
+          </a:ln>
+        </p:spPr>
+        <p:style>
+          <a:lnRef idx="2">
+            <a:schemeClr val="dk1"/>
+          </a:lnRef>
+          <a:fillRef idx="0">
+            <a:schemeClr val="dk1"/>
+          </a:fillRef>
+          <a:effectRef idx="1">
+            <a:schemeClr val="dk1"/>
+          </a:effectRef>
+          <a:fontRef idx="minor">
+            <a:schemeClr val="tx1"/>
+          </a:fontRef>
+        </p:style>
+      </p:cxnSp>
+      <p:sp>
+        <p:nvSpPr>
+          <p:cNvPr id="53" name="TextBox 52">
+            <a:extLst>
+              <a:ext uri="{FF2B5EF4-FFF2-40B4-BE49-F238E27FC236}">
+                <a16:creationId xmlns:a16="http://schemas.microsoft.com/office/drawing/2014/main" id="{912BA43B-5425-3E9C-ECBE-7450DF8C310F}"/>
+              </a:ext>
+            </a:extLst>
+          </p:cNvPr>
+          <p:cNvSpPr txBox="1"/>
+          <p:nvPr/>
+        </p:nvSpPr>
+        <p:spPr>
+          <a:xfrm>
+            <a:off x="14994874" y="16780799"/>
+            <a:ext cx="2346958" cy="1754326"/>
+          </a:xfrm>
+          <a:prstGeom prst="rect">
+            <a:avLst/>
+          </a:prstGeom>
+          <a:noFill/>
+        </p:spPr>
+        <p:txBody>
+          <a:bodyPr wrap="square" rtlCol="0">
+            <a:spAutoFit/>
+          </a:bodyPr>
+          <a:lstStyle/>
+          <a:p>
+            <a:pPr algn="ctr"/>
+            <a:r>
+              <a:rPr lang="en-AU" dirty="0">
+                <a:solidFill>
+                  <a:srgbClr val="C00000"/>
+                </a:solidFill>
+              </a:rPr>
+              <a:t>If MR mortality is </a:t>
+            </a:r>
+            <a:r>
+              <a:rPr lang="en-AU" b="1" dirty="0">
+                <a:solidFill>
+                  <a:srgbClr val="C00000"/>
+                </a:solidFill>
+              </a:rPr>
+              <a:t>introduced late </a:t>
+            </a:r>
+            <a:r>
+              <a:rPr lang="en-AU" dirty="0">
+                <a:solidFill>
+                  <a:srgbClr val="C00000"/>
+                </a:solidFill>
+              </a:rPr>
+              <a:t>&amp; the time point is </a:t>
+            </a:r>
+            <a:r>
+              <a:rPr lang="en-AU" b="1" dirty="0">
+                <a:solidFill>
+                  <a:srgbClr val="C00000"/>
+                </a:solidFill>
+              </a:rPr>
+              <a:t>after</a:t>
+            </a:r>
+            <a:r>
+              <a:rPr lang="en-AU" dirty="0">
+                <a:solidFill>
+                  <a:srgbClr val="C00000"/>
+                </a:solidFill>
+              </a:rPr>
+              <a:t> the introduction time - </a:t>
+            </a:r>
+            <a:r>
+              <a:rPr lang="en-AU" dirty="0" err="1">
+                <a:solidFill>
+                  <a:srgbClr val="C00000"/>
+                </a:solidFill>
+              </a:rPr>
+              <a:t>mortality_functions_MRintro_hill.R</a:t>
+            </a:r>
+            <a:endParaRPr lang="en-AU" dirty="0">
+              <a:solidFill>
+                <a:srgbClr val="C00000"/>
+              </a:solidFill>
+            </a:endParaRPr>
+          </a:p>
+        </p:txBody>
+      </p:sp>
+      <p:sp>
+        <p:nvSpPr>
+          <p:cNvPr id="54" name="TextBox 53">
+            <a:extLst>
+              <a:ext uri="{FF2B5EF4-FFF2-40B4-BE49-F238E27FC236}">
+                <a16:creationId xmlns:a16="http://schemas.microsoft.com/office/drawing/2014/main" id="{B0E3544C-4E62-CAD9-B447-E45181872539}"/>
+              </a:ext>
+            </a:extLst>
+          </p:cNvPr>
+          <p:cNvSpPr txBox="1"/>
+          <p:nvPr/>
+        </p:nvSpPr>
+        <p:spPr>
+          <a:xfrm>
+            <a:off x="18597844" y="16780798"/>
+            <a:ext cx="3009085" cy="1200329"/>
+          </a:xfrm>
+          <a:prstGeom prst="rect">
+            <a:avLst/>
+          </a:prstGeom>
+          <a:noFill/>
+        </p:spPr>
+        <p:txBody>
+          <a:bodyPr wrap="square" rtlCol="0">
+            <a:spAutoFit/>
+          </a:bodyPr>
+          <a:lstStyle/>
+          <a:p>
+            <a:pPr algn="ctr"/>
+            <a:r>
+              <a:rPr lang="en-AU" dirty="0">
+                <a:solidFill>
+                  <a:srgbClr val="C00000"/>
+                </a:solidFill>
+              </a:rPr>
+              <a:t>If MR mortality is </a:t>
+            </a:r>
+            <a:r>
+              <a:rPr lang="en-AU" b="1" dirty="0">
+                <a:solidFill>
+                  <a:srgbClr val="C00000"/>
+                </a:solidFill>
+              </a:rPr>
+              <a:t>constant </a:t>
+            </a:r>
+            <a:r>
+              <a:rPr lang="en-AU" dirty="0">
+                <a:solidFill>
+                  <a:srgbClr val="C00000"/>
+                </a:solidFill>
+              </a:rPr>
+              <a:t>or the time point is </a:t>
+            </a:r>
+            <a:r>
+              <a:rPr lang="en-AU" b="1" dirty="0">
+                <a:solidFill>
+                  <a:srgbClr val="C00000"/>
+                </a:solidFill>
+              </a:rPr>
+              <a:t>before</a:t>
+            </a:r>
+            <a:r>
+              <a:rPr lang="en-AU" dirty="0">
+                <a:solidFill>
+                  <a:srgbClr val="C00000"/>
+                </a:solidFill>
+              </a:rPr>
+              <a:t> the MR introduction time - </a:t>
+            </a:r>
+            <a:r>
+              <a:rPr lang="en-AU" dirty="0" err="1">
+                <a:solidFill>
+                  <a:srgbClr val="C00000"/>
+                </a:solidFill>
+              </a:rPr>
+              <a:t>mortality_functions_hill.R</a:t>
+            </a:r>
+            <a:endParaRPr lang="en-AU" dirty="0">
+              <a:solidFill>
+                <a:srgbClr val="C00000"/>
+              </a:solidFill>
+            </a:endParaRPr>
+          </a:p>
+        </p:txBody>
+      </p:sp>
+      <p:cxnSp>
+        <p:nvCxnSpPr>
+          <p:cNvPr id="55" name="Connector: Curved 54">
+            <a:extLst>
+              <a:ext uri="{FF2B5EF4-FFF2-40B4-BE49-F238E27FC236}">
+                <a16:creationId xmlns:a16="http://schemas.microsoft.com/office/drawing/2014/main" id="{C9F3913E-02C9-6845-E901-9EAF3C419D79}"/>
+              </a:ext>
+            </a:extLst>
+          </p:cNvPr>
+          <p:cNvCxnSpPr>
+            <a:cxnSpLocks/>
+            <a:stCxn id="7" idx="2"/>
+            <a:endCxn id="54" idx="0"/>
+          </p:cNvCxnSpPr>
+          <p:nvPr/>
+        </p:nvCxnSpPr>
+        <p:spPr>
+          <a:xfrm rot="16200000" flipH="1">
+            <a:off x="18768456" y="15446866"/>
+            <a:ext cx="841549" cy="1826313"/>
+          </a:xfrm>
+          <a:prstGeom prst="curvedConnector3">
+            <a:avLst>
+              <a:gd name="adj1" fmla="val 50000"/>
+            </a:avLst>
+          </a:prstGeom>
+          <a:ln>
+            <a:prstDash val="sysDot"/>
+            <a:tailEnd type="triangle"/>
+          </a:ln>
+        </p:spPr>
+        <p:style>
+          <a:lnRef idx="2">
+            <a:schemeClr val="dk1"/>
+          </a:lnRef>
+          <a:fillRef idx="0">
+            <a:schemeClr val="dk1"/>
+          </a:fillRef>
+          <a:effectRef idx="1">
+            <a:schemeClr val="dk1"/>
+          </a:effectRef>
+          <a:fontRef idx="minor">
+            <a:schemeClr val="tx1"/>
+          </a:fontRef>
+        </p:style>
+      </p:cxnSp>
+      <p:cxnSp>
+        <p:nvCxnSpPr>
+          <p:cNvPr id="56" name="Connector: Curved 55">
+            <a:extLst>
+              <a:ext uri="{FF2B5EF4-FFF2-40B4-BE49-F238E27FC236}">
+                <a16:creationId xmlns:a16="http://schemas.microsoft.com/office/drawing/2014/main" id="{2BC128F3-2235-951A-879D-76BCF2DE7180}"/>
+              </a:ext>
+            </a:extLst>
+          </p:cNvPr>
+          <p:cNvCxnSpPr>
+            <a:cxnSpLocks/>
+            <a:stCxn id="7" idx="2"/>
+            <a:endCxn id="53" idx="0"/>
+          </p:cNvCxnSpPr>
+          <p:nvPr/>
+        </p:nvCxnSpPr>
+        <p:spPr>
+          <a:xfrm rot="5400000">
+            <a:off x="16801437" y="15306166"/>
+            <a:ext cx="841552" cy="2107719"/>
+          </a:xfrm>
+          <a:prstGeom prst="curvedConnector3">
+            <a:avLst>
+              <a:gd name="adj1" fmla="val 50000"/>
+            </a:avLst>
+          </a:prstGeom>
+          <a:ln>
+            <a:prstDash val="sysDot"/>
+            <a:tailEnd type="triangle"/>
+          </a:ln>
+        </p:spPr>
+        <p:style>
+          <a:lnRef idx="2">
+            <a:schemeClr val="dk1"/>
+          </a:lnRef>
+          <a:fillRef idx="0">
+            <a:schemeClr val="dk1"/>
+          </a:fillRef>
+          <a:effectRef idx="1">
+            <a:schemeClr val="dk1"/>
+          </a:effectRef>
+          <a:fontRef idx="minor">
+            <a:schemeClr val="tx1"/>
+          </a:fontRef>
+        </p:style>
+      </p:cxnSp>
+      <p:sp>
+        <p:nvSpPr>
+          <p:cNvPr id="57" name="TextBox 56">
+            <a:extLst>
+              <a:ext uri="{FF2B5EF4-FFF2-40B4-BE49-F238E27FC236}">
+                <a16:creationId xmlns:a16="http://schemas.microsoft.com/office/drawing/2014/main" id="{93C12FA3-BB1F-CA47-55D3-49BBBFDF8036}"/>
+              </a:ext>
+            </a:extLst>
+          </p:cNvPr>
+          <p:cNvSpPr txBox="1"/>
+          <p:nvPr/>
+        </p:nvSpPr>
+        <p:spPr>
+          <a:xfrm>
+            <a:off x="17389374" y="21780289"/>
+            <a:ext cx="2234586" cy="338554"/>
+          </a:xfrm>
+          <a:prstGeom prst="rect">
+            <a:avLst/>
+          </a:prstGeom>
+          <a:noFill/>
+        </p:spPr>
+        <p:txBody>
+          <a:bodyPr wrap="none" rtlCol="0">
+            <a:spAutoFit/>
+          </a:bodyPr>
+          <a:lstStyle/>
+          <a:p>
+            <a:r>
+              <a:rPr lang="en-AU" sz="1600" dirty="0"/>
+              <a:t>Calculate age mortality</a:t>
+            </a:r>
+          </a:p>
+        </p:txBody>
+      </p:sp>
+      <p:sp>
+        <p:nvSpPr>
+          <p:cNvPr id="58" name="TextBox 57">
+            <a:extLst>
+              <a:ext uri="{FF2B5EF4-FFF2-40B4-BE49-F238E27FC236}">
+                <a16:creationId xmlns:a16="http://schemas.microsoft.com/office/drawing/2014/main" id="{D212CD26-25A0-49C6-38BB-5B9A6BE7CB51}"/>
+              </a:ext>
+            </a:extLst>
+          </p:cNvPr>
+          <p:cNvSpPr txBox="1"/>
+          <p:nvPr/>
+        </p:nvSpPr>
+        <p:spPr>
+          <a:xfrm>
+            <a:off x="10546959" y="21531903"/>
+            <a:ext cx="3913032" cy="830997"/>
+          </a:xfrm>
+          <a:prstGeom prst="rect">
+            <a:avLst/>
+          </a:prstGeom>
+          <a:noFill/>
+        </p:spPr>
+        <p:txBody>
+          <a:bodyPr wrap="square" rtlCol="0">
+            <a:spAutoFit/>
+          </a:bodyPr>
+          <a:lstStyle/>
+          <a:p>
+            <a:pPr algn="ctr"/>
+            <a:r>
+              <a:rPr lang="en-AU" sz="1600" dirty="0"/>
+              <a:t>Two hill equation with varying direction + steepness depending that changes at  </a:t>
+            </a:r>
+            <a:r>
+              <a:rPr lang="en-AU" sz="1600" dirty="0" err="1"/>
+              <a:t>mortality_age_shiftch</a:t>
+            </a:r>
+            <a:endParaRPr lang="en-AU" sz="1600" dirty="0"/>
+          </a:p>
+        </p:txBody>
+      </p:sp>
+      <p:cxnSp>
+        <p:nvCxnSpPr>
+          <p:cNvPr id="59" name="Straight Arrow Connector 58">
+            <a:extLst>
+              <a:ext uri="{FF2B5EF4-FFF2-40B4-BE49-F238E27FC236}">
+                <a16:creationId xmlns:a16="http://schemas.microsoft.com/office/drawing/2014/main" id="{D1CF71F5-C89B-360E-4782-10D58D06E020}"/>
+              </a:ext>
+            </a:extLst>
+          </p:cNvPr>
+          <p:cNvCxnSpPr>
+            <a:cxnSpLocks/>
+            <a:stCxn id="57" idx="1"/>
+            <a:endCxn id="58" idx="3"/>
+          </p:cNvCxnSpPr>
+          <p:nvPr/>
+        </p:nvCxnSpPr>
+        <p:spPr>
+          <a:xfrm flipH="1" flipV="1">
+            <a:off x="14459993" y="21947400"/>
+            <a:ext cx="2929383" cy="2166"/>
+          </a:xfrm>
+          <a:prstGeom prst="straightConnector1">
+            <a:avLst/>
+          </a:prstGeom>
+          <a:ln>
+            <a:prstDash val="dash"/>
+            <a:tailEnd type="triangle"/>
+          </a:ln>
+        </p:spPr>
+        <p:style>
+          <a:lnRef idx="2">
+            <a:schemeClr val="dk1"/>
+          </a:lnRef>
+          <a:fillRef idx="0">
+            <a:schemeClr val="dk1"/>
+          </a:fillRef>
+          <a:effectRef idx="1">
+            <a:schemeClr val="dk1"/>
+          </a:effectRef>
+          <a:fontRef idx="minor">
+            <a:schemeClr val="tx1"/>
+          </a:fontRef>
+        </p:style>
+      </p:cxnSp>
+      <p:sp>
+        <p:nvSpPr>
+          <p:cNvPr id="60" name="TextBox 59">
+            <a:extLst>
+              <a:ext uri="{FF2B5EF4-FFF2-40B4-BE49-F238E27FC236}">
+                <a16:creationId xmlns:a16="http://schemas.microsoft.com/office/drawing/2014/main" id="{74535055-E02D-EF1D-BBB9-F7A4AE0953E0}"/>
+              </a:ext>
+            </a:extLst>
+          </p:cNvPr>
+          <p:cNvSpPr txBox="1"/>
+          <p:nvPr/>
+        </p:nvSpPr>
+        <p:spPr>
+          <a:xfrm>
+            <a:off x="16618527" y="14367954"/>
+            <a:ext cx="3338003" cy="369332"/>
+          </a:xfrm>
+          <a:prstGeom prst="rect">
+            <a:avLst/>
+          </a:prstGeom>
+          <a:noFill/>
+        </p:spPr>
+        <p:txBody>
+          <a:bodyPr wrap="square" rtlCol="0">
+            <a:spAutoFit/>
+          </a:bodyPr>
+          <a:lstStyle/>
+          <a:p>
+            <a:pPr algn="ctr"/>
+            <a:r>
+              <a:rPr lang="en-AU" dirty="0">
+                <a:solidFill>
+                  <a:srgbClr val="C00000"/>
+                </a:solidFill>
+              </a:rPr>
+              <a:t>Add intervention individuals</a:t>
+            </a:r>
+          </a:p>
+        </p:txBody>
+      </p:sp>
+      <p:sp>
+        <p:nvSpPr>
+          <p:cNvPr id="61" name="TextBox 60">
+            <a:extLst>
+              <a:ext uri="{FF2B5EF4-FFF2-40B4-BE49-F238E27FC236}">
+                <a16:creationId xmlns:a16="http://schemas.microsoft.com/office/drawing/2014/main" id="{5A76D73B-47FE-9823-353E-ED1EDFAFA48B}"/>
+              </a:ext>
+            </a:extLst>
+          </p:cNvPr>
+          <p:cNvSpPr txBox="1"/>
+          <p:nvPr/>
+        </p:nvSpPr>
+        <p:spPr>
+          <a:xfrm>
+            <a:off x="16666095" y="20523411"/>
+            <a:ext cx="3688466" cy="584775"/>
+          </a:xfrm>
+          <a:prstGeom prst="rect">
+            <a:avLst/>
+          </a:prstGeom>
+          <a:noFill/>
+        </p:spPr>
+        <p:txBody>
+          <a:bodyPr wrap="square" rtlCol="0">
+            <a:spAutoFit/>
+          </a:bodyPr>
+          <a:lstStyle/>
+          <a:p>
+            <a:pPr algn="ctr"/>
+            <a:r>
+              <a:rPr lang="en-AU" sz="1600" dirty="0"/>
+              <a:t>Reduce intervention individual’s mortality chance if toggle on</a:t>
+            </a:r>
+          </a:p>
+        </p:txBody>
+      </p:sp>
+      <p:cxnSp>
+        <p:nvCxnSpPr>
+          <p:cNvPr id="62" name="Connector: Curved 61">
+            <a:extLst>
+              <a:ext uri="{FF2B5EF4-FFF2-40B4-BE49-F238E27FC236}">
+                <a16:creationId xmlns:a16="http://schemas.microsoft.com/office/drawing/2014/main" id="{733E8A1B-A7B4-72AA-D28B-8EBDD4CFBE05}"/>
+              </a:ext>
+            </a:extLst>
+          </p:cNvPr>
+          <p:cNvCxnSpPr>
+            <a:cxnSpLocks/>
+            <a:stCxn id="60" idx="1"/>
+            <a:endCxn id="61" idx="1"/>
+          </p:cNvCxnSpPr>
+          <p:nvPr/>
+        </p:nvCxnSpPr>
+        <p:spPr>
+          <a:xfrm rot="10800000" flipH="1" flipV="1">
+            <a:off x="16618527" y="14552619"/>
+            <a:ext cx="47568" cy="6263179"/>
+          </a:xfrm>
+          <a:prstGeom prst="curvedConnector3">
+            <a:avLst>
+              <a:gd name="adj1" fmla="val -4406975"/>
+            </a:avLst>
+          </a:prstGeom>
+          <a:ln>
+            <a:solidFill>
+              <a:schemeClr val="bg1">
+                <a:lumMod val="85000"/>
+              </a:schemeClr>
+            </a:solidFill>
+            <a:tailEnd type="triangle"/>
+          </a:ln>
+        </p:spPr>
+        <p:style>
+          <a:lnRef idx="2">
+            <a:schemeClr val="accent1"/>
+          </a:lnRef>
+          <a:fillRef idx="0">
+            <a:schemeClr val="accent1"/>
+          </a:fillRef>
+          <a:effectRef idx="1">
+            <a:schemeClr val="accent1"/>
+          </a:effectRef>
+          <a:fontRef idx="minor">
+            <a:schemeClr val="tx1"/>
+          </a:fontRef>
+        </p:style>
+      </p:cxnSp>
+      <p:sp>
+        <p:nvSpPr>
+          <p:cNvPr id="63" name="TextBox 62">
+            <a:extLst>
+              <a:ext uri="{FF2B5EF4-FFF2-40B4-BE49-F238E27FC236}">
+                <a16:creationId xmlns:a16="http://schemas.microsoft.com/office/drawing/2014/main" id="{F675AE9F-20FA-B40B-8A63-815F51A5A5F8}"/>
+              </a:ext>
+            </a:extLst>
+          </p:cNvPr>
+          <p:cNvSpPr txBox="1"/>
+          <p:nvPr/>
+        </p:nvSpPr>
+        <p:spPr>
+          <a:xfrm>
+            <a:off x="17044982" y="23198141"/>
+            <a:ext cx="2922403" cy="338554"/>
+          </a:xfrm>
+          <a:prstGeom prst="rect">
+            <a:avLst/>
+          </a:prstGeom>
+          <a:noFill/>
+        </p:spPr>
+        <p:txBody>
+          <a:bodyPr wrap="none" rtlCol="0">
+            <a:spAutoFit/>
+          </a:bodyPr>
+          <a:lstStyle/>
+          <a:p>
+            <a:r>
+              <a:rPr lang="en-AU" sz="1600" dirty="0"/>
+              <a:t>Age x MR interaction toggle on?</a:t>
+            </a:r>
+          </a:p>
+        </p:txBody>
+      </p:sp>
+      <p:sp>
+        <p:nvSpPr>
+          <p:cNvPr id="64" name="TextBox 63">
+            <a:extLst>
+              <a:ext uri="{FF2B5EF4-FFF2-40B4-BE49-F238E27FC236}">
+                <a16:creationId xmlns:a16="http://schemas.microsoft.com/office/drawing/2014/main" id="{A54F901F-7CCE-C7F8-F3D3-87B2267A4FC6}"/>
+              </a:ext>
+            </a:extLst>
+          </p:cNvPr>
+          <p:cNvSpPr txBox="1"/>
+          <p:nvPr/>
+        </p:nvSpPr>
+        <p:spPr>
+          <a:xfrm>
+            <a:off x="7106652" y="23226363"/>
+            <a:ext cx="7353338" cy="338554"/>
+          </a:xfrm>
+          <a:prstGeom prst="rect">
+            <a:avLst/>
+          </a:prstGeom>
+          <a:noFill/>
+        </p:spPr>
+        <p:txBody>
+          <a:bodyPr wrap="square">
+            <a:spAutoFit/>
+          </a:bodyPr>
+          <a:lstStyle/>
+          <a:p>
+            <a:r>
+              <a:rPr lang="en-AU" sz="1600" dirty="0" err="1"/>
+              <a:t>MR_chance</a:t>
+            </a:r>
+            <a:r>
+              <a:rPr lang="en-AU" sz="1600" dirty="0"/>
+              <a:t> &lt;- (1 / (1 + (ages / </a:t>
+            </a:r>
+            <a:r>
+              <a:rPr lang="en-AU" sz="1600" dirty="0" err="1"/>
+              <a:t>MR_age_impact_val</a:t>
+            </a:r>
+            <a:r>
+              <a:rPr lang="en-AU" sz="1600" dirty="0"/>
+              <a:t>))) * MR * </a:t>
+            </a:r>
+            <a:r>
+              <a:rPr lang="en-AU" sz="1600" dirty="0" err="1"/>
+              <a:t>MR_death_impact_val</a:t>
+            </a:r>
+            <a:endParaRPr lang="en-AU" sz="1600" dirty="0"/>
+          </a:p>
+        </p:txBody>
+      </p:sp>
+      <p:cxnSp>
+        <p:nvCxnSpPr>
+          <p:cNvPr id="65" name="Straight Arrow Connector 64">
+            <a:extLst>
+              <a:ext uri="{FF2B5EF4-FFF2-40B4-BE49-F238E27FC236}">
+                <a16:creationId xmlns:a16="http://schemas.microsoft.com/office/drawing/2014/main" id="{A56277F9-B909-045B-1DA6-305E70C69E1E}"/>
+              </a:ext>
+            </a:extLst>
+          </p:cNvPr>
+          <p:cNvCxnSpPr>
+            <a:cxnSpLocks/>
+            <a:stCxn id="63" idx="1"/>
+            <a:endCxn id="64" idx="3"/>
+          </p:cNvCxnSpPr>
+          <p:nvPr/>
+        </p:nvCxnSpPr>
+        <p:spPr>
+          <a:xfrm flipH="1">
+            <a:off x="14459990" y="23367418"/>
+            <a:ext cx="2584990" cy="28222"/>
+          </a:xfrm>
+          <a:prstGeom prst="straightConnector1">
+            <a:avLst/>
+          </a:prstGeom>
+          <a:ln>
+            <a:prstDash val="dash"/>
+            <a:tailEnd type="triangle"/>
+          </a:ln>
+        </p:spPr>
+        <p:style>
+          <a:lnRef idx="2">
+            <a:schemeClr val="dk1"/>
+          </a:lnRef>
+          <a:fillRef idx="0">
+            <a:schemeClr val="dk1"/>
+          </a:fillRef>
+          <a:effectRef idx="1">
+            <a:schemeClr val="dk1"/>
+          </a:effectRef>
+          <a:fontRef idx="minor">
+            <a:schemeClr val="tx1"/>
+          </a:fontRef>
+        </p:style>
+      </p:cxnSp>
+      <p:sp>
+        <p:nvSpPr>
+          <p:cNvPr id="66" name="TextBox 65">
+            <a:extLst>
+              <a:ext uri="{FF2B5EF4-FFF2-40B4-BE49-F238E27FC236}">
+                <a16:creationId xmlns:a16="http://schemas.microsoft.com/office/drawing/2014/main" id="{C959859A-CBD2-AF95-E79F-0637262E6199}"/>
+              </a:ext>
+            </a:extLst>
+          </p:cNvPr>
+          <p:cNvSpPr txBox="1"/>
+          <p:nvPr/>
+        </p:nvSpPr>
+        <p:spPr>
+          <a:xfrm>
+            <a:off x="16233039" y="25458319"/>
+            <a:ext cx="4554132" cy="584775"/>
+          </a:xfrm>
+          <a:prstGeom prst="rect">
+            <a:avLst/>
+          </a:prstGeom>
+          <a:noFill/>
+        </p:spPr>
+        <p:txBody>
+          <a:bodyPr wrap="none" rtlCol="0">
+            <a:spAutoFit/>
+          </a:bodyPr>
+          <a:lstStyle/>
+          <a:p>
+            <a:r>
+              <a:rPr lang="en-AU" sz="1600" dirty="0"/>
+              <a:t>If population is larger than max carrying capacity,:</a:t>
+            </a:r>
+          </a:p>
+          <a:p>
+            <a:pPr algn="ctr"/>
+            <a:r>
+              <a:rPr lang="en-AU" sz="1600" dirty="0"/>
+              <a:t>raise minimum chance of mortality</a:t>
+            </a:r>
+          </a:p>
+        </p:txBody>
+      </p:sp>
+      <p:sp>
+        <p:nvSpPr>
+          <p:cNvPr id="67" name="TextBox 66">
+            <a:extLst>
+              <a:ext uri="{FF2B5EF4-FFF2-40B4-BE49-F238E27FC236}">
+                <a16:creationId xmlns:a16="http://schemas.microsoft.com/office/drawing/2014/main" id="{AADD0FF7-5FB0-50F2-84C3-86A3F6823339}"/>
+              </a:ext>
+            </a:extLst>
+          </p:cNvPr>
+          <p:cNvSpPr txBox="1"/>
+          <p:nvPr/>
+        </p:nvSpPr>
+        <p:spPr>
+          <a:xfrm>
+            <a:off x="16540294" y="24303397"/>
+            <a:ext cx="3928961" cy="584775"/>
+          </a:xfrm>
+          <a:prstGeom prst="rect">
+            <a:avLst/>
+          </a:prstGeom>
+          <a:noFill/>
+        </p:spPr>
+        <p:txBody>
+          <a:bodyPr wrap="none" rtlCol="0">
+            <a:spAutoFit/>
+          </a:bodyPr>
+          <a:lstStyle/>
+          <a:p>
+            <a:pPr algn="ctr"/>
+            <a:r>
+              <a:rPr lang="en-AU" sz="1600" dirty="0"/>
+              <a:t>Calculate final change of mortality using a </a:t>
+            </a:r>
+            <a:br>
+              <a:rPr lang="en-AU" sz="1600" dirty="0"/>
+            </a:br>
+            <a:r>
+              <a:rPr lang="en-AU" sz="1600" dirty="0"/>
+              <a:t>conditional probability</a:t>
+            </a:r>
+          </a:p>
+        </p:txBody>
+      </p:sp>
+      <p:sp>
+        <p:nvSpPr>
+          <p:cNvPr id="68" name="TextBox 67">
+            <a:extLst>
+              <a:ext uri="{FF2B5EF4-FFF2-40B4-BE49-F238E27FC236}">
+                <a16:creationId xmlns:a16="http://schemas.microsoft.com/office/drawing/2014/main" id="{19CFACC3-5996-1121-05BB-9B47AB50D37F}"/>
+              </a:ext>
+            </a:extLst>
+          </p:cNvPr>
+          <p:cNvSpPr txBox="1"/>
+          <p:nvPr/>
+        </p:nvSpPr>
+        <p:spPr>
+          <a:xfrm>
+            <a:off x="6487459" y="25458319"/>
+            <a:ext cx="8478960" cy="338554"/>
+          </a:xfrm>
+          <a:prstGeom prst="rect">
+            <a:avLst/>
+          </a:prstGeom>
+          <a:noFill/>
+        </p:spPr>
+        <p:txBody>
+          <a:bodyPr wrap="square">
+            <a:spAutoFit/>
+          </a:bodyPr>
+          <a:lstStyle/>
+          <a:p>
+            <a:r>
+              <a:rPr lang="en-AU" sz="1600" dirty="0" err="1"/>
+              <a:t>comp_chance</a:t>
+            </a:r>
+            <a:r>
+              <a:rPr lang="en-AU" sz="1600" dirty="0"/>
+              <a:t> = (</a:t>
+            </a:r>
+            <a:r>
+              <a:rPr lang="en-AU" sz="1600" dirty="0" err="1"/>
+              <a:t>pop_size</a:t>
+            </a:r>
+            <a:r>
+              <a:rPr lang="en-AU" sz="1600" dirty="0"/>
+              <a:t> - </a:t>
+            </a:r>
+            <a:r>
+              <a:rPr lang="en-AU" sz="1600" dirty="0" err="1"/>
+              <a:t>population_capacity</a:t>
+            </a:r>
+            <a:r>
+              <a:rPr lang="en-AU" sz="1600" dirty="0"/>
+              <a:t>)/</a:t>
+            </a:r>
+            <a:r>
+              <a:rPr lang="en-AU" sz="1600" dirty="0" err="1"/>
+              <a:t>population_capacity</a:t>
+            </a:r>
+            <a:r>
+              <a:rPr lang="en-AU" sz="1600" dirty="0"/>
+              <a:t>  * (1+comp_impact_val)</a:t>
+            </a:r>
+          </a:p>
+        </p:txBody>
+      </p:sp>
+      <p:sp>
+        <p:nvSpPr>
+          <p:cNvPr id="69" name="TextBox 68">
+            <a:extLst>
+              <a:ext uri="{FF2B5EF4-FFF2-40B4-BE49-F238E27FC236}">
+                <a16:creationId xmlns:a16="http://schemas.microsoft.com/office/drawing/2014/main" id="{4CFD51CF-3137-1898-CCE4-9A5124654FFB}"/>
+              </a:ext>
+            </a:extLst>
+          </p:cNvPr>
+          <p:cNvSpPr txBox="1"/>
+          <p:nvPr/>
+        </p:nvSpPr>
+        <p:spPr>
+          <a:xfrm>
+            <a:off x="15574071" y="26698261"/>
+            <a:ext cx="5884431" cy="338554"/>
+          </a:xfrm>
+          <a:prstGeom prst="rect">
+            <a:avLst/>
+          </a:prstGeom>
+          <a:noFill/>
+        </p:spPr>
+        <p:txBody>
+          <a:bodyPr wrap="none" rtlCol="0">
+            <a:spAutoFit/>
+          </a:bodyPr>
+          <a:lstStyle/>
+          <a:p>
+            <a:r>
+              <a:rPr lang="en-AU" sz="1600" dirty="0">
+                <a:solidFill>
+                  <a:schemeClr val="accent6">
+                    <a:lumMod val="75000"/>
+                  </a:schemeClr>
+                </a:solidFill>
+              </a:rPr>
+              <a:t>Determine weighted chance mortality outcome for all individuals</a:t>
+            </a:r>
+          </a:p>
+        </p:txBody>
+      </p:sp>
+      <p:sp>
+        <p:nvSpPr>
+          <p:cNvPr id="70" name="TextBox 69">
+            <a:extLst>
+              <a:ext uri="{FF2B5EF4-FFF2-40B4-BE49-F238E27FC236}">
+                <a16:creationId xmlns:a16="http://schemas.microsoft.com/office/drawing/2014/main" id="{3CFB2996-7029-CE9F-750A-445D11910D31}"/>
+              </a:ext>
+            </a:extLst>
+          </p:cNvPr>
+          <p:cNvSpPr txBox="1"/>
+          <p:nvPr/>
+        </p:nvSpPr>
+        <p:spPr>
+          <a:xfrm>
+            <a:off x="16662435" y="19311208"/>
+            <a:ext cx="3688466" cy="338554"/>
+          </a:xfrm>
+          <a:prstGeom prst="rect">
+            <a:avLst/>
+          </a:prstGeom>
+          <a:noFill/>
+        </p:spPr>
+        <p:txBody>
+          <a:bodyPr wrap="square" rtlCol="0">
+            <a:spAutoFit/>
+          </a:bodyPr>
+          <a:lstStyle/>
+          <a:p>
+            <a:pPr algn="ctr"/>
+            <a:r>
+              <a:rPr lang="en-GB" sz="1600" dirty="0"/>
+              <a:t>Changes MR chance accordingly</a:t>
+            </a:r>
+            <a:endParaRPr lang="en-AU" sz="1600" dirty="0"/>
+          </a:p>
+        </p:txBody>
+      </p:sp>
+      <p:cxnSp>
+        <p:nvCxnSpPr>
+          <p:cNvPr id="71" name="Straight Arrow Connector 70">
+            <a:extLst>
+              <a:ext uri="{FF2B5EF4-FFF2-40B4-BE49-F238E27FC236}">
+                <a16:creationId xmlns:a16="http://schemas.microsoft.com/office/drawing/2014/main" id="{47B34A11-4C23-20B9-6B34-0993F13E8769}"/>
+              </a:ext>
+            </a:extLst>
+          </p:cNvPr>
+          <p:cNvCxnSpPr>
+            <a:cxnSpLocks/>
+            <a:stCxn id="70" idx="2"/>
+            <a:endCxn id="61" idx="0"/>
+          </p:cNvCxnSpPr>
+          <p:nvPr/>
+        </p:nvCxnSpPr>
+        <p:spPr>
+          <a:xfrm>
+            <a:off x="18506668" y="19649764"/>
+            <a:ext cx="3660" cy="873647"/>
+          </a:xfrm>
+          <a:prstGeom prst="straightConnector1">
+            <a:avLst/>
+          </a:prstGeom>
+          <a:ln>
+            <a:prstDash val="solid"/>
+            <a:tailEnd type="triangle"/>
+          </a:ln>
+        </p:spPr>
+        <p:style>
+          <a:lnRef idx="2">
+            <a:schemeClr val="dk1"/>
+          </a:lnRef>
+          <a:fillRef idx="0">
+            <a:schemeClr val="dk1"/>
+          </a:fillRef>
+          <a:effectRef idx="1">
+            <a:schemeClr val="dk1"/>
+          </a:effectRef>
+          <a:fontRef idx="minor">
+            <a:schemeClr val="tx1"/>
+          </a:fontRef>
+        </p:style>
+      </p:cxnSp>
+      <p:cxnSp>
+        <p:nvCxnSpPr>
+          <p:cNvPr id="72" name="Straight Arrow Connector 71">
+            <a:extLst>
+              <a:ext uri="{FF2B5EF4-FFF2-40B4-BE49-F238E27FC236}">
+                <a16:creationId xmlns:a16="http://schemas.microsoft.com/office/drawing/2014/main" id="{04B200BF-0DA8-A1AD-EADC-A78ADBE60A25}"/>
+              </a:ext>
+            </a:extLst>
+          </p:cNvPr>
+          <p:cNvCxnSpPr>
+            <a:cxnSpLocks/>
+            <a:stCxn id="61" idx="2"/>
+            <a:endCxn id="57" idx="0"/>
+          </p:cNvCxnSpPr>
+          <p:nvPr/>
+        </p:nvCxnSpPr>
+        <p:spPr>
+          <a:xfrm flipH="1">
+            <a:off x="18506669" y="21108186"/>
+            <a:ext cx="3661" cy="672105"/>
+          </a:xfrm>
+          <a:prstGeom prst="straightConnector1">
+            <a:avLst/>
+          </a:prstGeom>
+          <a:ln>
+            <a:prstDash val="solid"/>
+            <a:tailEnd type="triangle"/>
+          </a:ln>
+        </p:spPr>
+        <p:style>
+          <a:lnRef idx="2">
+            <a:schemeClr val="dk1"/>
+          </a:lnRef>
+          <a:fillRef idx="0">
+            <a:schemeClr val="dk1"/>
+          </a:fillRef>
+          <a:effectRef idx="1">
+            <a:schemeClr val="dk1"/>
+          </a:effectRef>
+          <a:fontRef idx="minor">
+            <a:schemeClr val="tx1"/>
+          </a:fontRef>
+        </p:style>
+      </p:cxnSp>
+      <p:cxnSp>
+        <p:nvCxnSpPr>
+          <p:cNvPr id="73" name="Straight Arrow Connector 72">
+            <a:extLst>
+              <a:ext uri="{FF2B5EF4-FFF2-40B4-BE49-F238E27FC236}">
+                <a16:creationId xmlns:a16="http://schemas.microsoft.com/office/drawing/2014/main" id="{7D69184C-45A2-79DB-79AC-F7944BEAAC87}"/>
+              </a:ext>
+            </a:extLst>
+          </p:cNvPr>
+          <p:cNvCxnSpPr>
+            <a:cxnSpLocks/>
+            <a:stCxn id="57" idx="2"/>
+            <a:endCxn id="63" idx="0"/>
+          </p:cNvCxnSpPr>
+          <p:nvPr/>
+        </p:nvCxnSpPr>
+        <p:spPr>
+          <a:xfrm flipH="1">
+            <a:off x="18506184" y="22118843"/>
+            <a:ext cx="485" cy="1079298"/>
+          </a:xfrm>
+          <a:prstGeom prst="straightConnector1">
+            <a:avLst/>
+          </a:prstGeom>
+          <a:ln>
+            <a:prstDash val="solid"/>
+            <a:tailEnd type="triangle"/>
+          </a:ln>
+        </p:spPr>
+        <p:style>
+          <a:lnRef idx="2">
+            <a:schemeClr val="dk1"/>
+          </a:lnRef>
+          <a:fillRef idx="0">
+            <a:schemeClr val="dk1"/>
+          </a:fillRef>
+          <a:effectRef idx="1">
+            <a:schemeClr val="dk1"/>
+          </a:effectRef>
+          <a:fontRef idx="minor">
+            <a:schemeClr val="tx1"/>
+          </a:fontRef>
+        </p:style>
+      </p:cxnSp>
+      <p:cxnSp>
+        <p:nvCxnSpPr>
+          <p:cNvPr id="74" name="Straight Arrow Connector 73">
+            <a:extLst>
+              <a:ext uri="{FF2B5EF4-FFF2-40B4-BE49-F238E27FC236}">
+                <a16:creationId xmlns:a16="http://schemas.microsoft.com/office/drawing/2014/main" id="{4ABBA660-A9C8-A5D4-CEC5-2B89BC734AAF}"/>
+              </a:ext>
+            </a:extLst>
+          </p:cNvPr>
+          <p:cNvCxnSpPr>
+            <a:cxnSpLocks/>
+            <a:stCxn id="63" idx="2"/>
+            <a:endCxn id="67" idx="0"/>
+          </p:cNvCxnSpPr>
+          <p:nvPr/>
+        </p:nvCxnSpPr>
+        <p:spPr>
+          <a:xfrm flipH="1">
+            <a:off x="18504775" y="23536695"/>
+            <a:ext cx="1409" cy="766700"/>
+          </a:xfrm>
+          <a:prstGeom prst="straightConnector1">
+            <a:avLst/>
+          </a:prstGeom>
+          <a:ln>
+            <a:prstDash val="solid"/>
+            <a:tailEnd type="triangle"/>
+          </a:ln>
+        </p:spPr>
+        <p:style>
+          <a:lnRef idx="2">
+            <a:schemeClr val="dk1"/>
+          </a:lnRef>
+          <a:fillRef idx="0">
+            <a:schemeClr val="dk1"/>
+          </a:fillRef>
+          <a:effectRef idx="1">
+            <a:schemeClr val="dk1"/>
+          </a:effectRef>
+          <a:fontRef idx="minor">
+            <a:schemeClr val="tx1"/>
+          </a:fontRef>
+        </p:style>
+      </p:cxnSp>
+      <p:cxnSp>
+        <p:nvCxnSpPr>
+          <p:cNvPr id="75" name="Straight Arrow Connector 74">
+            <a:extLst>
+              <a:ext uri="{FF2B5EF4-FFF2-40B4-BE49-F238E27FC236}">
+                <a16:creationId xmlns:a16="http://schemas.microsoft.com/office/drawing/2014/main" id="{5B9586D8-B791-DB22-EB47-A009D3C959DD}"/>
+              </a:ext>
+            </a:extLst>
+          </p:cNvPr>
+          <p:cNvCxnSpPr>
+            <a:cxnSpLocks/>
+            <a:stCxn id="67" idx="2"/>
+            <a:endCxn id="66" idx="0"/>
+          </p:cNvCxnSpPr>
+          <p:nvPr/>
+        </p:nvCxnSpPr>
+        <p:spPr>
+          <a:xfrm>
+            <a:off x="18504773" y="24888172"/>
+            <a:ext cx="5332" cy="570147"/>
+          </a:xfrm>
+          <a:prstGeom prst="straightConnector1">
+            <a:avLst/>
+          </a:prstGeom>
+          <a:ln>
+            <a:prstDash val="solid"/>
+            <a:tailEnd type="triangle"/>
+          </a:ln>
+        </p:spPr>
+        <p:style>
+          <a:lnRef idx="2">
+            <a:schemeClr val="dk1"/>
+          </a:lnRef>
+          <a:fillRef idx="0">
+            <a:schemeClr val="dk1"/>
+          </a:fillRef>
+          <a:effectRef idx="1">
+            <a:schemeClr val="dk1"/>
+          </a:effectRef>
+          <a:fontRef idx="minor">
+            <a:schemeClr val="tx1"/>
+          </a:fontRef>
+        </p:style>
+      </p:cxnSp>
+      <p:cxnSp>
+        <p:nvCxnSpPr>
+          <p:cNvPr id="76" name="Straight Arrow Connector 75">
+            <a:extLst>
+              <a:ext uri="{FF2B5EF4-FFF2-40B4-BE49-F238E27FC236}">
+                <a16:creationId xmlns:a16="http://schemas.microsoft.com/office/drawing/2014/main" id="{60D98C92-6F01-1449-B3BC-3E486DF2A213}"/>
+              </a:ext>
+            </a:extLst>
+          </p:cNvPr>
+          <p:cNvCxnSpPr>
+            <a:cxnSpLocks/>
+            <a:stCxn id="66" idx="2"/>
+            <a:endCxn id="69" idx="0"/>
+          </p:cNvCxnSpPr>
+          <p:nvPr/>
+        </p:nvCxnSpPr>
+        <p:spPr>
+          <a:xfrm>
+            <a:off x="18510105" y="26043094"/>
+            <a:ext cx="6180" cy="655169"/>
+          </a:xfrm>
+          <a:prstGeom prst="straightConnector1">
+            <a:avLst/>
+          </a:prstGeom>
+          <a:ln>
+            <a:prstDash val="solid"/>
+            <a:tailEnd type="triangle"/>
+          </a:ln>
+        </p:spPr>
+        <p:style>
+          <a:lnRef idx="2">
+            <a:schemeClr val="dk1"/>
+          </a:lnRef>
+          <a:fillRef idx="0">
+            <a:schemeClr val="dk1"/>
+          </a:fillRef>
+          <a:effectRef idx="1">
+            <a:schemeClr val="dk1"/>
+          </a:effectRef>
+          <a:fontRef idx="minor">
+            <a:schemeClr val="tx1"/>
+          </a:fontRef>
+        </p:style>
+      </p:cxnSp>
+      <p:cxnSp>
+        <p:nvCxnSpPr>
+          <p:cNvPr id="77" name="Straight Arrow Connector 76">
+            <a:extLst>
+              <a:ext uri="{FF2B5EF4-FFF2-40B4-BE49-F238E27FC236}">
+                <a16:creationId xmlns:a16="http://schemas.microsoft.com/office/drawing/2014/main" id="{42684193-9001-D075-4486-9DE23075001B}"/>
+              </a:ext>
+            </a:extLst>
+          </p:cNvPr>
+          <p:cNvCxnSpPr>
+            <a:cxnSpLocks/>
+          </p:cNvCxnSpPr>
+          <p:nvPr/>
+        </p:nvCxnSpPr>
+        <p:spPr>
+          <a:xfrm flipH="1" flipV="1">
+            <a:off x="15204294" y="25626302"/>
+            <a:ext cx="897119" cy="1294"/>
+          </a:xfrm>
+          <a:prstGeom prst="straightConnector1">
+            <a:avLst/>
+          </a:prstGeom>
+          <a:ln>
+            <a:prstDash val="dash"/>
+            <a:tailEnd type="triangle"/>
+          </a:ln>
+        </p:spPr>
+        <p:style>
+          <a:lnRef idx="2">
+            <a:schemeClr val="dk1"/>
+          </a:lnRef>
+          <a:fillRef idx="0">
+            <a:schemeClr val="dk1"/>
+          </a:fillRef>
+          <a:effectRef idx="1">
+            <a:schemeClr val="dk1"/>
+          </a:effectRef>
+          <a:fontRef idx="minor">
+            <a:schemeClr val="tx1"/>
+          </a:fontRef>
+        </p:style>
+      </p:cxnSp>
+      <p:sp>
+        <p:nvSpPr>
+          <p:cNvPr id="78" name="TextBox 77">
+            <a:extLst>
+              <a:ext uri="{FF2B5EF4-FFF2-40B4-BE49-F238E27FC236}">
+                <a16:creationId xmlns:a16="http://schemas.microsoft.com/office/drawing/2014/main" id="{0E362E05-B980-9D49-D24D-3EC1EAB10ED4}"/>
+              </a:ext>
+            </a:extLst>
+          </p:cNvPr>
+          <p:cNvSpPr txBox="1"/>
+          <p:nvPr/>
+        </p:nvSpPr>
+        <p:spPr>
+          <a:xfrm>
+            <a:off x="20791309" y="14269540"/>
+            <a:ext cx="5205464" cy="584775"/>
+          </a:xfrm>
+          <a:prstGeom prst="rect">
+            <a:avLst/>
+          </a:prstGeom>
+          <a:noFill/>
+        </p:spPr>
+        <p:txBody>
+          <a:bodyPr wrap="none" rtlCol="0">
+            <a:spAutoFit/>
+          </a:bodyPr>
+          <a:lstStyle/>
+          <a:p>
+            <a:r>
+              <a:rPr lang="en-GB" sz="1600" dirty="0"/>
+              <a:t>User set number of individuals and time point introduced</a:t>
+            </a:r>
+          </a:p>
+          <a:p>
+            <a:r>
+              <a:rPr lang="en-GB" sz="1600" dirty="0"/>
+              <a:t>MR determined by </a:t>
+            </a:r>
+            <a:r>
+              <a:rPr lang="en-GB" sz="1600" dirty="0" err="1"/>
+              <a:t>rnorm</a:t>
+            </a:r>
+            <a:r>
+              <a:rPr lang="en-GB" sz="1600" dirty="0"/>
+              <a:t> using pre-set mean and SD</a:t>
+            </a:r>
+            <a:endParaRPr lang="en-AU" sz="1600" dirty="0"/>
+          </a:p>
+        </p:txBody>
+      </p:sp>
+      <p:cxnSp>
+        <p:nvCxnSpPr>
+          <p:cNvPr id="79" name="Straight Arrow Connector 78">
+            <a:extLst>
+              <a:ext uri="{FF2B5EF4-FFF2-40B4-BE49-F238E27FC236}">
+                <a16:creationId xmlns:a16="http://schemas.microsoft.com/office/drawing/2014/main" id="{12DAAA69-9D7F-6FCA-BC38-4CADFFDF299F}"/>
+              </a:ext>
+            </a:extLst>
+          </p:cNvPr>
+          <p:cNvCxnSpPr>
+            <a:cxnSpLocks/>
+            <a:stCxn id="35" idx="2"/>
+          </p:cNvCxnSpPr>
+          <p:nvPr/>
+        </p:nvCxnSpPr>
+        <p:spPr>
+          <a:xfrm>
+            <a:off x="18200612" y="13310692"/>
+            <a:ext cx="0" cy="910634"/>
+          </a:xfrm>
+          <a:prstGeom prst="straightConnector1">
+            <a:avLst/>
+          </a:prstGeom>
+          <a:ln>
+            <a:prstDash val="solid"/>
+            <a:tailEnd type="triangle"/>
+          </a:ln>
+        </p:spPr>
+        <p:style>
+          <a:lnRef idx="2">
+            <a:schemeClr val="dk1"/>
+          </a:lnRef>
+          <a:fillRef idx="0">
+            <a:schemeClr val="dk1"/>
+          </a:fillRef>
+          <a:effectRef idx="1">
+            <a:schemeClr val="dk1"/>
+          </a:effectRef>
+          <a:fontRef idx="minor">
+            <a:schemeClr val="tx1"/>
+          </a:fontRef>
+        </p:style>
+      </p:cxnSp>
+      <p:cxnSp>
+        <p:nvCxnSpPr>
+          <p:cNvPr id="80" name="Straight Arrow Connector 79">
+            <a:extLst>
+              <a:ext uri="{FF2B5EF4-FFF2-40B4-BE49-F238E27FC236}">
+                <a16:creationId xmlns:a16="http://schemas.microsoft.com/office/drawing/2014/main" id="{00B99595-3AC5-8F2C-575A-38CE9562E300}"/>
+              </a:ext>
+            </a:extLst>
+          </p:cNvPr>
+          <p:cNvCxnSpPr>
+            <a:cxnSpLocks/>
+            <a:stCxn id="60" idx="3"/>
+            <a:endCxn id="78" idx="1"/>
+          </p:cNvCxnSpPr>
+          <p:nvPr/>
+        </p:nvCxnSpPr>
+        <p:spPr>
+          <a:xfrm>
+            <a:off x="19956529" y="14552621"/>
+            <a:ext cx="834780" cy="9307"/>
+          </a:xfrm>
+          <a:prstGeom prst="straightConnector1">
+            <a:avLst/>
+          </a:prstGeom>
+          <a:ln>
+            <a:prstDash val="dash"/>
+            <a:tailEnd type="triangle"/>
+          </a:ln>
+        </p:spPr>
+        <p:style>
+          <a:lnRef idx="2">
+            <a:schemeClr val="dk1"/>
+          </a:lnRef>
+          <a:fillRef idx="0">
+            <a:schemeClr val="dk1"/>
+          </a:fillRef>
+          <a:effectRef idx="1">
+            <a:schemeClr val="dk1"/>
+          </a:effectRef>
+          <a:fontRef idx="minor">
+            <a:schemeClr val="tx1"/>
+          </a:fontRef>
+        </p:style>
+      </p:cxnSp>
+      <p:cxnSp>
+        <p:nvCxnSpPr>
+          <p:cNvPr id="81" name="Connector: Curved 80">
+            <a:extLst>
+              <a:ext uri="{FF2B5EF4-FFF2-40B4-BE49-F238E27FC236}">
+                <a16:creationId xmlns:a16="http://schemas.microsoft.com/office/drawing/2014/main" id="{DCDCB71A-2166-CD24-261A-76590368B76D}"/>
+              </a:ext>
+            </a:extLst>
+          </p:cNvPr>
+          <p:cNvCxnSpPr>
+            <a:cxnSpLocks/>
+            <a:stCxn id="53" idx="2"/>
+            <a:endCxn id="70" idx="0"/>
+          </p:cNvCxnSpPr>
+          <p:nvPr/>
+        </p:nvCxnSpPr>
+        <p:spPr>
+          <a:xfrm rot="16200000" flipH="1">
+            <a:off x="16949471" y="17754010"/>
+            <a:ext cx="776083" cy="2338315"/>
+          </a:xfrm>
+          <a:prstGeom prst="curvedConnector3">
+            <a:avLst>
+              <a:gd name="adj1" fmla="val 50000"/>
+            </a:avLst>
+          </a:prstGeom>
+          <a:ln>
+            <a:prstDash val="sysDot"/>
+            <a:tailEnd type="triangle"/>
+          </a:ln>
+        </p:spPr>
+        <p:style>
+          <a:lnRef idx="2">
+            <a:schemeClr val="dk1"/>
+          </a:lnRef>
+          <a:fillRef idx="0">
+            <a:schemeClr val="dk1"/>
+          </a:fillRef>
+          <a:effectRef idx="1">
+            <a:schemeClr val="dk1"/>
+          </a:effectRef>
+          <a:fontRef idx="minor">
+            <a:schemeClr val="tx1"/>
+          </a:fontRef>
+        </p:style>
+      </p:cxnSp>
+      <p:cxnSp>
+        <p:nvCxnSpPr>
+          <p:cNvPr id="82" name="Connector: Curved 81">
+            <a:extLst>
+              <a:ext uri="{FF2B5EF4-FFF2-40B4-BE49-F238E27FC236}">
+                <a16:creationId xmlns:a16="http://schemas.microsoft.com/office/drawing/2014/main" id="{D9140F30-D580-2045-BB9F-3783ED07A87F}"/>
+              </a:ext>
+            </a:extLst>
+          </p:cNvPr>
+          <p:cNvCxnSpPr>
+            <a:cxnSpLocks/>
+            <a:stCxn id="54" idx="2"/>
+            <a:endCxn id="70" idx="0"/>
+          </p:cNvCxnSpPr>
+          <p:nvPr/>
+        </p:nvCxnSpPr>
+        <p:spPr>
+          <a:xfrm rot="5400000">
+            <a:off x="18639488" y="17848310"/>
+            <a:ext cx="1330083" cy="1595717"/>
+          </a:xfrm>
+          <a:prstGeom prst="curvedConnector3">
+            <a:avLst>
+              <a:gd name="adj1" fmla="val 50000"/>
+            </a:avLst>
+          </a:prstGeom>
+          <a:ln>
+            <a:prstDash val="sysDot"/>
+            <a:tailEnd type="triangle"/>
+          </a:ln>
+        </p:spPr>
+        <p:style>
+          <a:lnRef idx="2">
+            <a:schemeClr val="dk1"/>
+          </a:lnRef>
+          <a:fillRef idx="0">
+            <a:schemeClr val="dk1"/>
+          </a:fillRef>
+          <a:effectRef idx="1">
+            <a:schemeClr val="dk1"/>
+          </a:effectRef>
+          <a:fontRef idx="minor">
+            <a:schemeClr val="tx1"/>
+          </a:fontRef>
+        </p:style>
+      </p:cxnSp>
+      <p:cxnSp>
+        <p:nvCxnSpPr>
+          <p:cNvPr id="86" name="Straight Arrow Connector 85">
+            <a:extLst>
+              <a:ext uri="{FF2B5EF4-FFF2-40B4-BE49-F238E27FC236}">
+                <a16:creationId xmlns:a16="http://schemas.microsoft.com/office/drawing/2014/main" id="{0CFC4C46-CE58-4ACE-839A-02B6717036E1}"/>
+              </a:ext>
+            </a:extLst>
+          </p:cNvPr>
+          <p:cNvCxnSpPr>
+            <a:cxnSpLocks/>
+            <a:endCxn id="6" idx="0"/>
+          </p:cNvCxnSpPr>
+          <p:nvPr/>
+        </p:nvCxnSpPr>
+        <p:spPr>
+          <a:xfrm>
+            <a:off x="18501182" y="27009068"/>
+            <a:ext cx="3593" cy="1262768"/>
+          </a:xfrm>
+          <a:prstGeom prst="straightConnector1">
+            <a:avLst/>
+          </a:prstGeom>
+          <a:ln>
+            <a:tailEnd type="triangle"/>
+          </a:ln>
+        </p:spPr>
+        <p:style>
+          <a:lnRef idx="2">
+            <a:schemeClr val="dk1"/>
+          </a:lnRef>
+          <a:fillRef idx="0">
+            <a:schemeClr val="dk1"/>
+          </a:fillRef>
+          <a:effectRef idx="1">
+            <a:schemeClr val="dk1"/>
+          </a:effectRef>
+          <a:fontRef idx="minor">
+            <a:schemeClr val="tx1"/>
+          </a:fontRef>
+        </p:style>
+      </p:cxnSp>
+      <p:cxnSp>
+        <p:nvCxnSpPr>
+          <p:cNvPr id="91" name="Straight Arrow Connector 90">
+            <a:extLst>
+              <a:ext uri="{FF2B5EF4-FFF2-40B4-BE49-F238E27FC236}">
+                <a16:creationId xmlns:a16="http://schemas.microsoft.com/office/drawing/2014/main" id="{85EB2FDC-7C23-B776-45D0-5BFEAA07550A}"/>
+              </a:ext>
+            </a:extLst>
+          </p:cNvPr>
+          <p:cNvCxnSpPr>
+            <a:cxnSpLocks/>
+            <a:stCxn id="8" idx="2"/>
+            <a:endCxn id="9" idx="0"/>
+          </p:cNvCxnSpPr>
+          <p:nvPr/>
+        </p:nvCxnSpPr>
+        <p:spPr>
+          <a:xfrm>
+            <a:off x="18195190" y="3834042"/>
+            <a:ext cx="0" cy="1142873"/>
+          </a:xfrm>
+          <a:prstGeom prst="straightConnector1">
+            <a:avLst/>
+          </a:prstGeom>
+          <a:ln>
+            <a:prstDash val="solid"/>
+            <a:tailEnd type="triangle"/>
+          </a:ln>
+        </p:spPr>
+        <p:style>
+          <a:lnRef idx="2">
+            <a:schemeClr val="dk1"/>
+          </a:lnRef>
+          <a:fillRef idx="0">
+            <a:schemeClr val="dk1"/>
+          </a:fillRef>
+          <a:effectRef idx="1">
+            <a:schemeClr val="dk1"/>
+          </a:effectRef>
+          <a:fontRef idx="minor">
+            <a:schemeClr val="tx1"/>
+          </a:fontRef>
+        </p:style>
+      </p:cxnSp>
+      <p:cxnSp>
+        <p:nvCxnSpPr>
+          <p:cNvPr id="119" name="Straight Arrow Connector 118">
+            <a:extLst>
+              <a:ext uri="{FF2B5EF4-FFF2-40B4-BE49-F238E27FC236}">
+                <a16:creationId xmlns:a16="http://schemas.microsoft.com/office/drawing/2014/main" id="{57E38BAD-0FF0-DF34-77AA-55EA7A646B93}"/>
+              </a:ext>
+            </a:extLst>
+          </p:cNvPr>
+          <p:cNvCxnSpPr>
+            <a:cxnSpLocks/>
+          </p:cNvCxnSpPr>
+          <p:nvPr/>
+        </p:nvCxnSpPr>
+        <p:spPr>
+          <a:xfrm>
+            <a:off x="18201623" y="14737286"/>
+            <a:ext cx="0" cy="910634"/>
+          </a:xfrm>
+          <a:prstGeom prst="straightConnector1">
+            <a:avLst/>
+          </a:prstGeom>
+          <a:ln w="57150">
+            <a:solidFill>
+              <a:srgbClr val="9900FF"/>
+            </a:solidFill>
+            <a:prstDash val="solid"/>
+            <a:tailEnd type="triangle"/>
+          </a:ln>
+        </p:spPr>
+        <p:style>
+          <a:lnRef idx="2">
+            <a:schemeClr val="dk1"/>
+          </a:lnRef>
+          <a:fillRef idx="0">
+            <a:schemeClr val="dk1"/>
+          </a:fillRef>
+          <a:effectRef idx="1">
+            <a:schemeClr val="dk1"/>
+          </a:effectRef>
+          <a:fontRef idx="minor">
+            <a:schemeClr val="tx1"/>
+          </a:fontRef>
+        </p:style>
+      </p:cxnSp>
+      <p:pic>
+        <p:nvPicPr>
+          <p:cNvPr id="137" name="Picture 136" descr="A screenshot of a graph&#10;&#10;AI-generated content may be incorrect.">
+            <a:extLst>
+              <a:ext uri="{FF2B5EF4-FFF2-40B4-BE49-F238E27FC236}">
+                <a16:creationId xmlns:a16="http://schemas.microsoft.com/office/drawing/2014/main" id="{047AE18C-4D77-3C2C-0183-D07734F4A1C0}"/>
+              </a:ext>
+            </a:extLst>
+          </p:cNvPr>
+          <p:cNvPicPr>
+            <a:picLocks noChangeAspect="1"/>
+          </p:cNvPicPr>
+          <p:nvPr/>
+        </p:nvPicPr>
+        <p:blipFill>
+          <a:blip r:embed="rId5">
+            <a:extLst>
+              <a:ext uri="{28A0092B-C50C-407E-A947-70E740481C1C}">
+                <a14:useLocalDpi xmlns:a14="http://schemas.microsoft.com/office/drawing/2010/main" val="0"/>
+              </a:ext>
+            </a:extLst>
+          </a:blip>
+          <a:stretch>
+            <a:fillRect/>
+          </a:stretch>
+        </p:blipFill>
+        <p:spPr>
+          <a:xfrm>
+            <a:off x="25071174" y="6875313"/>
+            <a:ext cx="2734114" cy="2952843"/>
+          </a:xfrm>
+          <a:prstGeom prst="rect">
+            <a:avLst/>
+          </a:prstGeom>
+        </p:spPr>
+      </p:pic>
+      <p:pic>
+        <p:nvPicPr>
+          <p:cNvPr id="143" name="Picture 142" descr="A screenshot of a graph&#10;&#10;AI-generated content may be incorrect.">
+            <a:extLst>
+              <a:ext uri="{FF2B5EF4-FFF2-40B4-BE49-F238E27FC236}">
+                <a16:creationId xmlns:a16="http://schemas.microsoft.com/office/drawing/2014/main" id="{7D19A42E-6B9F-7061-ADC5-816FDEF9E2C0}"/>
+              </a:ext>
+            </a:extLst>
+          </p:cNvPr>
+          <p:cNvPicPr>
+            <a:picLocks noChangeAspect="1"/>
+          </p:cNvPicPr>
+          <p:nvPr/>
+        </p:nvPicPr>
+        <p:blipFill>
+          <a:blip r:embed="rId6">
+            <a:extLst>
+              <a:ext uri="{28A0092B-C50C-407E-A947-70E740481C1C}">
+                <a14:useLocalDpi xmlns:a14="http://schemas.microsoft.com/office/drawing/2010/main" val="0"/>
+              </a:ext>
+            </a:extLst>
+          </a:blip>
+          <a:stretch>
+            <a:fillRect/>
+          </a:stretch>
+        </p:blipFill>
+        <p:spPr>
+          <a:xfrm>
+            <a:off x="3029586" y="21395220"/>
+            <a:ext cx="3600000" cy="3888000"/>
+          </a:xfrm>
+          <a:prstGeom prst="rect">
+            <a:avLst/>
+          </a:prstGeom>
+        </p:spPr>
+      </p:pic>
+    </p:spTree>
+    <p:extLst>
+      <p:ext uri="{BB962C8B-B14F-4D97-AF65-F5344CB8AC3E}">
+        <p14:creationId xmlns:p14="http://schemas.microsoft.com/office/powerpoint/2010/main" val="2598076449"/>
       </p:ext>
     </p:extLst>
   </p:cSld>
